--- a/CS229_poster.pptx
+++ b/CS229_poster.pptx
@@ -3515,18 +3515,18 @@
       </p:grpSpPr>
       <p:sp>
         <p:nvSpPr>
-          <p:cNvPr id="76" name="Rounded Rectangle 75"/>
+          <p:cNvPr id="38" name="Rounded Rectangle 37"/>
           <p:cNvSpPr/>
           <p:nvPr/>
         </p:nvSpPr>
         <p:spPr>
           <a:xfrm>
-            <a:off x="9068281" y="11900991"/>
-            <a:ext cx="13397997" cy="862612"/>
+            <a:off x="12039600" y="5833056"/>
+            <a:ext cx="21407387" cy="1139505"/>
           </a:xfrm>
           <a:prstGeom prst="roundRect">
             <a:avLst>
-              <a:gd name="adj" fmla="val 14409"/>
+              <a:gd name="adj" fmla="val 33951"/>
             </a:avLst>
           </a:prstGeom>
           <a:solidFill>
@@ -3559,124 +3559,24 @@
           <a:lstStyle/>
           <a:p>
             <a:pPr algn="ctr"/>
-            <a:endParaRPr lang="en-US"/>
-          </a:p>
-        </p:txBody>
-      </p:sp>
-      <p:sp>
-        <p:nvSpPr>
-          <p:cNvPr id="84" name="Rounded Rectangle 83"/>
+            <a:endParaRPr lang="en-US" dirty="0"/>
+          </a:p>
+        </p:txBody>
+      </p:sp>
+      <p:sp>
+        <p:nvSpPr>
+          <p:cNvPr id="144" name="Rectangle: Rounded Corners 143"/>
           <p:cNvSpPr/>
           <p:nvPr/>
         </p:nvSpPr>
         <p:spPr>
           <a:xfrm>
-            <a:off x="8924673" y="5833057"/>
-            <a:ext cx="34574367" cy="1139505"/>
+            <a:off x="12039600" y="5823852"/>
+            <a:ext cx="21407387" cy="23055948"/>
           </a:xfrm>
           <a:prstGeom prst="roundRect">
             <a:avLst>
-              <a:gd name="adj" fmla="val 50000"/>
-            </a:avLst>
-          </a:prstGeom>
-          <a:solidFill>
-            <a:schemeClr val="bg1">
-              <a:lumMod val="95000"/>
-            </a:schemeClr>
-          </a:solidFill>
-          <a:ln>
-            <a:noFill/>
-          </a:ln>
-        </p:spPr>
-        <p:style>
-          <a:lnRef idx="2">
-            <a:schemeClr val="accent1">
-              <a:shade val="50000"/>
-            </a:schemeClr>
-          </a:lnRef>
-          <a:fillRef idx="1">
-            <a:schemeClr val="accent1"/>
-          </a:fillRef>
-          <a:effectRef idx="0">
-            <a:schemeClr val="accent1"/>
-          </a:effectRef>
-          <a:fontRef idx="minor">
-            <a:schemeClr val="lt1"/>
-          </a:fontRef>
-        </p:style>
-        <p:txBody>
-          <a:bodyPr rtlCol="0" anchor="ctr"/>
-          <a:lstStyle/>
-          <a:p>
-            <a:pPr algn="ctr"/>
-            <a:endParaRPr lang="en-US"/>
-          </a:p>
-        </p:txBody>
-      </p:sp>
-      <p:sp>
-        <p:nvSpPr>
-          <p:cNvPr id="28" name="Rounded Rectangle 27"/>
-          <p:cNvSpPr/>
-          <p:nvPr/>
-        </p:nvSpPr>
-        <p:spPr>
-          <a:xfrm>
-            <a:off x="9152031" y="19920175"/>
-            <a:ext cx="13314247" cy="1411283"/>
-          </a:xfrm>
-          <a:prstGeom prst="roundRect">
-            <a:avLst>
-              <a:gd name="adj" fmla="val 10883"/>
-            </a:avLst>
-          </a:prstGeom>
-          <a:solidFill>
-            <a:schemeClr val="bg1">
-              <a:lumMod val="95000"/>
-            </a:schemeClr>
-          </a:solidFill>
-          <a:ln>
-            <a:noFill/>
-          </a:ln>
-        </p:spPr>
-        <p:style>
-          <a:lnRef idx="2">
-            <a:schemeClr val="accent1">
-              <a:shade val="50000"/>
-            </a:schemeClr>
-          </a:lnRef>
-          <a:fillRef idx="1">
-            <a:schemeClr val="accent1"/>
-          </a:fillRef>
-          <a:effectRef idx="0">
-            <a:schemeClr val="accent1"/>
-          </a:effectRef>
-          <a:fontRef idx="minor">
-            <a:schemeClr val="lt1"/>
-          </a:fontRef>
-        </p:style>
-        <p:txBody>
-          <a:bodyPr rtlCol="0" anchor="ctr"/>
-          <a:lstStyle/>
-          <a:p>
-            <a:pPr algn="ctr"/>
-            <a:endParaRPr lang="en-US"/>
-          </a:p>
-        </p:txBody>
-      </p:sp>
-      <p:sp>
-        <p:nvSpPr>
-          <p:cNvPr id="144" name="Rectangle: Rounded Corners 143"/>
-          <p:cNvSpPr/>
-          <p:nvPr/>
-        </p:nvSpPr>
-        <p:spPr>
-          <a:xfrm>
-            <a:off x="8924673" y="5823852"/>
-            <a:ext cx="34574367" cy="23055948"/>
-          </a:xfrm>
-          <a:prstGeom prst="roundRect">
-            <a:avLst>
-              <a:gd name="adj" fmla="val 3469"/>
+              <a:gd name="adj" fmla="val 2102"/>
             </a:avLst>
           </a:prstGeom>
           <a:noFill/>
@@ -3727,8 +3627,8 @@
         </p:nvSpPr>
         <p:spPr bwMode="auto">
           <a:xfrm>
-            <a:off x="609600" y="247233"/>
-            <a:ext cx="33375600" cy="2800767"/>
+            <a:off x="1338549" y="1047489"/>
+            <a:ext cx="38066950" cy="1569660"/>
           </a:xfrm>
           <a:prstGeom prst="rect">
             <a:avLst/>
@@ -3870,32 +3770,15 @@
           </a:lstStyle>
           <a:p>
             <a:r>
-              <a:rPr lang="en-US" altLang="en-US" sz="8800" b="1" dirty="0">
+              <a:rPr lang="en-US" altLang="en-US" sz="9600" b="1" dirty="0" smtClean="0">
                 <a:solidFill>
                   <a:srgbClr val="A80C30"/>
                 </a:solidFill>
                 <a:latin typeface="Calibri" panose="020F0502020204030204" pitchFamily="34" charset="0"/>
               </a:rPr>
-              <a:t>Excited State Studies of Carotenoid Photoactive Proteins:</a:t>
-            </a:r>
-            <a:br>
-              <a:rPr lang="en-US" altLang="en-US" sz="8800" b="1" dirty="0">
-                <a:solidFill>
-                  <a:srgbClr val="A80C30"/>
-                </a:solidFill>
-                <a:latin typeface="Calibri" panose="020F0502020204030204" pitchFamily="34" charset="0"/>
-              </a:rPr>
-            </a:br>
-            <a:r>
-              <a:rPr lang="en-US" altLang="en-US" sz="8800" b="1" dirty="0">
-                <a:solidFill>
-                  <a:srgbClr val="A80C30"/>
-                </a:solidFill>
-                <a:latin typeface="Calibri" panose="020F0502020204030204" pitchFamily="34" charset="0"/>
-              </a:rPr>
-              <a:t>Light Harvesting Complex II and Orange Carotenoid Protein</a:t>
-            </a:r>
-            <a:endParaRPr lang="en-US" altLang="en-US" sz="8800" dirty="0">
+              <a:t>Listen to Your Data: Turning Chemical Dynamics Simulations into Music</a:t>
+            </a:r>
+            <a:endParaRPr lang="en-US" altLang="en-US" sz="9600" dirty="0">
               <a:solidFill>
                 <a:schemeClr val="tx1">
                   <a:lumMod val="75000"/>
@@ -3915,7 +3798,7 @@
         </p:nvGrpSpPr>
         <p:grpSpPr>
           <a:xfrm>
-            <a:off x="-36763" y="5500149"/>
+            <a:off x="0" y="5171917"/>
             <a:ext cx="43891200" cy="138651"/>
             <a:chOff x="6960" y="19366947"/>
             <a:chExt cx="19912196" cy="82296"/>
@@ -4027,8 +3910,8 @@
         </p:nvSpPr>
         <p:spPr>
           <a:xfrm>
-            <a:off x="675973" y="3124200"/>
-            <a:ext cx="25841627" cy="2215991"/>
+            <a:off x="2780200" y="2759560"/>
+            <a:ext cx="32394826" cy="1785104"/>
           </a:xfrm>
           <a:prstGeom prst="rect">
             <a:avLst/>
@@ -4041,7 +3924,7 @@
           <a:lstStyle/>
           <a:p>
             <a:r>
-              <a:rPr lang="en-US" altLang="en-US" sz="5400" dirty="0" smtClean="0">
+              <a:rPr lang="en-US" altLang="en-US" sz="6000" dirty="0" smtClean="0">
                 <a:solidFill>
                   <a:schemeClr val="tx1">
                     <a:lumMod val="75000"/>
@@ -4050,10 +3933,10 @@
                 </a:solidFill>
                 <a:latin typeface="Calibri" panose="020F0502020204030204" pitchFamily="34" charset="0"/>
               </a:rPr>
-              <a:t>K. Grace </a:t>
-            </a:r>
-            <a:r>
-              <a:rPr lang="en-US" altLang="en-US" sz="5400" dirty="0">
+              <a:t>Austin Atsango</a:t>
+            </a:r>
+            <a:r>
+              <a:rPr lang="en-US" altLang="en-US" sz="6000" baseline="30000" dirty="0" smtClean="0">
                 <a:solidFill>
                   <a:schemeClr val="tx1">
                     <a:lumMod val="75000"/>
@@ -4062,10 +3945,10 @@
                 </a:solidFill>
                 <a:latin typeface="Calibri" panose="020F0502020204030204" pitchFamily="34" charset="0"/>
               </a:rPr>
-              <a:t>Johnson, Deniz Tuna and Todd J. </a:t>
-            </a:r>
-            <a:r>
-              <a:rPr lang="en-US" altLang="en-US" sz="5400" dirty="0" err="1">
+              <a:t>1</a:t>
+            </a:r>
+            <a:r>
+              <a:rPr lang="en-US" altLang="en-US" sz="6000" dirty="0" smtClean="0">
                 <a:solidFill>
                   <a:schemeClr val="tx1">
                     <a:lumMod val="75000"/>
@@ -4074,9 +3957,155 @@
                 </a:solidFill>
                 <a:latin typeface="Calibri" panose="020F0502020204030204" pitchFamily="34" charset="0"/>
               </a:rPr>
-              <a:t>Martínez</a:t>
-            </a:r>
-            <a:endParaRPr lang="en-US" altLang="en-US" sz="5400" dirty="0">
+              <a:t> (</a:t>
+            </a:r>
+            <a:r>
+              <a:rPr lang="en-US" altLang="en-US" sz="6000" dirty="0" err="1" smtClean="0">
+                <a:solidFill>
+                  <a:schemeClr val="tx1">
+                    <a:lumMod val="75000"/>
+                    <a:lumOff val="25000"/>
+                  </a:schemeClr>
+                </a:solidFill>
+                <a:latin typeface="Calibri" panose="020F0502020204030204" pitchFamily="34" charset="0"/>
+              </a:rPr>
+              <a:t>atsango</a:t>
+            </a:r>
+            <a:r>
+              <a:rPr lang="en-US" altLang="en-US" sz="6000" dirty="0" smtClean="0">
+                <a:solidFill>
+                  <a:schemeClr val="tx1">
+                    <a:lumMod val="75000"/>
+                    <a:lumOff val="25000"/>
+                  </a:schemeClr>
+                </a:solidFill>
+                <a:latin typeface="Calibri" panose="020F0502020204030204" pitchFamily="34" charset="0"/>
+              </a:rPr>
+              <a:t>), Soren Holm</a:t>
+            </a:r>
+            <a:r>
+              <a:rPr lang="en-US" altLang="en-US" sz="6000" baseline="30000" dirty="0" smtClean="0">
+                <a:solidFill>
+                  <a:schemeClr val="tx1">
+                    <a:lumMod val="75000"/>
+                    <a:lumOff val="25000"/>
+                  </a:schemeClr>
+                </a:solidFill>
+                <a:latin typeface="Calibri" panose="020F0502020204030204" pitchFamily="34" charset="0"/>
+              </a:rPr>
+              <a:t>1</a:t>
+            </a:r>
+            <a:r>
+              <a:rPr lang="en-US" altLang="en-US" sz="6000" dirty="0" smtClean="0">
+                <a:solidFill>
+                  <a:schemeClr val="tx1">
+                    <a:lumMod val="75000"/>
+                    <a:lumOff val="25000"/>
+                  </a:schemeClr>
+                </a:solidFill>
+                <a:latin typeface="Calibri" panose="020F0502020204030204" pitchFamily="34" charset="0"/>
+              </a:rPr>
+              <a:t> (</a:t>
+            </a:r>
+            <a:r>
+              <a:rPr lang="en-US" altLang="en-US" sz="6000" dirty="0" err="1" smtClean="0">
+                <a:solidFill>
+                  <a:schemeClr val="tx1">
+                    <a:lumMod val="75000"/>
+                    <a:lumOff val="25000"/>
+                  </a:schemeClr>
+                </a:solidFill>
+                <a:latin typeface="Calibri" panose="020F0502020204030204" pitchFamily="34" charset="0"/>
+              </a:rPr>
+              <a:t>sholm</a:t>
+            </a:r>
+            <a:r>
+              <a:rPr lang="en-US" altLang="en-US" sz="6000" dirty="0" smtClean="0">
+                <a:solidFill>
+                  <a:schemeClr val="tx1">
+                    <a:lumMod val="75000"/>
+                    <a:lumOff val="25000"/>
+                  </a:schemeClr>
+                </a:solidFill>
+                <a:latin typeface="Calibri" panose="020F0502020204030204" pitchFamily="34" charset="0"/>
+              </a:rPr>
+              <a:t>), and K</a:t>
+            </a:r>
+            <a:r>
+              <a:rPr lang="en-US" altLang="en-US" sz="6000" dirty="0" smtClean="0">
+                <a:solidFill>
+                  <a:schemeClr val="tx1">
+                    <a:lumMod val="75000"/>
+                    <a:lumOff val="25000"/>
+                  </a:schemeClr>
+                </a:solidFill>
+                <a:latin typeface="Calibri" panose="020F0502020204030204" pitchFamily="34" charset="0"/>
+              </a:rPr>
+              <a:t>. Grace </a:t>
+            </a:r>
+            <a:r>
+              <a:rPr lang="en-US" altLang="en-US" sz="6000" dirty="0" smtClean="0">
+                <a:solidFill>
+                  <a:schemeClr val="tx1">
+                    <a:lumMod val="75000"/>
+                    <a:lumOff val="25000"/>
+                  </a:schemeClr>
+                </a:solidFill>
+                <a:latin typeface="Calibri" panose="020F0502020204030204" pitchFamily="34" charset="0"/>
+              </a:rPr>
+              <a:t>Johnson</a:t>
+            </a:r>
+            <a:r>
+              <a:rPr lang="en-US" altLang="en-US" sz="6000" baseline="30000" dirty="0" smtClean="0">
+                <a:solidFill>
+                  <a:schemeClr val="tx1">
+                    <a:lumMod val="75000"/>
+                    <a:lumOff val="25000"/>
+                  </a:schemeClr>
+                </a:solidFill>
+                <a:latin typeface="Calibri" panose="020F0502020204030204" pitchFamily="34" charset="0"/>
+              </a:rPr>
+              <a:t>1</a:t>
+            </a:r>
+            <a:r>
+              <a:rPr lang="en-US" altLang="en-US" sz="6000" dirty="0" smtClean="0">
+                <a:solidFill>
+                  <a:schemeClr val="tx1">
+                    <a:lumMod val="75000"/>
+                    <a:lumOff val="25000"/>
+                  </a:schemeClr>
+                </a:solidFill>
+                <a:latin typeface="Calibri" panose="020F0502020204030204" pitchFamily="34" charset="0"/>
+              </a:rPr>
+              <a:t> (</a:t>
+            </a:r>
+            <a:r>
+              <a:rPr lang="en-US" altLang="en-US" sz="6000" dirty="0" err="1" smtClean="0">
+                <a:solidFill>
+                  <a:schemeClr val="tx1">
+                    <a:lumMod val="75000"/>
+                    <a:lumOff val="25000"/>
+                  </a:schemeClr>
+                </a:solidFill>
+                <a:latin typeface="Calibri" panose="020F0502020204030204" pitchFamily="34" charset="0"/>
+              </a:rPr>
+              <a:t>kgjohn</a:t>
+            </a:r>
+            <a:r>
+              <a:rPr lang="en-US" altLang="en-US" sz="6000" dirty="0" smtClean="0">
+                <a:solidFill>
+                  <a:schemeClr val="tx1">
+                    <a:lumMod val="75000"/>
+                    <a:lumOff val="25000"/>
+                  </a:schemeClr>
+                </a:solidFill>
+                <a:latin typeface="Calibri" panose="020F0502020204030204" pitchFamily="34" charset="0"/>
+              </a:rPr>
+              <a:t>)</a:t>
+            </a:r>
+          </a:p>
+          <a:p>
+            <a:endParaRPr lang="en-GB" altLang="en-US" sz="1400" dirty="0">
               <a:solidFill>
                 <a:schemeClr val="tx1">
                   <a:lumMod val="75000"/>
@@ -4087,17 +4116,30 @@
             </a:endParaRPr>
           </a:p>
           <a:p>
-            <a:endParaRPr lang="en-GB" altLang="en-US" sz="1200" dirty="0">
-              <a:solidFill>
-                <a:schemeClr val="tx1">
-                  <a:lumMod val="75000"/>
-                  <a:lumOff val="25000"/>
-                </a:schemeClr>
-              </a:solidFill>
-              <a:latin typeface="Calibri" panose="020F0502020204030204" pitchFamily="34" charset="0"/>
-            </a:endParaRPr>
-          </a:p>
-          <a:p>
+            <a:r>
+              <a:rPr lang="en-GB" altLang="en-US" sz="3600" baseline="30000" dirty="0" smtClean="0">
+                <a:solidFill>
+                  <a:schemeClr val="tx1">
+                    <a:lumMod val="75000"/>
+                    <a:lumOff val="25000"/>
+                  </a:schemeClr>
+                </a:solidFill>
+                <a:latin typeface="Calibri" panose="020F0502020204030204" pitchFamily="34" charset="0"/>
+              </a:rPr>
+              <a:t>1 </a:t>
+            </a:r>
+            <a:r>
+              <a:rPr lang="en-GB" altLang="en-US" sz="3600" dirty="0" smtClean="0">
+                <a:solidFill>
+                  <a:schemeClr val="tx1">
+                    <a:lumMod val="75000"/>
+                    <a:lumOff val="25000"/>
+                  </a:schemeClr>
+                </a:solidFill>
+                <a:latin typeface="Calibri" panose="020F0502020204030204" pitchFamily="34" charset="0"/>
+              </a:rPr>
+              <a:t>Department </a:t>
+            </a:r>
             <a:r>
               <a:rPr lang="en-GB" altLang="en-US" sz="3600" dirty="0">
                 <a:solidFill>
@@ -4108,9 +4150,21 @@
                 </a:solidFill>
                 <a:latin typeface="Calibri" panose="020F0502020204030204" pitchFamily="34" charset="0"/>
               </a:rPr>
-              <a:t>Department of Chemistry and The PULSE Institute, Stanford University, Stanford, California 94305, United States; </a:t>
-            </a:r>
-            <a:br>
+              <a:t>of </a:t>
+            </a:r>
+            <a:r>
+              <a:rPr lang="en-GB" altLang="en-US" sz="3600" dirty="0" smtClean="0">
+                <a:solidFill>
+                  <a:schemeClr val="tx1">
+                    <a:lumMod val="75000"/>
+                    <a:lumOff val="25000"/>
+                  </a:schemeClr>
+                </a:solidFill>
+                <a:latin typeface="Calibri" panose="020F0502020204030204" pitchFamily="34" charset="0"/>
+              </a:rPr>
+              <a:t>Chemistry, </a:t>
+            </a:r>
+            <a:r>
               <a:rPr lang="en-GB" altLang="en-US" sz="3600" dirty="0">
                 <a:solidFill>
                   <a:schemeClr val="tx1">
@@ -4120,9 +4174,10 @@
                 </a:solidFill>
                 <a:latin typeface="Calibri" panose="020F0502020204030204" pitchFamily="34" charset="0"/>
               </a:rPr>
-            </a:br>
-            <a:r>
-              <a:rPr lang="en-GB" altLang="en-US" sz="3600" dirty="0">
+              <a:t>Stanford </a:t>
+            </a:r>
+            <a:r>
+              <a:rPr lang="en-GB" altLang="en-US" sz="3600" dirty="0" smtClean="0">
                 <a:solidFill>
                   <a:schemeClr val="tx1">
                     <a:lumMod val="75000"/>
@@ -4131,8 +4186,17 @@
                 </a:solidFill>
                 <a:latin typeface="Calibri" panose="020F0502020204030204" pitchFamily="34" charset="0"/>
               </a:rPr>
-              <a:t>SLAC National Accelerator Laboratory, Menlo Park, California 94025, United States</a:t>
-            </a:r>
+              <a:t>University</a:t>
+            </a:r>
+            <a:endParaRPr lang="en-GB" altLang="en-US" sz="3600" dirty="0">
+              <a:solidFill>
+                <a:schemeClr val="tx1">
+                  <a:lumMod val="75000"/>
+                  <a:lumOff val="25000"/>
+                </a:schemeClr>
+              </a:solidFill>
+              <a:latin typeface="Calibri" panose="020F0502020204030204" pitchFamily="34" charset="0"/>
+            </a:endParaRPr>
           </a:p>
         </p:txBody>
       </p:sp>
@@ -4158,7 +4222,7 @@
         </p:blipFill>
         <p:spPr>
           <a:xfrm>
-            <a:off x="39471600" y="864943"/>
+            <a:off x="39417691" y="973416"/>
             <a:ext cx="2972671" cy="2971793"/>
           </a:xfrm>
           <a:prstGeom prst="rect">
@@ -4174,12 +4238,12 @@
         </p:nvSpPr>
         <p:spPr>
           <a:xfrm>
-            <a:off x="514299" y="6706658"/>
-            <a:ext cx="7938648" cy="22173141"/>
+            <a:off x="364505" y="5810375"/>
+            <a:ext cx="10984041" cy="9870626"/>
           </a:xfrm>
           <a:prstGeom prst="roundRect">
             <a:avLst>
-              <a:gd name="adj" fmla="val 8064"/>
+              <a:gd name="adj" fmla="val 5841"/>
             </a:avLst>
           </a:prstGeom>
           <a:solidFill>
@@ -4216,800 +4280,6 @@
                 <a:spcPct val="150000"/>
               </a:lnSpc>
             </a:pPr>
-            <a:r>
-              <a:rPr lang="en-US" sz="3000" dirty="0">
-                <a:solidFill>
-                  <a:schemeClr val="tx1"/>
-                </a:solidFill>
-              </a:rPr>
-              <a:t>The light harvesting protein complex of photosystem II (LHCII) in photosynthetic plants serves as a photosynthetic antenna: </a:t>
-            </a:r>
-            <a:r>
-              <a:rPr lang="en-US" sz="3000" dirty="0" smtClean="0">
-                <a:solidFill>
-                  <a:schemeClr val="tx1"/>
-                </a:solidFill>
-              </a:rPr>
-              <a:t>carotenoid and chlorophyll chromophores </a:t>
-            </a:r>
-            <a:r>
-              <a:rPr lang="en-US" sz="3000" dirty="0">
-                <a:solidFill>
-                  <a:schemeClr val="tx1"/>
-                </a:solidFill>
-              </a:rPr>
-              <a:t>within the protein complex absorb photons and transmit the resulting excitation energy to photosystem II. The exact mechanism of excitation energy transfer is still highly </a:t>
-            </a:r>
-            <a:r>
-              <a:rPr lang="en-US" sz="3000" dirty="0" smtClean="0">
-                <a:solidFill>
-                  <a:schemeClr val="tx1"/>
-                </a:solidFill>
-              </a:rPr>
-              <a:t>debated.</a:t>
-            </a:r>
-            <a:r>
-              <a:rPr lang="en-US" sz="3000" baseline="30000" dirty="0" smtClean="0">
-                <a:solidFill>
-                  <a:schemeClr val="tx1"/>
-                </a:solidFill>
-              </a:rPr>
-              <a:t>1</a:t>
-            </a:r>
-            <a:r>
-              <a:rPr lang="en-US" sz="3000" dirty="0" smtClean="0">
-                <a:solidFill>
-                  <a:schemeClr val="tx1"/>
-                </a:solidFill>
-              </a:rPr>
-              <a:t> </a:t>
-            </a:r>
-            <a:r>
-              <a:rPr lang="en-US" sz="3200" dirty="0">
-                <a:solidFill>
-                  <a:schemeClr val="tx1"/>
-                </a:solidFill>
-              </a:rPr>
-              <a:t>Due to the size of the system </a:t>
-            </a:r>
-            <a:r>
-              <a:rPr lang="en-US" sz="3200" dirty="0" smtClean="0">
-                <a:solidFill>
-                  <a:schemeClr val="tx1"/>
-                </a:solidFill>
-              </a:rPr>
-              <a:t>(54 </a:t>
-            </a:r>
-            <a:r>
-              <a:rPr lang="en-US" sz="3200" dirty="0">
-                <a:solidFill>
-                  <a:schemeClr val="tx1"/>
-                </a:solidFill>
-              </a:rPr>
-              <a:t>chromophores </a:t>
-            </a:r>
-            <a:r>
-              <a:rPr lang="en-US" sz="3200" dirty="0" smtClean="0">
-                <a:solidFill>
-                  <a:schemeClr val="tx1"/>
-                </a:solidFill>
-              </a:rPr>
-              <a:t>and 10,000+ atoms) and </a:t>
-            </a:r>
-            <a:r>
-              <a:rPr lang="en-US" sz="3200" dirty="0">
-                <a:solidFill>
-                  <a:schemeClr val="tx1"/>
-                </a:solidFill>
-              </a:rPr>
-              <a:t>the range of timescales over which transfer processes occur, a computational study of full system dynamics has yet to be </a:t>
-            </a:r>
-            <a:r>
-              <a:rPr lang="en-US" sz="3200" dirty="0" smtClean="0">
-                <a:solidFill>
-                  <a:schemeClr val="tx1"/>
-                </a:solidFill>
-              </a:rPr>
-              <a:t>undertaken. </a:t>
-            </a:r>
-            <a:r>
-              <a:rPr lang="en-US" sz="3000" dirty="0" smtClean="0">
-                <a:solidFill>
-                  <a:schemeClr val="tx1"/>
-                </a:solidFill>
-              </a:rPr>
-              <a:t>Here we describe an </a:t>
-            </a:r>
-            <a:r>
-              <a:rPr lang="en-US" sz="3000" i="1" dirty="0" smtClean="0">
-                <a:solidFill>
-                  <a:schemeClr val="tx1"/>
-                </a:solidFill>
-              </a:rPr>
-              <a:t>ab initio </a:t>
-            </a:r>
-            <a:r>
-              <a:rPr lang="en-US" sz="3000" dirty="0" smtClean="0">
-                <a:solidFill>
-                  <a:schemeClr val="tx1"/>
-                </a:solidFill>
-              </a:rPr>
-              <a:t>exciton method</a:t>
-            </a:r>
-            <a:r>
-              <a:rPr lang="en-US" sz="3000" baseline="30000" dirty="0" smtClean="0">
-                <a:solidFill>
-                  <a:schemeClr val="tx1"/>
-                </a:solidFill>
-              </a:rPr>
-              <a:t>2,3,4</a:t>
-            </a:r>
-            <a:r>
-              <a:rPr lang="en-US" sz="3000" dirty="0" smtClean="0">
-                <a:solidFill>
-                  <a:schemeClr val="tx1"/>
-                </a:solidFill>
-              </a:rPr>
-              <a:t> to study the dynamics of the excitation energy transfer. </a:t>
-            </a:r>
-            <a:endParaRPr lang="en-US" sz="3000" b="1" dirty="0" smtClean="0">
-              <a:solidFill>
-                <a:schemeClr val="tx1"/>
-              </a:solidFill>
-            </a:endParaRPr>
-          </a:p>
-          <a:p>
-            <a:pPr algn="just">
-              <a:lnSpc>
-                <a:spcPct val="150000"/>
-              </a:lnSpc>
-            </a:pPr>
-            <a:endParaRPr lang="en-US" sz="3000" dirty="0">
-              <a:solidFill>
-                <a:schemeClr val="tx1"/>
-              </a:solidFill>
-            </a:endParaRPr>
-          </a:p>
-          <a:p>
-            <a:pPr algn="just">
-              <a:lnSpc>
-                <a:spcPct val="150000"/>
-              </a:lnSpc>
-            </a:pPr>
-            <a:r>
-              <a:rPr lang="en-US" sz="3000" dirty="0">
-                <a:solidFill>
-                  <a:schemeClr val="tx1"/>
-                </a:solidFill>
-              </a:rPr>
-              <a:t>Orange Carotenoid Protein (OCP) is a photoactive protein found in cyanobacteria. </a:t>
-            </a:r>
-            <a:r>
-              <a:rPr lang="en-US" sz="3000" dirty="0" err="1">
-                <a:solidFill>
-                  <a:schemeClr val="tx1"/>
-                </a:solidFill>
-              </a:rPr>
-              <a:t>Photoactivated</a:t>
-            </a:r>
-            <a:r>
-              <a:rPr lang="en-US" sz="3000" dirty="0">
-                <a:solidFill>
-                  <a:schemeClr val="tx1"/>
-                </a:solidFill>
-              </a:rPr>
-              <a:t> OCP dissipates excess light energy absorbed by the light-harvesting complex into heat to prevent damage to the photosynthetic </a:t>
-            </a:r>
-            <a:r>
-              <a:rPr lang="en-US" sz="3000" dirty="0" smtClean="0">
-                <a:solidFill>
-                  <a:schemeClr val="tx1"/>
-                </a:solidFill>
-              </a:rPr>
-              <a:t>apparatus,</a:t>
-            </a:r>
-            <a:r>
-              <a:rPr lang="en-US" sz="3000" baseline="30000" dirty="0">
-                <a:solidFill>
-                  <a:schemeClr val="tx1"/>
-                </a:solidFill>
-              </a:rPr>
-              <a:t>5</a:t>
-            </a:r>
-            <a:r>
-              <a:rPr lang="en-US" sz="3000" dirty="0" smtClean="0">
-                <a:solidFill>
-                  <a:schemeClr val="tx1"/>
-                </a:solidFill>
-              </a:rPr>
-              <a:t> </a:t>
-            </a:r>
-            <a:r>
-              <a:rPr lang="en-US" sz="3000" dirty="0">
-                <a:solidFill>
-                  <a:schemeClr val="tx1"/>
-                </a:solidFill>
-              </a:rPr>
-              <a:t>a phenomenon which has been termed “</a:t>
-            </a:r>
-            <a:r>
-              <a:rPr lang="en-US" sz="3000" dirty="0" err="1">
-                <a:solidFill>
-                  <a:schemeClr val="tx1"/>
-                </a:solidFill>
-              </a:rPr>
-              <a:t>nonphotochemical</a:t>
-            </a:r>
-            <a:r>
-              <a:rPr lang="en-US" sz="3000" dirty="0">
-                <a:solidFill>
-                  <a:schemeClr val="tx1"/>
-                </a:solidFill>
-              </a:rPr>
-              <a:t> quenching.” Here, we present our first results on setting up the protein system for subsequent multiple-spawning dynamics simulations with a QM/MM setup</a:t>
-            </a:r>
-            <a:r>
-              <a:rPr lang="en-US" sz="3000" dirty="0" smtClean="0">
-                <a:solidFill>
-                  <a:schemeClr val="tx1"/>
-                </a:solidFill>
-              </a:rPr>
-              <a:t>.</a:t>
-            </a:r>
-          </a:p>
-          <a:p>
-            <a:pPr algn="just">
-              <a:lnSpc>
-                <a:spcPct val="150000"/>
-              </a:lnSpc>
-            </a:pPr>
-            <a:endParaRPr lang="en-US" sz="3000" dirty="0">
-              <a:solidFill>
-                <a:schemeClr val="tx1"/>
-              </a:solidFill>
-            </a:endParaRPr>
-          </a:p>
-          <a:p>
-            <a:pPr algn="just"/>
-            <a:r>
-              <a:rPr lang="en-US" sz="2000" baseline="30000" dirty="0">
-                <a:solidFill>
-                  <a:schemeClr val="tx1"/>
-                </a:solidFill>
-              </a:rPr>
-              <a:t>1</a:t>
-            </a:r>
-            <a:r>
-              <a:rPr lang="en-US" sz="2000" dirty="0">
-                <a:solidFill>
-                  <a:schemeClr val="tx1"/>
-                </a:solidFill>
-              </a:rPr>
-              <a:t> C. </a:t>
-            </a:r>
-            <a:r>
-              <a:rPr lang="en-US" sz="2000" dirty="0" err="1">
-                <a:solidFill>
-                  <a:schemeClr val="tx1"/>
-                </a:solidFill>
-              </a:rPr>
-              <a:t>Curutchet</a:t>
-            </a:r>
-            <a:r>
-              <a:rPr lang="en-US" sz="2000" dirty="0">
-                <a:solidFill>
-                  <a:schemeClr val="tx1"/>
-                </a:solidFill>
-              </a:rPr>
-              <a:t>, B. </a:t>
-            </a:r>
-            <a:r>
-              <a:rPr lang="en-US" sz="2000" dirty="0" err="1">
-                <a:solidFill>
-                  <a:schemeClr val="tx1"/>
-                </a:solidFill>
-              </a:rPr>
-              <a:t>Mennucci</a:t>
-            </a:r>
-            <a:r>
-              <a:rPr lang="en-US" sz="2000" dirty="0">
-                <a:solidFill>
-                  <a:schemeClr val="tx1"/>
-                </a:solidFill>
-              </a:rPr>
-              <a:t>,, </a:t>
-            </a:r>
-            <a:r>
-              <a:rPr lang="en-US" sz="2000" i="1" dirty="0">
-                <a:solidFill>
-                  <a:schemeClr val="tx1"/>
-                </a:solidFill>
-              </a:rPr>
-              <a:t>Chem. Rev. </a:t>
-            </a:r>
-            <a:r>
-              <a:rPr lang="en-US" sz="2000" b="1" dirty="0">
-                <a:solidFill>
-                  <a:schemeClr val="tx1"/>
-                </a:solidFill>
-              </a:rPr>
-              <a:t>2017</a:t>
-            </a:r>
-            <a:r>
-              <a:rPr lang="en-US" sz="2000" dirty="0">
-                <a:solidFill>
-                  <a:schemeClr val="tx1"/>
-                </a:solidFill>
-              </a:rPr>
-              <a:t>, </a:t>
-            </a:r>
-            <a:r>
-              <a:rPr lang="en-US" sz="2000" i="1" dirty="0">
-                <a:solidFill>
-                  <a:schemeClr val="tx1"/>
-                </a:solidFill>
-              </a:rPr>
-              <a:t>117</a:t>
-            </a:r>
-            <a:r>
-              <a:rPr lang="en-US" sz="2000" dirty="0">
-                <a:solidFill>
-                  <a:schemeClr val="tx1"/>
-                </a:solidFill>
-              </a:rPr>
-              <a:t>,  294-343. </a:t>
-            </a:r>
-          </a:p>
-          <a:p>
-            <a:pPr algn="just"/>
-            <a:r>
-              <a:rPr lang="en-US" sz="2000" baseline="30000" dirty="0">
-                <a:solidFill>
-                  <a:schemeClr val="tx1"/>
-                </a:solidFill>
-              </a:rPr>
-              <a:t>2</a:t>
-            </a:r>
-            <a:r>
-              <a:rPr lang="en-US" sz="2000" dirty="0">
-                <a:solidFill>
-                  <a:schemeClr val="tx1"/>
-                </a:solidFill>
-              </a:rPr>
-              <a:t> X. Li, et al., </a:t>
-            </a:r>
-            <a:r>
-              <a:rPr lang="en-US" sz="2000" i="1" dirty="0">
-                <a:solidFill>
-                  <a:schemeClr val="tx1"/>
-                </a:solidFill>
-              </a:rPr>
-              <a:t>J. Chem. Theory </a:t>
-            </a:r>
-            <a:r>
-              <a:rPr lang="en-US" sz="2000" i="1" dirty="0" err="1">
-                <a:solidFill>
-                  <a:schemeClr val="tx1"/>
-                </a:solidFill>
-              </a:rPr>
-              <a:t>Comput</a:t>
-            </a:r>
-            <a:r>
-              <a:rPr lang="en-US" sz="2000" i="1" dirty="0">
-                <a:solidFill>
-                  <a:schemeClr val="tx1"/>
-                </a:solidFill>
-              </a:rPr>
-              <a:t>.</a:t>
-            </a:r>
-            <a:r>
-              <a:rPr lang="en-US" sz="2000" dirty="0">
-                <a:solidFill>
-                  <a:schemeClr val="tx1"/>
-                </a:solidFill>
-              </a:rPr>
-              <a:t> </a:t>
-            </a:r>
-            <a:r>
-              <a:rPr lang="en-US" sz="2000" b="1" dirty="0">
-                <a:solidFill>
-                  <a:schemeClr val="tx1"/>
-                </a:solidFill>
-              </a:rPr>
-              <a:t>2017</a:t>
-            </a:r>
-            <a:r>
-              <a:rPr lang="en-US" sz="2000" dirty="0">
-                <a:solidFill>
-                  <a:schemeClr val="tx1"/>
-                </a:solidFill>
-              </a:rPr>
-              <a:t>, </a:t>
-            </a:r>
-            <a:r>
-              <a:rPr lang="en-US" sz="2000" i="1" dirty="0">
-                <a:solidFill>
-                  <a:schemeClr val="tx1"/>
-                </a:solidFill>
-              </a:rPr>
-              <a:t>13</a:t>
-            </a:r>
-            <a:r>
-              <a:rPr lang="en-US" sz="2000" dirty="0">
-                <a:solidFill>
-                  <a:schemeClr val="tx1"/>
-                </a:solidFill>
-              </a:rPr>
-              <a:t>, 3493-3504.</a:t>
-            </a:r>
-          </a:p>
-          <a:p>
-            <a:pPr algn="just"/>
-            <a:r>
-              <a:rPr lang="en-US" sz="2000" baseline="30000" dirty="0">
-                <a:solidFill>
-                  <a:schemeClr val="tx1"/>
-                </a:solidFill>
-              </a:rPr>
-              <a:t>3 </a:t>
-            </a:r>
-            <a:r>
-              <a:rPr lang="en-US" sz="2000" dirty="0">
-                <a:solidFill>
-                  <a:schemeClr val="tx1"/>
-                </a:solidFill>
-              </a:rPr>
-              <a:t>A. </a:t>
-            </a:r>
-            <a:r>
-              <a:rPr lang="en-US" sz="2000" dirty="0" err="1">
-                <a:solidFill>
-                  <a:schemeClr val="tx1"/>
-                </a:solidFill>
-              </a:rPr>
-              <a:t>Sisto</a:t>
-            </a:r>
-            <a:r>
-              <a:rPr lang="en-US" sz="2000" dirty="0">
-                <a:solidFill>
-                  <a:schemeClr val="tx1"/>
-                </a:solidFill>
-              </a:rPr>
-              <a:t>, D. R. </a:t>
-            </a:r>
-            <a:r>
-              <a:rPr lang="en-US" sz="2000" dirty="0" err="1">
-                <a:solidFill>
-                  <a:schemeClr val="tx1"/>
-                </a:solidFill>
-              </a:rPr>
-              <a:t>Glowacki</a:t>
-            </a:r>
-            <a:r>
-              <a:rPr lang="en-US" sz="2000" dirty="0">
-                <a:solidFill>
-                  <a:schemeClr val="tx1"/>
-                </a:solidFill>
-              </a:rPr>
-              <a:t>, T. J. </a:t>
-            </a:r>
-            <a:r>
-              <a:rPr lang="en-US" sz="2000" dirty="0" err="1">
-                <a:solidFill>
-                  <a:schemeClr val="tx1"/>
-                </a:solidFill>
-              </a:rPr>
-              <a:t>Martínez</a:t>
-            </a:r>
-            <a:r>
-              <a:rPr lang="en-US" sz="2000" dirty="0">
-                <a:solidFill>
-                  <a:schemeClr val="tx1"/>
-                </a:solidFill>
-              </a:rPr>
-              <a:t>,, </a:t>
-            </a:r>
-            <a:r>
-              <a:rPr lang="en-US" sz="2000" i="1" dirty="0">
-                <a:solidFill>
-                  <a:schemeClr val="tx1"/>
-                </a:solidFill>
-              </a:rPr>
-              <a:t>Acct. Chem. Res.</a:t>
-            </a:r>
-            <a:r>
-              <a:rPr lang="en-US" sz="2000" dirty="0">
-                <a:solidFill>
-                  <a:schemeClr val="tx1"/>
-                </a:solidFill>
-              </a:rPr>
-              <a:t> </a:t>
-            </a:r>
-            <a:r>
-              <a:rPr lang="en-US" sz="2000" b="1" dirty="0">
-                <a:solidFill>
-                  <a:schemeClr val="tx1"/>
-                </a:solidFill>
-              </a:rPr>
-              <a:t>2014</a:t>
-            </a:r>
-            <a:r>
-              <a:rPr lang="en-US" sz="2000" dirty="0">
-                <a:solidFill>
-                  <a:schemeClr val="tx1"/>
-                </a:solidFill>
-              </a:rPr>
-              <a:t>, </a:t>
-            </a:r>
-            <a:r>
-              <a:rPr lang="en-US" sz="2000" i="1" dirty="0">
-                <a:solidFill>
-                  <a:schemeClr val="tx1"/>
-                </a:solidFill>
-              </a:rPr>
-              <a:t>47</a:t>
-            </a:r>
-            <a:r>
-              <a:rPr lang="en-US" sz="2000" dirty="0">
-                <a:solidFill>
-                  <a:schemeClr val="tx1"/>
-                </a:solidFill>
-              </a:rPr>
-              <a:t>, 2858-2866.</a:t>
-            </a:r>
-          </a:p>
-          <a:p>
-            <a:pPr algn="just"/>
-            <a:r>
-              <a:rPr lang="en-US" sz="2000" baseline="30000" dirty="0">
-                <a:solidFill>
-                  <a:schemeClr val="tx1"/>
-                </a:solidFill>
-              </a:rPr>
-              <a:t>4 </a:t>
-            </a:r>
-            <a:r>
-              <a:rPr lang="en-US" sz="2000" dirty="0">
-                <a:solidFill>
-                  <a:schemeClr val="tx1"/>
-                </a:solidFill>
-              </a:rPr>
-              <a:t>A. </a:t>
-            </a:r>
-            <a:r>
-              <a:rPr lang="en-US" sz="2000" dirty="0" err="1">
-                <a:solidFill>
-                  <a:schemeClr val="tx1"/>
-                </a:solidFill>
-              </a:rPr>
-              <a:t>Sisto</a:t>
-            </a:r>
-            <a:r>
-              <a:rPr lang="en-US" sz="2000" dirty="0">
-                <a:solidFill>
-                  <a:schemeClr val="tx1"/>
-                </a:solidFill>
-              </a:rPr>
-              <a:t>, et al., </a:t>
-            </a:r>
-            <a:r>
-              <a:rPr lang="en-US" sz="2000" i="1" dirty="0">
-                <a:solidFill>
-                  <a:schemeClr val="tx1"/>
-                </a:solidFill>
-              </a:rPr>
-              <a:t>Phys. Chem. Chem. Phys.</a:t>
-            </a:r>
-            <a:r>
-              <a:rPr lang="en-US" sz="2000" dirty="0">
-                <a:solidFill>
-                  <a:schemeClr val="tx1"/>
-                </a:solidFill>
-              </a:rPr>
-              <a:t> </a:t>
-            </a:r>
-            <a:r>
-              <a:rPr lang="en-US" sz="2000" b="1" dirty="0">
-                <a:solidFill>
-                  <a:schemeClr val="tx1"/>
-                </a:solidFill>
-              </a:rPr>
-              <a:t>2017</a:t>
-            </a:r>
-            <a:r>
-              <a:rPr lang="en-US" sz="2000" dirty="0">
-                <a:solidFill>
-                  <a:schemeClr val="tx1"/>
-                </a:solidFill>
-              </a:rPr>
-              <a:t>, </a:t>
-            </a:r>
-            <a:r>
-              <a:rPr lang="en-US" sz="2000" i="1" dirty="0">
-                <a:solidFill>
-                  <a:schemeClr val="tx1"/>
-                </a:solidFill>
-              </a:rPr>
-              <a:t>19</a:t>
-            </a:r>
-            <a:r>
-              <a:rPr lang="en-US" sz="2000" dirty="0">
-                <a:solidFill>
-                  <a:schemeClr val="tx1"/>
-                </a:solidFill>
-              </a:rPr>
-              <a:t>, 14924-14936. </a:t>
-            </a:r>
-          </a:p>
-          <a:p>
-            <a:pPr algn="just"/>
-            <a:r>
-              <a:rPr lang="en-US" sz="2000" baseline="30000" dirty="0">
-                <a:solidFill>
-                  <a:schemeClr val="tx1"/>
-                </a:solidFill>
-              </a:rPr>
-              <a:t>5 </a:t>
-            </a:r>
-            <a:r>
-              <a:rPr lang="en-US" sz="2000" dirty="0">
-                <a:solidFill>
-                  <a:schemeClr val="tx1"/>
-                </a:solidFill>
-              </a:rPr>
-              <a:t>D. </a:t>
-            </a:r>
-            <a:r>
-              <a:rPr lang="en-US" sz="2000" dirty="0" err="1">
-                <a:solidFill>
-                  <a:schemeClr val="tx1"/>
-                </a:solidFill>
-              </a:rPr>
-              <a:t>Kirilovsky</a:t>
-            </a:r>
-            <a:r>
-              <a:rPr lang="en-US" sz="2000" dirty="0">
-                <a:solidFill>
-                  <a:schemeClr val="tx1"/>
-                </a:solidFill>
-              </a:rPr>
-              <a:t>, C. A. Kerfeld, </a:t>
-            </a:r>
-            <a:r>
-              <a:rPr lang="en-US" sz="2000" i="1" dirty="0">
-                <a:solidFill>
-                  <a:schemeClr val="tx1"/>
-                </a:solidFill>
-              </a:rPr>
-              <a:t>Nat. Plants</a:t>
-            </a:r>
-            <a:r>
-              <a:rPr lang="en-US" sz="2000" dirty="0">
-                <a:solidFill>
-                  <a:schemeClr val="tx1"/>
-                </a:solidFill>
-              </a:rPr>
-              <a:t> </a:t>
-            </a:r>
-            <a:r>
-              <a:rPr lang="en-US" sz="2000" b="1" dirty="0">
-                <a:solidFill>
-                  <a:schemeClr val="tx1"/>
-                </a:solidFill>
-              </a:rPr>
-              <a:t>2016</a:t>
-            </a:r>
-            <a:r>
-              <a:rPr lang="en-US" sz="2000" dirty="0">
-                <a:solidFill>
-                  <a:schemeClr val="tx1"/>
-                </a:solidFill>
-              </a:rPr>
-              <a:t>, </a:t>
-            </a:r>
-            <a:r>
-              <a:rPr lang="en-US" sz="2000" i="1" dirty="0">
-                <a:solidFill>
-                  <a:schemeClr val="tx1"/>
-                </a:solidFill>
-              </a:rPr>
-              <a:t>2</a:t>
-            </a:r>
-            <a:r>
-              <a:rPr lang="en-US" sz="2000" dirty="0">
-                <a:solidFill>
-                  <a:schemeClr val="tx1"/>
-                </a:solidFill>
-              </a:rPr>
-              <a:t>, 1‒7</a:t>
-            </a:r>
-            <a:r>
-              <a:rPr lang="en-US" sz="2000" dirty="0" smtClean="0">
-                <a:solidFill>
-                  <a:schemeClr val="tx1"/>
-                </a:solidFill>
-              </a:rPr>
-              <a:t>.</a:t>
-            </a:r>
-          </a:p>
-          <a:p>
-            <a:pPr algn="just"/>
-            <a:r>
-              <a:rPr lang="en-US" sz="2000" baseline="30000" dirty="0" smtClean="0">
-                <a:solidFill>
-                  <a:schemeClr val="tx1"/>
-                </a:solidFill>
-              </a:rPr>
-              <a:t>6</a:t>
-            </a:r>
-            <a:r>
-              <a:rPr lang="en-US" sz="2000" dirty="0" smtClean="0">
-                <a:solidFill>
-                  <a:schemeClr val="tx1"/>
-                </a:solidFill>
-              </a:rPr>
-              <a:t> H. Hashimoto, et al., </a:t>
-            </a:r>
-            <a:r>
-              <a:rPr lang="en-US" sz="2000" i="1" dirty="0" smtClean="0">
-                <a:solidFill>
-                  <a:schemeClr val="tx1"/>
-                </a:solidFill>
-              </a:rPr>
-              <a:t>J. Royal Soc. Interface</a:t>
-            </a:r>
-            <a:r>
-              <a:rPr lang="en-US" sz="2000" b="1" i="1" dirty="0" smtClean="0">
-                <a:solidFill>
-                  <a:schemeClr val="tx1"/>
-                </a:solidFill>
-              </a:rPr>
-              <a:t> </a:t>
-            </a:r>
-            <a:r>
-              <a:rPr lang="en-US" sz="2000" b="1" dirty="0" smtClean="0">
-                <a:solidFill>
-                  <a:schemeClr val="tx1"/>
-                </a:solidFill>
-              </a:rPr>
-              <a:t>2018</a:t>
-            </a:r>
-            <a:r>
-              <a:rPr lang="en-US" sz="2000" dirty="0" smtClean="0">
-                <a:solidFill>
-                  <a:schemeClr val="tx1"/>
-                </a:solidFill>
-              </a:rPr>
-              <a:t>, </a:t>
-            </a:r>
-            <a:r>
-              <a:rPr lang="en-US" sz="2000" i="1" dirty="0" smtClean="0">
-                <a:solidFill>
-                  <a:schemeClr val="tx1"/>
-                </a:solidFill>
-              </a:rPr>
-              <a:t>15</a:t>
-            </a:r>
-            <a:r>
-              <a:rPr lang="en-US" sz="2000" dirty="0" smtClean="0">
-                <a:solidFill>
-                  <a:schemeClr val="tx1"/>
-                </a:solidFill>
-              </a:rPr>
-              <a:t>, 20180026</a:t>
-            </a:r>
-            <a:endParaRPr lang="en-US" sz="2000" baseline="30000" dirty="0">
-              <a:solidFill>
-                <a:schemeClr val="tx1"/>
-              </a:solidFill>
-            </a:endParaRPr>
-          </a:p>
-          <a:p>
-            <a:pPr algn="just">
-              <a:lnSpc>
-                <a:spcPct val="150000"/>
-              </a:lnSpc>
-            </a:pPr>
             <a:endParaRPr lang="en-US" sz="3000" dirty="0" smtClean="0">
               <a:solidFill>
                 <a:schemeClr val="tx1"/>
@@ -5026,7 +4296,7 @@
         </p:nvSpPr>
         <p:spPr>
           <a:xfrm>
-            <a:off x="326547" y="5823851"/>
+            <a:off x="1905000" y="5974543"/>
             <a:ext cx="7903053" cy="856532"/>
           </a:xfrm>
           <a:prstGeom prst="rect">
@@ -5042,7 +4312,7 @@
           <a:p>
             <a:pPr algn="ctr"/>
             <a:r>
-              <a:rPr lang="en-US" sz="4800" b="1" dirty="0">
+              <a:rPr lang="en-US" sz="4800" b="1" dirty="0" smtClean="0">
                 <a:solidFill>
                   <a:schemeClr val="tx1">
                     <a:lumMod val="75000"/>
@@ -5051,47 +4321,9 @@
                 </a:solidFill>
                 <a:latin typeface="Calibri" panose="020F0502020204030204" pitchFamily="34" charset="0"/>
               </a:rPr>
-              <a:t>Introduction</a:t>
-            </a:r>
-          </a:p>
-        </p:txBody>
-      </p:sp>
-      <p:sp>
-        <p:nvSpPr>
-          <p:cNvPr id="118" name="TextBox 117"/>
-          <p:cNvSpPr txBox="1"/>
-          <p:nvPr/>
-        </p:nvSpPr>
-        <p:spPr>
-          <a:xfrm>
-            <a:off x="24460790" y="5971145"/>
-            <a:ext cx="17450081" cy="830997"/>
-          </a:xfrm>
-          <a:prstGeom prst="rect">
-            <a:avLst/>
-          </a:prstGeom>
-          <a:noFill/>
-        </p:spPr>
-        <p:txBody>
-          <a:bodyPr wrap="square" rtlCol="0">
-            <a:spAutoFit/>
-          </a:bodyPr>
-          <a:lstStyle/>
-          <a:p>
-            <a:pPr algn="ctr"/>
-            <a:r>
-              <a:rPr lang="en-US" sz="4800" b="1" dirty="0">
-                <a:solidFill>
-                  <a:schemeClr val="tx1">
-                    <a:lumMod val="75000"/>
-                    <a:lumOff val="25000"/>
-                  </a:schemeClr>
-                </a:solidFill>
-                <a:latin typeface="Calibri" panose="020F0502020204030204" pitchFamily="34" charset="0"/>
-              </a:rPr>
-              <a:t>OCP</a:t>
-            </a:r>
-            <a:endParaRPr lang="en-US" sz="4800" dirty="0">
+              <a:t>Abstract</a:t>
+            </a:r>
+            <a:endParaRPr lang="en-US" sz="4800" b="1" dirty="0">
               <a:solidFill>
                 <a:schemeClr val="tx1">
                   <a:lumMod val="75000"/>
@@ -5105,195 +4337,10 @@
       </p:sp>
       <p:sp>
         <p:nvSpPr>
-          <p:cNvPr id="42" name="TextBox 41">
-            <a:extLst>
-              <a:ext uri="{FF2B5EF4-FFF2-40B4-BE49-F238E27FC236}">
-                <a16:creationId xmlns:a16="http://schemas.microsoft.com/office/drawing/2014/main" xmlns="" id="{A7307F87-58FB-6942-9C33-2B5998DE3D50}"/>
-              </a:ext>
-            </a:extLst>
-          </p:cNvPr>
-          <p:cNvSpPr txBox="1"/>
-          <p:nvPr/>
-        </p:nvSpPr>
-        <p:spPr>
-          <a:xfrm>
-            <a:off x="9677400" y="5977174"/>
-            <a:ext cx="11200623" cy="830997"/>
-          </a:xfrm>
-          <a:prstGeom prst="rect">
-            <a:avLst/>
-          </a:prstGeom>
-          <a:noFill/>
-        </p:spPr>
-        <p:txBody>
-          <a:bodyPr wrap="square" rtlCol="0">
-            <a:spAutoFit/>
-          </a:bodyPr>
-          <a:lstStyle/>
-          <a:p>
-            <a:pPr algn="ctr"/>
-            <a:r>
-              <a:rPr lang="en-US" sz="4800" b="1" dirty="0">
-                <a:solidFill>
-                  <a:schemeClr val="tx1">
-                    <a:lumMod val="75000"/>
-                    <a:lumOff val="25000"/>
-                  </a:schemeClr>
-                </a:solidFill>
-                <a:latin typeface="Calibri" panose="020F0502020204030204" pitchFamily="34" charset="0"/>
-              </a:rPr>
-              <a:t>LHC II</a:t>
-            </a:r>
-            <a:endParaRPr lang="en-US" sz="4800" dirty="0">
-              <a:solidFill>
-                <a:schemeClr val="tx1">
-                  <a:lumMod val="75000"/>
-                  <a:lumOff val="25000"/>
-                </a:schemeClr>
-              </a:solidFill>
-              <a:latin typeface="Calibri" panose="020F0502020204030204" pitchFamily="34" charset="0"/>
-            </a:endParaRPr>
-          </a:p>
-        </p:txBody>
-      </p:sp>
-      <p:grpSp>
-        <p:nvGrpSpPr>
-          <p:cNvPr id="60" name="Group 59">
-            <a:extLst>
-              <a:ext uri="{FF2B5EF4-FFF2-40B4-BE49-F238E27FC236}">
-                <a16:creationId xmlns:a16="http://schemas.microsoft.com/office/drawing/2014/main" xmlns="" id="{33959498-1EF8-6643-B147-C0ECE78B2558}"/>
-              </a:ext>
-            </a:extLst>
-          </p:cNvPr>
-          <p:cNvGrpSpPr/>
-          <p:nvPr/>
-        </p:nvGrpSpPr>
-        <p:grpSpPr>
-          <a:xfrm rot="16200000">
-            <a:off x="11097127" y="17289767"/>
-            <a:ext cx="22956696" cy="109547"/>
-            <a:chOff x="6960" y="19366947"/>
-            <a:chExt cx="19912196" cy="82296"/>
-          </a:xfrm>
-          <a:solidFill>
-            <a:schemeClr val="bg1">
-              <a:lumMod val="75000"/>
-            </a:schemeClr>
-          </a:solidFill>
-        </p:grpSpPr>
-        <p:sp>
-          <p:nvSpPr>
-            <p:cNvPr id="61" name="Rectangle 60">
-              <a:extLst>
-                <a:ext uri="{FF2B5EF4-FFF2-40B4-BE49-F238E27FC236}">
-                  <a16:creationId xmlns:a16="http://schemas.microsoft.com/office/drawing/2014/main" xmlns="" id="{E4C27A08-6543-BE4D-8ABD-0B99EF61B2A1}"/>
-                </a:ext>
-              </a:extLst>
-            </p:cNvPr>
-            <p:cNvSpPr/>
-            <p:nvPr/>
-          </p:nvSpPr>
-          <p:spPr>
-            <a:xfrm flipV="1">
-              <a:off x="6960" y="19366947"/>
-              <a:ext cx="19659600" cy="82296"/>
-            </a:xfrm>
-            <a:prstGeom prst="rect">
-              <a:avLst/>
-            </a:prstGeom>
-            <a:grpFill/>
-            <a:ln>
-              <a:noFill/>
-            </a:ln>
-          </p:spPr>
-          <p:style>
-            <a:lnRef idx="2">
-              <a:schemeClr val="accent1">
-                <a:shade val="50000"/>
-              </a:schemeClr>
-            </a:lnRef>
-            <a:fillRef idx="1">
-              <a:schemeClr val="accent1"/>
-            </a:fillRef>
-            <a:effectRef idx="0">
-              <a:schemeClr val="accent1"/>
-            </a:effectRef>
-            <a:fontRef idx="minor">
-              <a:schemeClr val="lt1"/>
-            </a:fontRef>
-          </p:style>
-          <p:txBody>
-            <a:bodyPr rtlCol="0" anchor="ctr"/>
-            <a:lstStyle/>
-            <a:p>
-              <a:pPr algn="ctr"/>
-              <a:endParaRPr lang="en-US" sz="8180">
-                <a:latin typeface="Calibri" panose="020F0502020204030204" pitchFamily="34" charset="0"/>
-              </a:endParaRPr>
-            </a:p>
-          </p:txBody>
-        </p:sp>
-        <p:sp>
-          <p:nvSpPr>
-            <p:cNvPr id="62" name="Parallelogram 61">
-              <a:extLst>
-                <a:ext uri="{FF2B5EF4-FFF2-40B4-BE49-F238E27FC236}">
-                  <a16:creationId xmlns:a16="http://schemas.microsoft.com/office/drawing/2014/main" xmlns="" id="{C745EDFC-3B65-E64B-9697-C735FA24DF8C}"/>
-                </a:ext>
-              </a:extLst>
-            </p:cNvPr>
-            <p:cNvSpPr/>
-            <p:nvPr/>
-          </p:nvSpPr>
-          <p:spPr>
-            <a:xfrm>
-              <a:off x="19431000" y="19366947"/>
-              <a:ext cx="488156" cy="82296"/>
-            </a:xfrm>
-            <a:prstGeom prst="parallelogram">
-              <a:avLst>
-                <a:gd name="adj" fmla="val 39467"/>
-              </a:avLst>
-            </a:prstGeom>
-            <a:grpFill/>
-            <a:ln>
-              <a:noFill/>
-            </a:ln>
-          </p:spPr>
-          <p:style>
-            <a:lnRef idx="2">
-              <a:schemeClr val="accent1">
-                <a:shade val="50000"/>
-              </a:schemeClr>
-            </a:lnRef>
-            <a:fillRef idx="1">
-              <a:schemeClr val="accent1"/>
-            </a:fillRef>
-            <a:effectRef idx="0">
-              <a:schemeClr val="accent1"/>
-            </a:effectRef>
-            <a:fontRef idx="minor">
-              <a:schemeClr val="lt1"/>
-            </a:fontRef>
-          </p:style>
-          <p:txBody>
-            <a:bodyPr rtlCol="0" anchor="ctr"/>
-            <a:lstStyle/>
-            <a:p>
-              <a:pPr algn="ctr"/>
-              <a:endParaRPr lang="en-US" sz="8180">
-                <a:latin typeface="Calibri" panose="020F0502020204030204" pitchFamily="34" charset="0"/>
-              </a:endParaRPr>
-            </a:p>
-          </p:txBody>
-        </p:sp>
-      </p:grpSp>
-      <p:sp>
-        <p:nvSpPr>
           <p:cNvPr id="2" name="Rectangle 1">
             <a:extLst>
               <a:ext uri="{FF2B5EF4-FFF2-40B4-BE49-F238E27FC236}">
-                <a16:creationId xmlns:a16="http://schemas.microsoft.com/office/drawing/2014/main" xmlns="" id="{293EB99A-E364-6547-8517-04C5230A7CAD}"/>
+                <a16:creationId xmlns="" xmlns:a16="http://schemas.microsoft.com/office/drawing/2014/main" id="{293EB99A-E364-6547-8517-04C5230A7CAD}"/>
               </a:ext>
             </a:extLst>
           </p:cNvPr>
@@ -5340,45 +4387,74 @@
           </a:p>
         </p:txBody>
       </p:sp>
-      <p:pic>
-        <p:nvPicPr>
-          <p:cNvPr id="65" name="Picture 64"/>
-          <p:cNvPicPr>
-            <a:picLocks noChangeAspect="1"/>
-          </p:cNvPicPr>
+      <p:sp>
+        <p:nvSpPr>
+          <p:cNvPr id="30" name="Rectangle: Rounded Corners 110"/>
+          <p:cNvSpPr/>
           <p:nvPr/>
-        </p:nvPicPr>
-        <p:blipFill rotWithShape="1">
-          <a:blip r:embed="rId4">
-            <a:extLst>
-              <a:ext uri="{28A0092B-C50C-407E-A947-70E740481C1C}">
-                <a14:useLocalDpi xmlns:a14="http://schemas.microsoft.com/office/drawing/2010/main" val="0"/>
-              </a:ext>
-            </a:extLst>
-          </a:blip>
-          <a:srcRect t="2770" b="4159"/>
-          <a:stretch/>
-        </p:blipFill>
+        </p:nvSpPr>
         <p:spPr>
           <a:xfrm>
-            <a:off x="10733106" y="7015758"/>
-            <a:ext cx="5355297" cy="4842039"/>
+            <a:off x="34163647" y="20421600"/>
+            <a:ext cx="9077985" cy="8394610"/>
           </a:xfrm>
-          <a:prstGeom prst="rect">
-            <a:avLst/>
+          <a:prstGeom prst="roundRect">
+            <a:avLst>
+              <a:gd name="adj" fmla="val 7193"/>
+            </a:avLst>
           </a:prstGeom>
+          <a:solidFill>
+            <a:schemeClr val="bg1">
+              <a:lumMod val="95000"/>
+            </a:schemeClr>
+          </a:solidFill>
+          <a:ln>
+            <a:noFill/>
+          </a:ln>
         </p:spPr>
-      </p:pic>
-      <p:sp>
-        <p:nvSpPr>
-          <p:cNvPr id="24" name="TextBox 23"/>
+        <p:style>
+          <a:lnRef idx="2">
+            <a:schemeClr val="accent1">
+              <a:shade val="50000"/>
+            </a:schemeClr>
+          </a:lnRef>
+          <a:fillRef idx="1">
+            <a:schemeClr val="accent1"/>
+          </a:fillRef>
+          <a:effectRef idx="0">
+            <a:schemeClr val="accent1"/>
+          </a:effectRef>
+          <a:fontRef idx="minor">
+            <a:schemeClr val="lt1"/>
+          </a:fontRef>
+        </p:style>
+        <p:txBody>
+          <a:bodyPr rtlCol="0" anchor="ctr"/>
+          <a:lstStyle/>
+          <a:p>
+            <a:pPr algn="just">
+              <a:lnSpc>
+                <a:spcPct val="150000"/>
+              </a:lnSpc>
+            </a:pPr>
+            <a:endParaRPr lang="en-US" sz="3000" dirty="0" smtClean="0">
+              <a:solidFill>
+                <a:schemeClr val="tx1"/>
+              </a:solidFill>
+            </a:endParaRPr>
+          </a:p>
+        </p:txBody>
+      </p:sp>
+      <p:sp>
+        <p:nvSpPr>
+          <p:cNvPr id="31" name="TextBox 30"/>
           <p:cNvSpPr txBox="1"/>
           <p:nvPr/>
         </p:nvSpPr>
         <p:spPr>
           <a:xfrm>
-            <a:off x="16946053" y="7774783"/>
-            <a:ext cx="4063121" cy="3323987"/>
+            <a:off x="34725506" y="20421600"/>
+            <a:ext cx="7903053" cy="856532"/>
           </a:xfrm>
           <a:prstGeom prst="rect">
             <a:avLst/>
@@ -5391,200 +4467,95 @@
           </a:bodyPr>
           <a:lstStyle/>
           <a:p>
-            <a:r>
-              <a:rPr lang="en-US" sz="3000" b="1" dirty="0" smtClean="0"/>
-              <a:t>Chromophores in each of three monomers:</a:t>
-            </a:r>
-          </a:p>
-          <a:p>
-            <a:r>
-              <a:rPr lang="en-US" sz="3000" b="1" dirty="0">
+            <a:pPr algn="ctr"/>
+            <a:r>
+              <a:rPr lang="en-US" sz="4800" b="1" dirty="0" smtClean="0">
                 <a:solidFill>
-                  <a:srgbClr val="00B050"/>
-                </a:solidFill>
-              </a:rPr>
-              <a:t>8</a:t>
-            </a:r>
-            <a:r>
-              <a:rPr lang="en-US" sz="3000" i="1" dirty="0">
-                <a:solidFill>
-                  <a:srgbClr val="00B050"/>
-                </a:solidFill>
-              </a:rPr>
-              <a:t> chlorophyll a</a:t>
-            </a:r>
-          </a:p>
-          <a:p>
-            <a:r>
-              <a:rPr lang="en-US" sz="3000" b="1" dirty="0">
-                <a:solidFill>
-                  <a:srgbClr val="00B0F0"/>
-                </a:solidFill>
-              </a:rPr>
-              <a:t>6</a:t>
-            </a:r>
-            <a:r>
-              <a:rPr lang="en-US" sz="3000" i="1" dirty="0">
-                <a:solidFill>
-                  <a:srgbClr val="00B0F0"/>
-                </a:solidFill>
-              </a:rPr>
-              <a:t> chlorophyll </a:t>
-            </a:r>
-            <a:r>
-              <a:rPr lang="en-US" sz="3000" i="1" dirty="0" smtClean="0">
-                <a:solidFill>
-                  <a:srgbClr val="00B0F0"/>
-                </a:solidFill>
-              </a:rPr>
-              <a:t>b</a:t>
-            </a:r>
-          </a:p>
-          <a:p>
-            <a:r>
-              <a:rPr lang="en-US" sz="3000" b="1" dirty="0" smtClean="0">
-                <a:solidFill>
-                  <a:srgbClr val="FF0000"/>
-                </a:solidFill>
-              </a:rPr>
-              <a:t>2</a:t>
-            </a:r>
-            <a:r>
-              <a:rPr lang="en-US" sz="3000" i="1" dirty="0" smtClean="0">
-                <a:solidFill>
-                  <a:srgbClr val="FF0000"/>
-                </a:solidFill>
-              </a:rPr>
-              <a:t> </a:t>
-            </a:r>
-            <a:r>
-              <a:rPr lang="en-US" sz="3000" i="1" dirty="0">
-                <a:solidFill>
-                  <a:srgbClr val="FF0000"/>
-                </a:solidFill>
-              </a:rPr>
-              <a:t>lutein</a:t>
-            </a:r>
-          </a:p>
-          <a:p>
-            <a:r>
-              <a:rPr lang="en-US" sz="3000" b="1" dirty="0">
-                <a:solidFill>
-                  <a:schemeClr val="accent6">
+                  <a:schemeClr val="tx1">
                     <a:lumMod val="75000"/>
+                    <a:lumOff val="25000"/>
                   </a:schemeClr>
                 </a:solidFill>
+                <a:latin typeface="Calibri" panose="020F0502020204030204" pitchFamily="34" charset="0"/>
               </a:rPr>
-              <a:t>1</a:t>
-            </a:r>
-            <a:r>
-              <a:rPr lang="en-US" sz="3000" i="1" dirty="0">
-                <a:solidFill>
-                  <a:schemeClr val="accent6">
-                    <a:lumMod val="75000"/>
-                  </a:schemeClr>
-                </a:solidFill>
-              </a:rPr>
-              <a:t> </a:t>
-            </a:r>
-            <a:r>
-              <a:rPr lang="en-US" sz="3000" i="1" dirty="0" err="1">
-                <a:solidFill>
-                  <a:schemeClr val="accent6">
-                    <a:lumMod val="75000"/>
-                  </a:schemeClr>
-                </a:solidFill>
-              </a:rPr>
-              <a:t>neoxanthin</a:t>
-            </a:r>
-            <a:endParaRPr lang="en-US" sz="3000" i="1" dirty="0">
+              <a:t>References</a:t>
+            </a:r>
+            <a:endParaRPr lang="en-US" sz="4800" b="1" dirty="0">
               <a:solidFill>
-                <a:schemeClr val="accent6">
+                <a:schemeClr val="tx1">
                   <a:lumMod val="75000"/>
+                  <a:lumOff val="25000"/>
                 </a:schemeClr>
               </a:solidFill>
+              <a:latin typeface="Calibri" panose="020F0502020204030204" pitchFamily="34" charset="0"/>
             </a:endParaRPr>
           </a:p>
-          <a:p>
-            <a:r>
-              <a:rPr lang="en-US" sz="3000" b="1" dirty="0">
-                <a:solidFill>
-                  <a:srgbClr val="FFC000"/>
-                </a:solidFill>
-              </a:rPr>
-              <a:t>1</a:t>
-            </a:r>
-            <a:r>
-              <a:rPr lang="en-US" sz="3000" i="1" dirty="0">
-                <a:solidFill>
-                  <a:srgbClr val="FFC000"/>
-                </a:solidFill>
-              </a:rPr>
-              <a:t> </a:t>
-            </a:r>
-            <a:r>
-              <a:rPr lang="en-US" sz="3000" i="1" dirty="0" err="1" smtClean="0">
-                <a:solidFill>
-                  <a:srgbClr val="FFC000"/>
-                </a:solidFill>
-              </a:rPr>
-              <a:t>violaxanthin</a:t>
-            </a:r>
-            <a:endParaRPr lang="en-US" sz="3000" i="1" dirty="0">
-              <a:solidFill>
-                <a:srgbClr val="FFC000"/>
-              </a:solidFill>
-            </a:endParaRPr>
-          </a:p>
-        </p:txBody>
-      </p:sp>
-      <p:sp>
-        <p:nvSpPr>
-          <p:cNvPr id="25" name="TextBox 24"/>
+        </p:txBody>
+      </p:sp>
+      <p:sp>
+        <p:nvSpPr>
+          <p:cNvPr id="32" name="Rectangle: Rounded Corners 143"/>
+          <p:cNvSpPr/>
+          <p:nvPr/>
+        </p:nvSpPr>
+        <p:spPr>
+          <a:xfrm>
+            <a:off x="401081" y="16230600"/>
+            <a:ext cx="11220454" cy="12119959"/>
+          </a:xfrm>
+          <a:prstGeom prst="roundRect">
+            <a:avLst>
+              <a:gd name="adj" fmla="val 4773"/>
+            </a:avLst>
+          </a:prstGeom>
+          <a:noFill/>
+          <a:ln w="127000">
+            <a:solidFill>
+              <a:schemeClr val="bg1">
+                <a:lumMod val="95000"/>
+              </a:schemeClr>
+            </a:solidFill>
+          </a:ln>
+        </p:spPr>
+        <p:style>
+          <a:lnRef idx="2">
+            <a:schemeClr val="accent1">
+              <a:shade val="50000"/>
+            </a:schemeClr>
+          </a:lnRef>
+          <a:fillRef idx="1">
+            <a:schemeClr val="accent1"/>
+          </a:fillRef>
+          <a:effectRef idx="0">
+            <a:schemeClr val="accent1"/>
+          </a:effectRef>
+          <a:fontRef idx="minor">
+            <a:schemeClr val="lt1"/>
+          </a:fontRef>
+        </p:style>
+        <p:txBody>
+          <a:bodyPr rtlCol="0" anchor="ctr"/>
+          <a:lstStyle/>
+          <a:p>
+            <a:pPr algn="just">
+              <a:lnSpc>
+                <a:spcPct val="150000"/>
+              </a:lnSpc>
+            </a:pPr>
+            <a:endParaRPr lang="en-US" sz="8800" dirty="0"/>
+          </a:p>
+        </p:txBody>
+      </p:sp>
+      <p:sp>
+        <p:nvSpPr>
+          <p:cNvPr id="33" name="TextBox 32"/>
           <p:cNvSpPr txBox="1"/>
           <p:nvPr/>
         </p:nvSpPr>
         <p:spPr>
           <a:xfrm>
-            <a:off x="9336954" y="12020319"/>
-            <a:ext cx="12817858" cy="553998"/>
-          </a:xfrm>
-          <a:prstGeom prst="rect">
-            <a:avLst/>
-          </a:prstGeom>
-          <a:noFill/>
-          <a:ln>
-            <a:noFill/>
-          </a:ln>
-        </p:spPr>
-        <p:txBody>
-          <a:bodyPr wrap="square" rtlCol="0">
-            <a:spAutoFit/>
-          </a:bodyPr>
-          <a:lstStyle/>
-          <a:p>
-            <a:r>
-              <a:rPr lang="en-US" sz="3000" b="1" dirty="0" smtClean="0"/>
-              <a:t>Sub-system studies: </a:t>
-            </a:r>
-            <a:r>
-              <a:rPr lang="en-US" sz="3000" dirty="0" smtClean="0"/>
-              <a:t>lutein</a:t>
-            </a:r>
-            <a:endParaRPr lang="en-US" sz="3000" dirty="0"/>
-          </a:p>
-        </p:txBody>
-      </p:sp>
-      <p:sp>
-        <p:nvSpPr>
-          <p:cNvPr id="74" name="TextBox 73"/>
-          <p:cNvSpPr txBox="1"/>
-          <p:nvPr/>
-        </p:nvSpPr>
-        <p:spPr>
-          <a:xfrm>
-            <a:off x="9331061" y="19985664"/>
-            <a:ext cx="12061094" cy="1203791"/>
+            <a:off x="1905000" y="16478840"/>
+            <a:ext cx="7903053" cy="856532"/>
           </a:xfrm>
           <a:prstGeom prst="rect">
             <a:avLst/>
@@ -5597,287 +4568,580 @@
           </a:bodyPr>
           <a:lstStyle/>
           <a:p>
-            <a:pPr>
+            <a:pPr algn="ctr"/>
+            <a:r>
+              <a:rPr lang="en-US" sz="4800" b="1" dirty="0" smtClean="0">
+                <a:solidFill>
+                  <a:schemeClr val="tx1">
+                    <a:lumMod val="75000"/>
+                    <a:lumOff val="25000"/>
+                  </a:schemeClr>
+                </a:solidFill>
+                <a:latin typeface="Calibri" panose="020F0502020204030204" pitchFamily="34" charset="0"/>
+              </a:rPr>
+              <a:t>Dataset</a:t>
+            </a:r>
+            <a:endParaRPr lang="en-US" sz="4800" b="1" dirty="0">
+              <a:solidFill>
+                <a:schemeClr val="tx1">
+                  <a:lumMod val="75000"/>
+                  <a:lumOff val="25000"/>
+                </a:schemeClr>
+              </a:solidFill>
+              <a:latin typeface="Calibri" panose="020F0502020204030204" pitchFamily="34" charset="0"/>
+            </a:endParaRPr>
+          </a:p>
+        </p:txBody>
+      </p:sp>
+      <p:sp>
+        <p:nvSpPr>
+          <p:cNvPr id="34" name="Rectangle: Rounded Corners 143"/>
+          <p:cNvSpPr/>
+          <p:nvPr/>
+        </p:nvSpPr>
+        <p:spPr>
+          <a:xfrm>
+            <a:off x="34001325" y="5675982"/>
+            <a:ext cx="9215923" cy="14117154"/>
+          </a:xfrm>
+          <a:prstGeom prst="roundRect">
+            <a:avLst>
+              <a:gd name="adj" fmla="val 5850"/>
+            </a:avLst>
+          </a:prstGeom>
+          <a:noFill/>
+          <a:ln w="127000">
+            <a:solidFill>
+              <a:schemeClr val="bg1">
+                <a:lumMod val="95000"/>
+              </a:schemeClr>
+            </a:solidFill>
+          </a:ln>
+        </p:spPr>
+        <p:style>
+          <a:lnRef idx="2">
+            <a:schemeClr val="accent1">
+              <a:shade val="50000"/>
+            </a:schemeClr>
+          </a:lnRef>
+          <a:fillRef idx="1">
+            <a:schemeClr val="accent1"/>
+          </a:fillRef>
+          <a:effectRef idx="0">
+            <a:schemeClr val="accent1"/>
+          </a:effectRef>
+          <a:fontRef idx="minor">
+            <a:schemeClr val="lt1"/>
+          </a:fontRef>
+        </p:style>
+        <p:txBody>
+          <a:bodyPr rtlCol="0" anchor="ctr"/>
+          <a:lstStyle/>
+          <a:p>
+            <a:pPr algn="just">
               <a:lnSpc>
-                <a:spcPct val="125000"/>
+                <a:spcPct val="150000"/>
               </a:lnSpc>
             </a:pPr>
-            <a:r>
-              <a:rPr lang="en-US" sz="3000" b="1" dirty="0" smtClean="0"/>
-              <a:t>Full system studies:</a:t>
-            </a:r>
-            <a:r>
-              <a:rPr lang="en-US" sz="3000" dirty="0" smtClean="0"/>
-              <a:t> Construct Exciton Hamiltonian from independent calculations (TDDFT) of chromophore excited states</a:t>
-            </a:r>
-            <a:endParaRPr lang="en-US" sz="3000" dirty="0"/>
-          </a:p>
-        </p:txBody>
-      </p:sp>
-      <p:grpSp>
-        <p:nvGrpSpPr>
-          <p:cNvPr id="54" name="Group 53">
-            <a:extLst>
-              <a:ext uri="{FF2B5EF4-FFF2-40B4-BE49-F238E27FC236}">
-                <a16:creationId xmlns:a16="http://schemas.microsoft.com/office/drawing/2014/main" xmlns="" id="{33959498-1EF8-6643-B147-C0ECE78B2558}"/>
-              </a:ext>
-            </a:extLst>
-          </p:cNvPr>
-          <p:cNvGrpSpPr/>
+            <a:endParaRPr lang="en-US" sz="8800" dirty="0"/>
+          </a:p>
+        </p:txBody>
+      </p:sp>
+      <p:sp>
+        <p:nvSpPr>
+          <p:cNvPr id="35" name="TextBox 34"/>
+          <p:cNvSpPr txBox="1"/>
           <p:nvPr/>
-        </p:nvGrpSpPr>
-        <p:grpSpPr>
-          <a:xfrm rot="10800000">
-            <a:off x="524479" y="17900662"/>
-            <a:ext cx="7928468" cy="118533"/>
-            <a:chOff x="6960" y="19366947"/>
-            <a:chExt cx="19912196" cy="82296"/>
+        </p:nvSpPr>
+        <p:spPr>
+          <a:xfrm>
+            <a:off x="34657759" y="5937821"/>
+            <a:ext cx="7903053" cy="856532"/>
           </a:xfrm>
+          <a:prstGeom prst="rect">
+            <a:avLst/>
+          </a:prstGeom>
+          <a:noFill/>
+        </p:spPr>
+        <p:txBody>
+          <a:bodyPr wrap="square" rtlCol="0">
+            <a:spAutoFit/>
+          </a:bodyPr>
+          <a:lstStyle/>
+          <a:p>
+            <a:pPr algn="ctr"/>
+            <a:r>
+              <a:rPr lang="en-US" sz="4800" b="1" smtClean="0">
+                <a:solidFill>
+                  <a:schemeClr val="tx1">
+                    <a:lumMod val="75000"/>
+                    <a:lumOff val="25000"/>
+                  </a:schemeClr>
+                </a:solidFill>
+                <a:latin typeface="Calibri" panose="020F0502020204030204" pitchFamily="34" charset="0"/>
+              </a:rPr>
+              <a:t>Discussion</a:t>
+            </a:r>
+            <a:endParaRPr lang="en-US" sz="4800" b="1" dirty="0">
+              <a:solidFill>
+                <a:schemeClr val="tx1">
+                  <a:lumMod val="75000"/>
+                  <a:lumOff val="25000"/>
+                </a:schemeClr>
+              </a:solidFill>
+              <a:latin typeface="Calibri" panose="020F0502020204030204" pitchFamily="34" charset="0"/>
+            </a:endParaRPr>
+          </a:p>
+        </p:txBody>
+      </p:sp>
+      <p:sp>
+        <p:nvSpPr>
+          <p:cNvPr id="36" name="TextBox 35"/>
+          <p:cNvSpPr txBox="1"/>
+          <p:nvPr/>
+        </p:nvSpPr>
+        <p:spPr>
+          <a:xfrm>
+            <a:off x="18723409" y="5937821"/>
+            <a:ext cx="7903053" cy="856532"/>
+          </a:xfrm>
+          <a:prstGeom prst="rect">
+            <a:avLst/>
+          </a:prstGeom>
+          <a:noFill/>
+        </p:spPr>
+        <p:txBody>
+          <a:bodyPr wrap="square" rtlCol="0">
+            <a:spAutoFit/>
+          </a:bodyPr>
+          <a:lstStyle/>
+          <a:p>
+            <a:pPr algn="ctr"/>
+            <a:r>
+              <a:rPr lang="en-US" sz="4800" b="1" dirty="0" smtClean="0">
+                <a:solidFill>
+                  <a:schemeClr val="tx1">
+                    <a:lumMod val="75000"/>
+                    <a:lumOff val="25000"/>
+                  </a:schemeClr>
+                </a:solidFill>
+                <a:latin typeface="Calibri" panose="020F0502020204030204" pitchFamily="34" charset="0"/>
+              </a:rPr>
+              <a:t>Models</a:t>
+            </a:r>
+            <a:endParaRPr lang="en-US" sz="4800" b="1" dirty="0">
+              <a:solidFill>
+                <a:schemeClr val="tx1">
+                  <a:lumMod val="75000"/>
+                  <a:lumOff val="25000"/>
+                </a:schemeClr>
+              </a:solidFill>
+              <a:latin typeface="Calibri" panose="020F0502020204030204" pitchFamily="34" charset="0"/>
+            </a:endParaRPr>
+          </a:p>
+        </p:txBody>
+      </p:sp>
+      <p:sp>
+        <p:nvSpPr>
+          <p:cNvPr id="37" name="TextBox 36"/>
+          <p:cNvSpPr txBox="1"/>
+          <p:nvPr/>
+        </p:nvSpPr>
+        <p:spPr>
+          <a:xfrm>
+            <a:off x="34639471" y="13868400"/>
+            <a:ext cx="7903053" cy="856532"/>
+          </a:xfrm>
+          <a:prstGeom prst="rect">
+            <a:avLst/>
+          </a:prstGeom>
+          <a:noFill/>
+        </p:spPr>
+        <p:txBody>
+          <a:bodyPr wrap="square" rtlCol="0">
+            <a:spAutoFit/>
+          </a:bodyPr>
+          <a:lstStyle/>
+          <a:p>
+            <a:pPr algn="ctr"/>
+            <a:r>
+              <a:rPr lang="en-US" sz="4800" b="1" dirty="0" smtClean="0">
+                <a:solidFill>
+                  <a:schemeClr val="tx1">
+                    <a:lumMod val="75000"/>
+                    <a:lumOff val="25000"/>
+                  </a:schemeClr>
+                </a:solidFill>
+                <a:latin typeface="Calibri" panose="020F0502020204030204" pitchFamily="34" charset="0"/>
+              </a:rPr>
+              <a:t>Future Work</a:t>
+            </a:r>
+            <a:endParaRPr lang="en-US" sz="4800" b="1" dirty="0">
+              <a:solidFill>
+                <a:schemeClr val="tx1">
+                  <a:lumMod val="75000"/>
+                  <a:lumOff val="25000"/>
+                </a:schemeClr>
+              </a:solidFill>
+              <a:latin typeface="Calibri" panose="020F0502020204030204" pitchFamily="34" charset="0"/>
+            </a:endParaRPr>
+          </a:p>
+        </p:txBody>
+      </p:sp>
+      <p:sp>
+        <p:nvSpPr>
+          <p:cNvPr id="40" name="TextBox 39"/>
+          <p:cNvSpPr txBox="1"/>
+          <p:nvPr/>
+        </p:nvSpPr>
+        <p:spPr>
+          <a:xfrm>
+            <a:off x="11710814" y="8463782"/>
+            <a:ext cx="7903053" cy="856532"/>
+          </a:xfrm>
+          <a:prstGeom prst="rect">
+            <a:avLst/>
+          </a:prstGeom>
+          <a:noFill/>
+        </p:spPr>
+        <p:txBody>
+          <a:bodyPr wrap="square" rtlCol="0">
+            <a:spAutoFit/>
+          </a:bodyPr>
+          <a:lstStyle/>
+          <a:p>
+            <a:pPr algn="ctr"/>
+            <a:r>
+              <a:rPr lang="en-US" sz="4800" b="1" smtClean="0">
+                <a:solidFill>
+                  <a:schemeClr val="tx1">
+                    <a:lumMod val="75000"/>
+                    <a:lumOff val="25000"/>
+                  </a:schemeClr>
+                </a:solidFill>
+                <a:latin typeface="Calibri" panose="020F0502020204030204" pitchFamily="34" charset="0"/>
+              </a:rPr>
+              <a:t>GMM</a:t>
+            </a:r>
+            <a:endParaRPr lang="en-US" sz="4800" b="1" dirty="0">
+              <a:solidFill>
+                <a:schemeClr val="tx1">
+                  <a:lumMod val="75000"/>
+                  <a:lumOff val="25000"/>
+                </a:schemeClr>
+              </a:solidFill>
+              <a:latin typeface="Calibri" panose="020F0502020204030204" pitchFamily="34" charset="0"/>
+            </a:endParaRPr>
+          </a:p>
+        </p:txBody>
+      </p:sp>
+      <p:sp>
+        <p:nvSpPr>
+          <p:cNvPr id="41" name="Rounded Rectangle 40"/>
+          <p:cNvSpPr/>
+          <p:nvPr/>
+        </p:nvSpPr>
+        <p:spPr>
+          <a:xfrm>
+            <a:off x="11971241" y="22211431"/>
+            <a:ext cx="21407387" cy="1139505"/>
+          </a:xfrm>
+          <a:prstGeom prst="roundRect">
+            <a:avLst>
+              <a:gd name="adj" fmla="val 33951"/>
+            </a:avLst>
+          </a:prstGeom>
           <a:solidFill>
             <a:schemeClr val="bg1">
-              <a:lumMod val="75000"/>
+              <a:lumMod val="95000"/>
             </a:schemeClr>
           </a:solidFill>
-        </p:grpSpPr>
-        <p:sp>
-          <p:nvSpPr>
-            <p:cNvPr id="55" name="Rectangle 54">
-              <a:extLst>
-                <a:ext uri="{FF2B5EF4-FFF2-40B4-BE49-F238E27FC236}">
-                  <a16:creationId xmlns:a16="http://schemas.microsoft.com/office/drawing/2014/main" xmlns="" id="{E4C27A08-6543-BE4D-8ABD-0B99EF61B2A1}"/>
-                </a:ext>
-              </a:extLst>
-            </p:cNvPr>
-            <p:cNvSpPr/>
-            <p:nvPr/>
-          </p:nvSpPr>
-          <p:spPr>
-            <a:xfrm flipV="1">
-              <a:off x="6960" y="19366947"/>
-              <a:ext cx="19659600" cy="82296"/>
-            </a:xfrm>
-            <a:prstGeom prst="rect">
-              <a:avLst/>
-            </a:prstGeom>
-            <a:grpFill/>
-            <a:ln>
-              <a:noFill/>
-            </a:ln>
-          </p:spPr>
-          <p:style>
-            <a:lnRef idx="2">
-              <a:schemeClr val="accent1">
-                <a:shade val="50000"/>
-              </a:schemeClr>
-            </a:lnRef>
-            <a:fillRef idx="1">
-              <a:schemeClr val="accent1"/>
-            </a:fillRef>
-            <a:effectRef idx="0">
-              <a:schemeClr val="accent1"/>
-            </a:effectRef>
-            <a:fontRef idx="minor">
-              <a:schemeClr val="lt1"/>
-            </a:fontRef>
-          </p:style>
-          <p:txBody>
-            <a:bodyPr rtlCol="0" anchor="ctr"/>
-            <a:lstStyle/>
-            <a:p>
-              <a:pPr algn="ctr"/>
-              <a:endParaRPr lang="en-US" sz="8180">
+          <a:ln>
+            <a:noFill/>
+          </a:ln>
+        </p:spPr>
+        <p:style>
+          <a:lnRef idx="2">
+            <a:schemeClr val="accent1">
+              <a:shade val="50000"/>
+            </a:schemeClr>
+          </a:lnRef>
+          <a:fillRef idx="1">
+            <a:schemeClr val="accent1"/>
+          </a:fillRef>
+          <a:effectRef idx="0">
+            <a:schemeClr val="accent1"/>
+          </a:effectRef>
+          <a:fontRef idx="minor">
+            <a:schemeClr val="lt1"/>
+          </a:fontRef>
+        </p:style>
+        <p:txBody>
+          <a:bodyPr rtlCol="0" anchor="ctr"/>
+          <a:lstStyle/>
+          <a:p>
+            <a:pPr algn="ctr"/>
+            <a:endParaRPr lang="en-US" dirty="0"/>
+          </a:p>
+        </p:txBody>
+      </p:sp>
+      <p:sp>
+        <p:nvSpPr>
+          <p:cNvPr id="43" name="TextBox 42"/>
+          <p:cNvSpPr txBox="1"/>
+          <p:nvPr/>
+        </p:nvSpPr>
+        <p:spPr>
+          <a:xfrm>
+            <a:off x="18440400" y="22352917"/>
+            <a:ext cx="7903053" cy="856532"/>
+          </a:xfrm>
+          <a:prstGeom prst="rect">
+            <a:avLst/>
+          </a:prstGeom>
+          <a:noFill/>
+        </p:spPr>
+        <p:txBody>
+          <a:bodyPr wrap="square" rtlCol="0">
+            <a:spAutoFit/>
+          </a:bodyPr>
+          <a:lstStyle/>
+          <a:p>
+            <a:pPr algn="ctr"/>
+            <a:r>
+              <a:rPr lang="en-US" sz="4800" b="1" smtClean="0">
+                <a:solidFill>
+                  <a:schemeClr val="tx1">
+                    <a:lumMod val="75000"/>
+                    <a:lumOff val="25000"/>
+                  </a:schemeClr>
+                </a:solidFill>
                 <a:latin typeface="Calibri" panose="020F0502020204030204" pitchFamily="34" charset="0"/>
-              </a:endParaRPr>
-            </a:p>
-          </p:txBody>
-        </p:sp>
-        <p:sp>
-          <p:nvSpPr>
-            <p:cNvPr id="56" name="Parallelogram 55">
-              <a:extLst>
-                <a:ext uri="{FF2B5EF4-FFF2-40B4-BE49-F238E27FC236}">
-                  <a16:creationId xmlns:a16="http://schemas.microsoft.com/office/drawing/2014/main" xmlns="" id="{C745EDFC-3B65-E64B-9697-C735FA24DF8C}"/>
-                </a:ext>
-              </a:extLst>
-            </p:cNvPr>
-            <p:cNvSpPr/>
-            <p:nvPr/>
-          </p:nvSpPr>
-          <p:spPr>
-            <a:xfrm>
-              <a:off x="19431000" y="19366947"/>
-              <a:ext cx="488156" cy="82296"/>
-            </a:xfrm>
-            <a:prstGeom prst="parallelogram">
-              <a:avLst>
-                <a:gd name="adj" fmla="val 39467"/>
-              </a:avLst>
-            </a:prstGeom>
-            <a:grpFill/>
-            <a:ln>
-              <a:noFill/>
-            </a:ln>
-          </p:spPr>
-          <p:style>
-            <a:lnRef idx="2">
-              <a:schemeClr val="accent1">
-                <a:shade val="50000"/>
-              </a:schemeClr>
-            </a:lnRef>
-            <a:fillRef idx="1">
-              <a:schemeClr val="accent1"/>
-            </a:fillRef>
-            <a:effectRef idx="0">
-              <a:schemeClr val="accent1"/>
-            </a:effectRef>
-            <a:fontRef idx="minor">
-              <a:schemeClr val="lt1"/>
-            </a:fontRef>
-          </p:style>
-          <p:txBody>
-            <a:bodyPr rtlCol="0" anchor="ctr"/>
-            <a:lstStyle/>
-            <a:p>
-              <a:pPr algn="ctr"/>
-              <a:endParaRPr lang="en-US" sz="8180">
+              </a:rPr>
+              <a:t>Results</a:t>
+            </a:r>
+            <a:endParaRPr lang="en-US" sz="4800" b="1" dirty="0">
+              <a:solidFill>
+                <a:schemeClr val="tx1">
+                  <a:lumMod val="75000"/>
+                  <a:lumOff val="25000"/>
+                </a:schemeClr>
+              </a:solidFill>
+              <a:latin typeface="Calibri" panose="020F0502020204030204" pitchFamily="34" charset="0"/>
+            </a:endParaRPr>
+          </a:p>
+        </p:txBody>
+      </p:sp>
+      <p:sp>
+        <p:nvSpPr>
+          <p:cNvPr id="44" name="TextBox 43"/>
+          <p:cNvSpPr txBox="1"/>
+          <p:nvPr/>
+        </p:nvSpPr>
+        <p:spPr>
+          <a:xfrm>
+            <a:off x="11447385" y="15650790"/>
+            <a:ext cx="7903053" cy="856532"/>
+          </a:xfrm>
+          <a:prstGeom prst="rect">
+            <a:avLst/>
+          </a:prstGeom>
+          <a:noFill/>
+        </p:spPr>
+        <p:txBody>
+          <a:bodyPr wrap="square" rtlCol="0">
+            <a:spAutoFit/>
+          </a:bodyPr>
+          <a:lstStyle/>
+          <a:p>
+            <a:pPr algn="ctr"/>
+            <a:r>
+              <a:rPr lang="en-US" sz="4800" b="1" dirty="0" smtClean="0">
+                <a:solidFill>
+                  <a:schemeClr val="tx1">
+                    <a:lumMod val="75000"/>
+                    <a:lumOff val="25000"/>
+                  </a:schemeClr>
+                </a:solidFill>
                 <a:latin typeface="Calibri" panose="020F0502020204030204" pitchFamily="34" charset="0"/>
-              </a:endParaRPr>
-            </a:p>
-          </p:txBody>
-        </p:sp>
-      </p:grpSp>
-      <p:grpSp>
-        <p:nvGrpSpPr>
-          <p:cNvPr id="57" name="Group 56">
-            <a:extLst>
-              <a:ext uri="{FF2B5EF4-FFF2-40B4-BE49-F238E27FC236}">
-                <a16:creationId xmlns:a16="http://schemas.microsoft.com/office/drawing/2014/main" xmlns="" id="{33959498-1EF8-6643-B147-C0ECE78B2558}"/>
-              </a:ext>
-            </a:extLst>
-          </p:cNvPr>
-          <p:cNvGrpSpPr/>
+              </a:rPr>
+              <a:t>LSTM</a:t>
+            </a:r>
+            <a:endParaRPr lang="en-US" sz="4800" b="1" dirty="0">
+              <a:solidFill>
+                <a:schemeClr val="tx1">
+                  <a:lumMod val="75000"/>
+                  <a:lumOff val="25000"/>
+                </a:schemeClr>
+              </a:solidFill>
+              <a:latin typeface="Calibri" panose="020F0502020204030204" pitchFamily="34" charset="0"/>
+            </a:endParaRPr>
+          </a:p>
+        </p:txBody>
+      </p:sp>
+      <p:sp>
+        <p:nvSpPr>
+          <p:cNvPr id="45" name="TextBox 44"/>
+          <p:cNvSpPr txBox="1"/>
           <p:nvPr/>
-        </p:nvGrpSpPr>
-        <p:grpSpPr>
-          <a:xfrm rot="10800000">
-            <a:off x="33070800" y="19030871"/>
-            <a:ext cx="10482662" cy="45719"/>
-            <a:chOff x="6960" y="19366947"/>
-            <a:chExt cx="19912196" cy="82296"/>
+        </p:nvSpPr>
+        <p:spPr>
+          <a:xfrm>
+            <a:off x="24841200" y="8149434"/>
+            <a:ext cx="7903053" cy="856532"/>
           </a:xfrm>
-          <a:solidFill>
-            <a:schemeClr val="bg1">
-              <a:lumMod val="75000"/>
-            </a:schemeClr>
-          </a:solidFill>
-        </p:grpSpPr>
-        <p:sp>
-          <p:nvSpPr>
-            <p:cNvPr id="63" name="Rectangle 62">
-              <a:extLst>
-                <a:ext uri="{FF2B5EF4-FFF2-40B4-BE49-F238E27FC236}">
-                  <a16:creationId xmlns:a16="http://schemas.microsoft.com/office/drawing/2014/main" xmlns="" id="{E4C27A08-6543-BE4D-8ABD-0B99EF61B2A1}"/>
-                </a:ext>
-              </a:extLst>
-            </p:cNvPr>
-            <p:cNvSpPr/>
-            <p:nvPr/>
-          </p:nvSpPr>
-          <p:spPr>
-            <a:xfrm flipV="1">
-              <a:off x="6960" y="19366947"/>
-              <a:ext cx="19659600" cy="82296"/>
-            </a:xfrm>
-            <a:prstGeom prst="rect">
-              <a:avLst/>
-            </a:prstGeom>
-            <a:grpFill/>
-            <a:ln>
-              <a:noFill/>
-            </a:ln>
-          </p:spPr>
-          <p:style>
-            <a:lnRef idx="2">
-              <a:schemeClr val="accent1">
-                <a:shade val="50000"/>
-              </a:schemeClr>
-            </a:lnRef>
-            <a:fillRef idx="1">
-              <a:schemeClr val="accent1"/>
-            </a:fillRef>
-            <a:effectRef idx="0">
-              <a:schemeClr val="accent1"/>
-            </a:effectRef>
-            <a:fontRef idx="minor">
-              <a:schemeClr val="lt1"/>
-            </a:fontRef>
-          </p:style>
-          <p:txBody>
-            <a:bodyPr rtlCol="0" anchor="ctr"/>
-            <a:lstStyle/>
-            <a:p>
-              <a:pPr algn="ctr"/>
-              <a:endParaRPr lang="en-US" sz="8180">
+          <a:prstGeom prst="rect">
+            <a:avLst/>
+          </a:prstGeom>
+          <a:noFill/>
+        </p:spPr>
+        <p:txBody>
+          <a:bodyPr wrap="square" rtlCol="0">
+            <a:spAutoFit/>
+          </a:bodyPr>
+          <a:lstStyle/>
+          <a:p>
+            <a:pPr algn="ctr"/>
+            <a:r>
+              <a:rPr lang="en-US" sz="4800" b="1" dirty="0" err="1" smtClean="0">
+                <a:solidFill>
+                  <a:schemeClr val="tx1">
+                    <a:lumMod val="75000"/>
+                    <a:lumOff val="25000"/>
+                  </a:schemeClr>
+                </a:solidFill>
                 <a:latin typeface="Calibri" panose="020F0502020204030204" pitchFamily="34" charset="0"/>
-              </a:endParaRPr>
-            </a:p>
-          </p:txBody>
-        </p:sp>
-        <p:sp>
-          <p:nvSpPr>
-            <p:cNvPr id="66" name="Parallelogram 65">
-              <a:extLst>
-                <a:ext uri="{FF2B5EF4-FFF2-40B4-BE49-F238E27FC236}">
-                  <a16:creationId xmlns:a16="http://schemas.microsoft.com/office/drawing/2014/main" xmlns="" id="{C745EDFC-3B65-E64B-9697-C735FA24DF8C}"/>
-                </a:ext>
-              </a:extLst>
-            </p:cNvPr>
-            <p:cNvSpPr/>
-            <p:nvPr/>
-          </p:nvSpPr>
-          <p:spPr>
-            <a:xfrm>
-              <a:off x="19431000" y="19366947"/>
-              <a:ext cx="488156" cy="82296"/>
-            </a:xfrm>
-            <a:prstGeom prst="parallelogram">
-              <a:avLst>
-                <a:gd name="adj" fmla="val 39467"/>
-              </a:avLst>
-            </a:prstGeom>
-            <a:grpFill/>
-            <a:ln>
-              <a:noFill/>
-            </a:ln>
-          </p:spPr>
-          <p:style>
-            <a:lnRef idx="2">
-              <a:schemeClr val="accent1">
-                <a:shade val="50000"/>
-              </a:schemeClr>
-            </a:lnRef>
-            <a:fillRef idx="1">
-              <a:schemeClr val="accent1"/>
-            </a:fillRef>
-            <a:effectRef idx="0">
-              <a:schemeClr val="accent1"/>
-            </a:effectRef>
-            <a:fontRef idx="minor">
-              <a:schemeClr val="lt1"/>
-            </a:fontRef>
-          </p:style>
-          <p:txBody>
-            <a:bodyPr rtlCol="0" anchor="ctr"/>
-            <a:lstStyle/>
-            <a:p>
-              <a:pPr algn="ctr"/>
-              <a:endParaRPr lang="en-US" sz="8180">
+              </a:rPr>
+              <a:t>Softmax</a:t>
+            </a:r>
+            <a:endParaRPr lang="en-US" sz="4800" b="1" dirty="0">
+              <a:solidFill>
+                <a:schemeClr val="tx1">
+                  <a:lumMod val="75000"/>
+                  <a:lumOff val="25000"/>
+                </a:schemeClr>
+              </a:solidFill>
+              <a:latin typeface="Calibri" panose="020F0502020204030204" pitchFamily="34" charset="0"/>
+            </a:endParaRPr>
+          </a:p>
+        </p:txBody>
+      </p:sp>
+      <p:sp>
+        <p:nvSpPr>
+          <p:cNvPr id="46" name="TextBox 45"/>
+          <p:cNvSpPr txBox="1"/>
+          <p:nvPr/>
+        </p:nvSpPr>
+        <p:spPr>
+          <a:xfrm>
+            <a:off x="13030200" y="24715361"/>
+            <a:ext cx="7903053" cy="1077218"/>
+          </a:xfrm>
+          <a:prstGeom prst="rect">
+            <a:avLst/>
+          </a:prstGeom>
+          <a:noFill/>
+        </p:spPr>
+        <p:txBody>
+          <a:bodyPr wrap="square" rtlCol="0">
+            <a:spAutoFit/>
+          </a:bodyPr>
+          <a:lstStyle/>
+          <a:p>
+            <a:r>
+              <a:rPr lang="en-US" sz="3200" dirty="0" smtClean="0">
+                <a:solidFill>
+                  <a:schemeClr val="tx1">
+                    <a:lumMod val="75000"/>
+                    <a:lumOff val="25000"/>
+                  </a:schemeClr>
+                </a:solidFill>
                 <a:latin typeface="Calibri" panose="020F0502020204030204" pitchFamily="34" charset="0"/>
-              </a:endParaRPr>
-            </a:p>
-          </p:txBody>
-        </p:sp>
-      </p:grpSp>
+              </a:rPr>
+              <a:t>Describe survey, table comparing three models with control</a:t>
+            </a:r>
+            <a:endParaRPr lang="en-US" sz="3600" dirty="0">
+              <a:solidFill>
+                <a:schemeClr val="tx1">
+                  <a:lumMod val="75000"/>
+                  <a:lumOff val="25000"/>
+                </a:schemeClr>
+              </a:solidFill>
+              <a:latin typeface="Calibri" panose="020F0502020204030204" pitchFamily="34" charset="0"/>
+            </a:endParaRPr>
+          </a:p>
+        </p:txBody>
+      </p:sp>
+      <p:sp>
+        <p:nvSpPr>
+          <p:cNvPr id="47" name="TextBox 46"/>
+          <p:cNvSpPr txBox="1"/>
+          <p:nvPr/>
+        </p:nvSpPr>
+        <p:spPr>
+          <a:xfrm>
+            <a:off x="13025718" y="7326727"/>
+            <a:ext cx="7903053" cy="1077218"/>
+          </a:xfrm>
+          <a:prstGeom prst="rect">
+            <a:avLst/>
+          </a:prstGeom>
+          <a:noFill/>
+        </p:spPr>
+        <p:txBody>
+          <a:bodyPr wrap="square" rtlCol="0">
+            <a:spAutoFit/>
+          </a:bodyPr>
+          <a:lstStyle/>
+          <a:p>
+            <a:r>
+              <a:rPr lang="en-US" sz="3200" dirty="0" smtClean="0">
+                <a:solidFill>
+                  <a:schemeClr val="tx1">
+                    <a:lumMod val="75000"/>
+                    <a:lumOff val="25000"/>
+                  </a:schemeClr>
+                </a:solidFill>
+                <a:latin typeface="Calibri" panose="020F0502020204030204" pitchFamily="34" charset="0"/>
+              </a:rPr>
+              <a:t>Short model description, analysis of model behavior (train vs. </a:t>
+            </a:r>
+            <a:r>
+              <a:rPr lang="en-US" sz="3200" dirty="0" err="1" smtClean="0">
+                <a:solidFill>
+                  <a:schemeClr val="tx1">
+                    <a:lumMod val="75000"/>
+                    <a:lumOff val="25000"/>
+                  </a:schemeClr>
+                </a:solidFill>
+                <a:latin typeface="Calibri" panose="020F0502020204030204" pitchFamily="34" charset="0"/>
+              </a:rPr>
+              <a:t>eval</a:t>
+            </a:r>
+            <a:r>
+              <a:rPr lang="en-US" sz="3200" dirty="0" smtClean="0">
+                <a:solidFill>
+                  <a:schemeClr val="tx1">
+                    <a:lumMod val="75000"/>
+                    <a:lumOff val="25000"/>
+                  </a:schemeClr>
+                </a:solidFill>
+                <a:latin typeface="Calibri" panose="020F0502020204030204" pitchFamily="34" charset="0"/>
+              </a:rPr>
+              <a:t>)</a:t>
+            </a:r>
+            <a:endParaRPr lang="en-US" sz="3600" dirty="0">
+              <a:solidFill>
+                <a:schemeClr val="tx1">
+                  <a:lumMod val="75000"/>
+                  <a:lumOff val="25000"/>
+                </a:schemeClr>
+              </a:solidFill>
+              <a:latin typeface="Calibri" panose="020F0502020204030204" pitchFamily="34" charset="0"/>
+            </a:endParaRPr>
+          </a:p>
+        </p:txBody>
+      </p:sp>
     </p:spTree>
     <p:extLst>
       <p:ext uri="{BB962C8B-B14F-4D97-AF65-F5344CB8AC3E}">

--- a/CS229_poster.pptx
+++ b/CS229_poster.pptx
@@ -4239,7 +4239,7 @@
         <p:spPr>
           <a:xfrm>
             <a:off x="364505" y="5810375"/>
-            <a:ext cx="10984041" cy="9870626"/>
+            <a:ext cx="11257030" cy="10032972"/>
           </a:xfrm>
           <a:prstGeom prst="roundRect">
             <a:avLst>
@@ -4554,7 +4554,7 @@
         </p:nvSpPr>
         <p:spPr>
           <a:xfrm>
-            <a:off x="1905000" y="16478840"/>
+            <a:off x="1905000" y="16507322"/>
             <a:ext cx="7903053" cy="856532"/>
           </a:xfrm>
           <a:prstGeom prst="rect">
@@ -4570,7 +4570,7 @@
           <a:p>
             <a:pPr algn="ctr"/>
             <a:r>
-              <a:rPr lang="en-US" sz="4800" b="1" dirty="0" smtClean="0">
+              <a:rPr lang="en-US" sz="4800" b="1" smtClean="0">
                 <a:solidFill>
                   <a:schemeClr val="tx1">
                     <a:lumMod val="75000"/>
@@ -4579,7 +4579,7 @@
                 </a:solidFill>
                 <a:latin typeface="Calibri" panose="020F0502020204030204" pitchFamily="34" charset="0"/>
               </a:rPr>
-              <a:t>Dataset</a:t>
+              <a:t>Datasets</a:t>
             </a:r>
             <a:endParaRPr lang="en-US" sz="4800" b="1" dirty="0">
               <a:solidFill>
@@ -5034,8 +5034,8 @@
         </p:nvSpPr>
         <p:spPr>
           <a:xfrm>
-            <a:off x="13030200" y="24715361"/>
-            <a:ext cx="7903053" cy="1077218"/>
+            <a:off x="12666725" y="24618904"/>
+            <a:ext cx="7903053" cy="2123658"/>
           </a:xfrm>
           <a:prstGeom prst="rect">
             <a:avLst/>
@@ -5059,6 +5059,67 @@
                 <a:latin typeface="Calibri" panose="020F0502020204030204" pitchFamily="34" charset="0"/>
               </a:rPr>
               <a:t>Describe survey, table comparing three models with control</a:t>
+            </a:r>
+          </a:p>
+          <a:p>
+            <a:endParaRPr lang="en-US" sz="3200" dirty="0">
+              <a:solidFill>
+                <a:schemeClr val="tx1">
+                  <a:lumMod val="75000"/>
+                  <a:lumOff val="25000"/>
+                </a:schemeClr>
+              </a:solidFill>
+              <a:latin typeface="Calibri" panose="020F0502020204030204" pitchFamily="34" charset="0"/>
+            </a:endParaRPr>
+          </a:p>
+          <a:p>
+            <a:r>
+              <a:rPr lang="en-US" sz="3200" dirty="0" smtClean="0">
+                <a:solidFill>
+                  <a:schemeClr val="tx1">
+                    <a:lumMod val="75000"/>
+                    <a:lumOff val="25000"/>
+                  </a:schemeClr>
+                </a:solidFill>
+                <a:latin typeface="Calibri" panose="020F0502020204030204" pitchFamily="34" charset="0"/>
+              </a:rPr>
+              <a:t>Plot of </a:t>
+            </a:r>
+            <a:r>
+              <a:rPr lang="en-US" sz="3200" dirty="0" err="1" smtClean="0">
+                <a:solidFill>
+                  <a:schemeClr val="tx1">
+                    <a:lumMod val="75000"/>
+                    <a:lumOff val="25000"/>
+                  </a:schemeClr>
+                </a:solidFill>
+                <a:latin typeface="Calibri" panose="020F0502020204030204" pitchFamily="34" charset="0"/>
+              </a:rPr>
+              <a:t>clementi</a:t>
+            </a:r>
+            <a:r>
+              <a:rPr lang="en-US" sz="3200" dirty="0" smtClean="0">
+                <a:solidFill>
+                  <a:schemeClr val="tx1">
+                    <a:lumMod val="75000"/>
+                    <a:lumOff val="25000"/>
+                  </a:schemeClr>
+                </a:solidFill>
+                <a:latin typeface="Calibri" panose="020F0502020204030204" pitchFamily="34" charset="0"/>
+              </a:rPr>
+              <a:t> LSTM and corresponding </a:t>
+            </a:r>
+            <a:r>
+              <a:rPr lang="en-US" sz="3200" dirty="0" err="1" smtClean="0">
+                <a:solidFill>
+                  <a:schemeClr val="tx1">
+                    <a:lumMod val="75000"/>
+                    <a:lumOff val="25000"/>
+                  </a:schemeClr>
+                </a:solidFill>
+                <a:latin typeface="Calibri" panose="020F0502020204030204" pitchFamily="34" charset="0"/>
+              </a:rPr>
+              <a:t>traj</a:t>
             </a:r>
             <a:endParaRPr lang="en-US" sz="3600" dirty="0">
               <a:solidFill>
@@ -5129,6 +5190,261 @@
                 <a:latin typeface="Calibri" panose="020F0502020204030204" pitchFamily="34" charset="0"/>
               </a:rPr>
               <a:t>)</a:t>
+            </a:r>
+            <a:endParaRPr lang="en-US" sz="3600" dirty="0">
+              <a:solidFill>
+                <a:schemeClr val="tx1">
+                  <a:lumMod val="75000"/>
+                  <a:lumOff val="25000"/>
+                </a:schemeClr>
+              </a:solidFill>
+              <a:latin typeface="Calibri" panose="020F0502020204030204" pitchFamily="34" charset="0"/>
+            </a:endParaRPr>
+          </a:p>
+        </p:txBody>
+      </p:sp>
+      <p:sp>
+        <p:nvSpPr>
+          <p:cNvPr id="48" name="TextBox 47"/>
+          <p:cNvSpPr txBox="1"/>
+          <p:nvPr/>
+        </p:nvSpPr>
+        <p:spPr>
+          <a:xfrm>
+            <a:off x="990599" y="17458720"/>
+            <a:ext cx="7903053" cy="769441"/>
+          </a:xfrm>
+          <a:prstGeom prst="rect">
+            <a:avLst/>
+          </a:prstGeom>
+          <a:noFill/>
+        </p:spPr>
+        <p:txBody>
+          <a:bodyPr wrap="square" rtlCol="0">
+            <a:spAutoFit/>
+          </a:bodyPr>
+          <a:lstStyle/>
+          <a:p>
+            <a:r>
+              <a:rPr lang="en-US" sz="4400" i="1" dirty="0" smtClean="0">
+                <a:solidFill>
+                  <a:srgbClr val="A80C30"/>
+                </a:solidFill>
+                <a:latin typeface="Calibri" panose="020F0502020204030204" pitchFamily="34" charset="0"/>
+              </a:rPr>
+              <a:t>Music</a:t>
+            </a:r>
+            <a:endParaRPr lang="en-US" sz="4400" i="1" dirty="0">
+              <a:solidFill>
+                <a:srgbClr val="A80C30"/>
+              </a:solidFill>
+              <a:latin typeface="Calibri" panose="020F0502020204030204" pitchFamily="34" charset="0"/>
+            </a:endParaRPr>
+          </a:p>
+        </p:txBody>
+      </p:sp>
+      <p:sp>
+        <p:nvSpPr>
+          <p:cNvPr id="49" name="TextBox 48"/>
+          <p:cNvSpPr txBox="1"/>
+          <p:nvPr/>
+        </p:nvSpPr>
+        <p:spPr>
+          <a:xfrm>
+            <a:off x="990599" y="24234184"/>
+            <a:ext cx="7903053" cy="769441"/>
+          </a:xfrm>
+          <a:prstGeom prst="rect">
+            <a:avLst/>
+          </a:prstGeom>
+          <a:noFill/>
+        </p:spPr>
+        <p:txBody>
+          <a:bodyPr wrap="square" rtlCol="0">
+            <a:spAutoFit/>
+          </a:bodyPr>
+          <a:lstStyle/>
+          <a:p>
+            <a:r>
+              <a:rPr lang="en-US" sz="4400" i="1" dirty="0" smtClean="0">
+                <a:solidFill>
+                  <a:srgbClr val="A80C30"/>
+                </a:solidFill>
+                <a:latin typeface="Calibri" panose="020F0502020204030204" pitchFamily="34" charset="0"/>
+              </a:rPr>
+              <a:t>Chemical dynamics</a:t>
+            </a:r>
+            <a:endParaRPr lang="en-US" sz="4400" i="1" dirty="0">
+              <a:solidFill>
+                <a:srgbClr val="A80C30"/>
+              </a:solidFill>
+              <a:latin typeface="Calibri" panose="020F0502020204030204" pitchFamily="34" charset="0"/>
+            </a:endParaRPr>
+          </a:p>
+        </p:txBody>
+      </p:sp>
+      <p:pic>
+        <p:nvPicPr>
+          <p:cNvPr id="3" name="Picture 2"/>
+          <p:cNvPicPr>
+            <a:picLocks noChangeAspect="1"/>
+          </p:cNvPicPr>
+          <p:nvPr/>
+        </p:nvPicPr>
+        <p:blipFill>
+          <a:blip r:embed="rId4">
+            <a:extLst>
+              <a:ext uri="{28A0092B-C50C-407E-A947-70E740481C1C}">
+                <a14:useLocalDpi xmlns:a14="http://schemas.microsoft.com/office/drawing/2010/main" val="0"/>
+              </a:ext>
+            </a:extLst>
+          </a:blip>
+          <a:stretch>
+            <a:fillRect/>
+          </a:stretch>
+        </p:blipFill>
+        <p:spPr>
+          <a:xfrm>
+            <a:off x="1338549" y="24890717"/>
+            <a:ext cx="3175000" cy="3175000"/>
+          </a:xfrm>
+          <a:prstGeom prst="rect">
+            <a:avLst/>
+          </a:prstGeom>
+        </p:spPr>
+      </p:pic>
+      <p:pic>
+        <p:nvPicPr>
+          <p:cNvPr id="8" name="Picture 7"/>
+          <p:cNvPicPr>
+            <a:picLocks noChangeAspect="1"/>
+          </p:cNvPicPr>
+          <p:nvPr/>
+        </p:nvPicPr>
+        <p:blipFill rotWithShape="1">
+          <a:blip r:embed="rId5">
+            <a:extLst>
+              <a:ext uri="{28A0092B-C50C-407E-A947-70E740481C1C}">
+                <a14:useLocalDpi xmlns:a14="http://schemas.microsoft.com/office/drawing/2010/main" val="0"/>
+              </a:ext>
+            </a:extLst>
+          </a:blip>
+          <a:srcRect t="16830" b="26156"/>
+          <a:stretch/>
+        </p:blipFill>
+        <p:spPr>
+          <a:xfrm>
+            <a:off x="1126067" y="21536120"/>
+            <a:ext cx="9770482" cy="1485479"/>
+          </a:xfrm>
+          <a:prstGeom prst="rect">
+            <a:avLst/>
+          </a:prstGeom>
+        </p:spPr>
+      </p:pic>
+      <p:sp>
+        <p:nvSpPr>
+          <p:cNvPr id="58" name="TextBox 57"/>
+          <p:cNvSpPr txBox="1"/>
+          <p:nvPr/>
+        </p:nvSpPr>
+        <p:spPr>
+          <a:xfrm>
+            <a:off x="1132994" y="20856479"/>
+            <a:ext cx="7903053" cy="584775"/>
+          </a:xfrm>
+          <a:prstGeom prst="rect">
+            <a:avLst/>
+          </a:prstGeom>
+          <a:noFill/>
+        </p:spPr>
+        <p:txBody>
+          <a:bodyPr wrap="square" rtlCol="0">
+            <a:spAutoFit/>
+          </a:bodyPr>
+          <a:lstStyle/>
+          <a:p>
+            <a:r>
+              <a:rPr lang="en-US" sz="3200" dirty="0" smtClean="0">
+                <a:solidFill>
+                  <a:schemeClr val="tx1">
+                    <a:lumMod val="75000"/>
+                    <a:lumOff val="25000"/>
+                  </a:schemeClr>
+                </a:solidFill>
+                <a:latin typeface="Calibri" panose="020F0502020204030204" pitchFamily="34" charset="0"/>
+              </a:rPr>
+              <a:t>Range 0 to 127</a:t>
+            </a:r>
+            <a:r>
+              <a:rPr lang="en-US" sz="3200" smtClean="0">
+                <a:solidFill>
+                  <a:schemeClr val="tx1">
+                    <a:lumMod val="75000"/>
+                    <a:lumOff val="25000"/>
+                  </a:schemeClr>
+                </a:solidFill>
+                <a:latin typeface="Calibri" panose="020F0502020204030204" pitchFamily="34" charset="0"/>
+              </a:rPr>
+              <a:t>, most fall in 50-90</a:t>
+            </a:r>
+            <a:endParaRPr lang="en-US" sz="3600" dirty="0">
+              <a:solidFill>
+                <a:schemeClr val="tx1">
+                  <a:lumMod val="75000"/>
+                  <a:lumOff val="25000"/>
+                </a:schemeClr>
+              </a:solidFill>
+              <a:latin typeface="Calibri" panose="020F0502020204030204" pitchFamily="34" charset="0"/>
+            </a:endParaRPr>
+          </a:p>
+        </p:txBody>
+      </p:sp>
+      <p:sp>
+        <p:nvSpPr>
+          <p:cNvPr id="59" name="TextBox 58"/>
+          <p:cNvSpPr txBox="1"/>
+          <p:nvPr/>
+        </p:nvSpPr>
+        <p:spPr>
+          <a:xfrm>
+            <a:off x="6772294" y="25367438"/>
+            <a:ext cx="3162831" cy="1569660"/>
+          </a:xfrm>
+          <a:prstGeom prst="rect">
+            <a:avLst/>
+          </a:prstGeom>
+          <a:noFill/>
+        </p:spPr>
+        <p:txBody>
+          <a:bodyPr wrap="square" rtlCol="0">
+            <a:spAutoFit/>
+          </a:bodyPr>
+          <a:lstStyle/>
+          <a:p>
+            <a:r>
+              <a:rPr lang="en-US" sz="3200" dirty="0" smtClean="0">
+                <a:solidFill>
+                  <a:schemeClr val="tx1">
+                    <a:lumMod val="75000"/>
+                    <a:lumOff val="25000"/>
+                  </a:schemeClr>
+                </a:solidFill>
+                <a:latin typeface="Calibri" panose="020F0502020204030204" pitchFamily="34" charset="0"/>
+              </a:rPr>
+              <a:t>Trajectories normalized </a:t>
+            </a:r>
+            <a:r>
+              <a:rPr lang="en-US" sz="3200" smtClean="0">
+                <a:solidFill>
+                  <a:schemeClr val="tx1">
+                    <a:lumMod val="75000"/>
+                    <a:lumOff val="25000"/>
+                  </a:schemeClr>
+                </a:solidFill>
+                <a:latin typeface="Calibri" panose="020F0502020204030204" pitchFamily="34" charset="0"/>
+              </a:rPr>
+              <a:t>to range 50-90</a:t>
             </a:r>
             <a:endParaRPr lang="en-US" sz="3600" dirty="0">
               <a:solidFill>

--- a/CS229_poster.pptx
+++ b/CS229_poster.pptx
@@ -214,7 +214,7 @@
           <a:p>
             <a:fld id="{7EDC9FCA-5669-407A-B541-D0E7F9787720}" type="datetimeFigureOut">
               <a:rPr lang="en-US" smtClean="0"/>
-              <a:t>6/10/19</a:t>
+              <a:t>6/11/19</a:t>
             </a:fld>
             <a:endParaRPr lang="en-US"/>
           </a:p>
@@ -379,7 +379,7 @@
           <a:p>
             <a:fld id="{63D3EF91-396D-4FE8-A257-1E08692753AD}" type="datetimeFigureOut">
               <a:rPr lang="en-US" smtClean="0"/>
-              <a:t>6/10/19</a:t>
+              <a:t>6/11/19</a:t>
             </a:fld>
             <a:endParaRPr lang="en-US"/>
           </a:p>
@@ -888,7 +888,7 @@
           <a:p>
             <a:fld id="{DE360518-F3EA-4C30-8886-B3FF6145F6F2}" type="datetimeFigureOut">
               <a:rPr lang="en-US" smtClean="0"/>
-              <a:t>6/10/19</a:t>
+              <a:t>6/11/19</a:t>
             </a:fld>
             <a:endParaRPr lang="en-US"/>
           </a:p>
@@ -1066,7 +1066,7 @@
           <a:p>
             <a:fld id="{DE360518-F3EA-4C30-8886-B3FF6145F6F2}" type="datetimeFigureOut">
               <a:rPr lang="en-US" smtClean="0"/>
-              <a:t>6/10/19</a:t>
+              <a:t>6/11/19</a:t>
             </a:fld>
             <a:endParaRPr lang="en-US"/>
           </a:p>
@@ -1234,7 +1234,7 @@
           <a:p>
             <a:fld id="{DE360518-F3EA-4C30-8886-B3FF6145F6F2}" type="datetimeFigureOut">
               <a:rPr lang="en-US" smtClean="0"/>
-              <a:t>6/10/19</a:t>
+              <a:t>6/11/19</a:t>
             </a:fld>
             <a:endParaRPr lang="en-US"/>
           </a:p>
@@ -1479,7 +1479,7 @@
           <a:p>
             <a:fld id="{DE360518-F3EA-4C30-8886-B3FF6145F6F2}" type="datetimeFigureOut">
               <a:rPr lang="en-US" smtClean="0"/>
-              <a:t>6/10/19</a:t>
+              <a:t>6/11/19</a:t>
             </a:fld>
             <a:endParaRPr lang="en-US"/>
           </a:p>
@@ -1764,7 +1764,7 @@
           <a:p>
             <a:fld id="{DE360518-F3EA-4C30-8886-B3FF6145F6F2}" type="datetimeFigureOut">
               <a:rPr lang="en-US" smtClean="0"/>
-              <a:t>6/10/19</a:t>
+              <a:t>6/11/19</a:t>
             </a:fld>
             <a:endParaRPr lang="en-US"/>
           </a:p>
@@ -2188,7 +2188,7 @@
           <a:p>
             <a:fld id="{DE360518-F3EA-4C30-8886-B3FF6145F6F2}" type="datetimeFigureOut">
               <a:rPr lang="en-US" smtClean="0"/>
-              <a:t>6/10/19</a:t>
+              <a:t>6/11/19</a:t>
             </a:fld>
             <a:endParaRPr lang="en-US"/>
           </a:p>
@@ -2305,7 +2305,7 @@
           <a:p>
             <a:fld id="{DE360518-F3EA-4C30-8886-B3FF6145F6F2}" type="datetimeFigureOut">
               <a:rPr lang="en-US" smtClean="0"/>
-              <a:t>6/10/19</a:t>
+              <a:t>6/11/19</a:t>
             </a:fld>
             <a:endParaRPr lang="en-US"/>
           </a:p>
@@ -2400,7 +2400,7 @@
           <a:p>
             <a:fld id="{DE360518-F3EA-4C30-8886-B3FF6145F6F2}" type="datetimeFigureOut">
               <a:rPr lang="en-US" smtClean="0"/>
-              <a:t>6/10/19</a:t>
+              <a:t>6/11/19</a:t>
             </a:fld>
             <a:endParaRPr lang="en-US"/>
           </a:p>
@@ -2675,7 +2675,7 @@
           <a:p>
             <a:fld id="{DE360518-F3EA-4C30-8886-B3FF6145F6F2}" type="datetimeFigureOut">
               <a:rPr lang="en-US" smtClean="0"/>
-              <a:t>6/10/19</a:t>
+              <a:t>6/11/19</a:t>
             </a:fld>
             <a:endParaRPr lang="en-US"/>
           </a:p>
@@ -2927,7 +2927,7 @@
           <a:p>
             <a:fld id="{DE360518-F3EA-4C30-8886-B3FF6145F6F2}" type="datetimeFigureOut">
               <a:rPr lang="en-US" smtClean="0"/>
-              <a:t>6/10/19</a:t>
+              <a:t>6/11/19</a:t>
             </a:fld>
             <a:endParaRPr lang="en-US"/>
           </a:p>
@@ -3138,7 +3138,7 @@
           <a:p>
             <a:fld id="{DE360518-F3EA-4C30-8886-B3FF6145F6F2}" type="datetimeFigureOut">
               <a:rPr lang="en-US" smtClean="0"/>
-              <a:t>6/10/19</a:t>
+              <a:t>6/11/19</a:t>
             </a:fld>
             <a:endParaRPr lang="en-US"/>
           </a:p>
@@ -4029,31 +4029,7 @@
                 </a:solidFill>
                 <a:latin typeface="Calibri" panose="020F0502020204030204" pitchFamily="34" charset="0"/>
               </a:rPr>
-              <a:t>), and K</a:t>
-            </a:r>
-            <a:r>
-              <a:rPr lang="en-US" altLang="en-US" sz="6000" dirty="0" smtClean="0">
-                <a:solidFill>
-                  <a:schemeClr val="tx1">
-                    <a:lumMod val="75000"/>
-                    <a:lumOff val="25000"/>
-                  </a:schemeClr>
-                </a:solidFill>
-                <a:latin typeface="Calibri" panose="020F0502020204030204" pitchFamily="34" charset="0"/>
-              </a:rPr>
-              <a:t>. Grace </a:t>
-            </a:r>
-            <a:r>
-              <a:rPr lang="en-US" altLang="en-US" sz="6000" dirty="0" smtClean="0">
-                <a:solidFill>
-                  <a:schemeClr val="tx1">
-                    <a:lumMod val="75000"/>
-                    <a:lumOff val="25000"/>
-                  </a:schemeClr>
-                </a:solidFill>
-                <a:latin typeface="Calibri" panose="020F0502020204030204" pitchFamily="34" charset="0"/>
-              </a:rPr>
-              <a:t>Johnson</a:t>
+              <a:t>), and K. Grace Johnson</a:t>
             </a:r>
             <a:r>
               <a:rPr lang="en-US" altLang="en-US" sz="6000" baseline="30000" dirty="0" smtClean="0">
@@ -4337,58 +4313,6 @@
       </p:sp>
       <p:sp>
         <p:nvSpPr>
-          <p:cNvPr id="2" name="Rectangle 1">
-            <a:extLst>
-              <a:ext uri="{FF2B5EF4-FFF2-40B4-BE49-F238E27FC236}">
-                <a16:creationId xmlns="" xmlns:a16="http://schemas.microsoft.com/office/drawing/2014/main" id="{293EB99A-E364-6547-8517-04C5230A7CAD}"/>
-              </a:ext>
-            </a:extLst>
-          </p:cNvPr>
-          <p:cNvSpPr/>
-          <p:nvPr/>
-        </p:nvSpPr>
-        <p:spPr>
-          <a:xfrm>
-            <a:off x="27264067" y="25792579"/>
-            <a:ext cx="596532" cy="685638"/>
-          </a:xfrm>
-          <a:prstGeom prst="rect">
-            <a:avLst/>
-          </a:prstGeom>
-          <a:solidFill>
-            <a:schemeClr val="bg1"/>
-          </a:solidFill>
-          <a:ln>
-            <a:noFill/>
-          </a:ln>
-        </p:spPr>
-        <p:style>
-          <a:lnRef idx="2">
-            <a:schemeClr val="accent1">
-              <a:shade val="50000"/>
-            </a:schemeClr>
-          </a:lnRef>
-          <a:fillRef idx="1">
-            <a:schemeClr val="accent1"/>
-          </a:fillRef>
-          <a:effectRef idx="0">
-            <a:schemeClr val="accent1"/>
-          </a:effectRef>
-          <a:fontRef idx="minor">
-            <a:schemeClr val="lt1"/>
-          </a:fontRef>
-        </p:style>
-        <p:txBody>
-          <a:bodyPr rtlCol="0" anchor="ctr"/>
-          <a:lstStyle/>
-          <a:p>
-            <a:pPr algn="ctr"/>
-            <a:endParaRPr lang="en-US"/>
-          </a:p>
-        </p:txBody>
-      </p:sp>
-      <p:sp>
-        <p:nvSpPr>
           <p:cNvPr id="30" name="Rectangle: Rounded Corners 110"/>
           <p:cNvSpPr/>
           <p:nvPr/>
@@ -5014,42 +4938,8 @@
               </a:rPr>
               <a:t>Softmax</a:t>
             </a:r>
-            <a:endParaRPr lang="en-US" sz="4800" b="1" dirty="0">
-              <a:solidFill>
-                <a:schemeClr val="tx1">
-                  <a:lumMod val="75000"/>
-                  <a:lumOff val="25000"/>
-                </a:schemeClr>
-              </a:solidFill>
-              <a:latin typeface="Calibri" panose="020F0502020204030204" pitchFamily="34" charset="0"/>
-            </a:endParaRPr>
-          </a:p>
-        </p:txBody>
-      </p:sp>
-      <p:sp>
-        <p:nvSpPr>
-          <p:cNvPr id="46" name="TextBox 45"/>
-          <p:cNvSpPr txBox="1"/>
-          <p:nvPr/>
-        </p:nvSpPr>
-        <p:spPr>
-          <a:xfrm>
-            <a:off x="12666725" y="24618904"/>
-            <a:ext cx="7903053" cy="2123658"/>
-          </a:xfrm>
-          <a:prstGeom prst="rect">
-            <a:avLst/>
-          </a:prstGeom>
-          <a:noFill/>
-        </p:spPr>
-        <p:txBody>
-          <a:bodyPr wrap="square" rtlCol="0">
-            <a:spAutoFit/>
-          </a:bodyPr>
-          <a:lstStyle/>
-          <a:p>
-            <a:r>
-              <a:rPr lang="en-US" sz="3200" dirty="0" smtClean="0">
+            <a:r>
+              <a:rPr lang="en-US" sz="4800" b="1" dirty="0" smtClean="0">
                 <a:solidFill>
                   <a:schemeClr val="tx1">
                     <a:lumMod val="75000"/>
@@ -5058,70 +4948,9 @@
                 </a:solidFill>
                 <a:latin typeface="Calibri" panose="020F0502020204030204" pitchFamily="34" charset="0"/>
               </a:rPr>
-              <a:t>Describe survey, table comparing three models with control</a:t>
-            </a:r>
-          </a:p>
-          <a:p>
-            <a:endParaRPr lang="en-US" sz="3200" dirty="0">
-              <a:solidFill>
-                <a:schemeClr val="tx1">
-                  <a:lumMod val="75000"/>
-                  <a:lumOff val="25000"/>
-                </a:schemeClr>
-              </a:solidFill>
-              <a:latin typeface="Calibri" panose="020F0502020204030204" pitchFamily="34" charset="0"/>
-            </a:endParaRPr>
-          </a:p>
-          <a:p>
-            <a:r>
-              <a:rPr lang="en-US" sz="3200" dirty="0" smtClean="0">
-                <a:solidFill>
-                  <a:schemeClr val="tx1">
-                    <a:lumMod val="75000"/>
-                    <a:lumOff val="25000"/>
-                  </a:schemeClr>
-                </a:solidFill>
-                <a:latin typeface="Calibri" panose="020F0502020204030204" pitchFamily="34" charset="0"/>
-              </a:rPr>
-              <a:t>Plot of </a:t>
-            </a:r>
-            <a:r>
-              <a:rPr lang="en-US" sz="3200" dirty="0" err="1" smtClean="0">
-                <a:solidFill>
-                  <a:schemeClr val="tx1">
-                    <a:lumMod val="75000"/>
-                    <a:lumOff val="25000"/>
-                  </a:schemeClr>
-                </a:solidFill>
-                <a:latin typeface="Calibri" panose="020F0502020204030204" pitchFamily="34" charset="0"/>
-              </a:rPr>
-              <a:t>clementi</a:t>
-            </a:r>
-            <a:r>
-              <a:rPr lang="en-US" sz="3200" dirty="0" smtClean="0">
-                <a:solidFill>
-                  <a:schemeClr val="tx1">
-                    <a:lumMod val="75000"/>
-                    <a:lumOff val="25000"/>
-                  </a:schemeClr>
-                </a:solidFill>
-                <a:latin typeface="Calibri" panose="020F0502020204030204" pitchFamily="34" charset="0"/>
-              </a:rPr>
-              <a:t> LSTM and corresponding </a:t>
-            </a:r>
-            <a:r>
-              <a:rPr lang="en-US" sz="3200" dirty="0" err="1" smtClean="0">
-                <a:solidFill>
-                  <a:schemeClr val="tx1">
-                    <a:lumMod val="75000"/>
-                    <a:lumOff val="25000"/>
-                  </a:schemeClr>
-                </a:solidFill>
-                <a:latin typeface="Calibri" panose="020F0502020204030204" pitchFamily="34" charset="0"/>
-              </a:rPr>
-              <a:t>traj</a:t>
-            </a:r>
-            <a:endParaRPr lang="en-US" sz="3600" dirty="0">
+              <a:t> regression</a:t>
+            </a:r>
+            <a:endParaRPr lang="en-US" sz="4800" b="1" dirty="0">
               <a:solidFill>
                 <a:schemeClr val="tx1">
                   <a:lumMod val="75000"/>
@@ -5458,6 +5287,619 @@
           </a:p>
         </p:txBody>
       </p:sp>
+      <p:graphicFrame>
+        <p:nvGraphicFramePr>
+          <p:cNvPr id="5" name="Table 4"/>
+          <p:cNvGraphicFramePr>
+            <a:graphicFrameLocks noGrp="1"/>
+          </p:cNvGraphicFramePr>
+          <p:nvPr>
+            <p:extLst>
+              <p:ext uri="{D42A27DB-BD31-4B8C-83A1-F6EECF244321}">
+                <p14:modId xmlns:p14="http://schemas.microsoft.com/office/powerpoint/2010/main" val="1541075546"/>
+              </p:ext>
+            </p:extLst>
+          </p:nvPr>
+        </p:nvGraphicFramePr>
+        <p:xfrm>
+          <a:off x="12559003" y="23455560"/>
+          <a:ext cx="7343939" cy="4579677"/>
+        </p:xfrm>
+        <a:graphic>
+          <a:graphicData uri="http://schemas.openxmlformats.org/drawingml/2006/table">
+            <a:tbl>
+              <a:tblPr firstRow="1" bandRow="1">
+                <a:tableStyleId>{2D5ABB26-0587-4C30-8999-92F81FD0307C}</a:tableStyleId>
+              </a:tblPr>
+              <a:tblGrid>
+                <a:gridCol w="4357905"/>
+                <a:gridCol w="2986034"/>
+              </a:tblGrid>
+              <a:tr h="508853">
+                <a:tc>
+                  <a:txBody>
+                    <a:bodyPr/>
+                    <a:lstStyle/>
+                    <a:p>
+                      <a:endParaRPr lang="en-US" sz="2600" dirty="0"/>
+                    </a:p>
+                  </a:txBody>
+                  <a:tcPr>
+                    <a:lnB w="12700" cap="flat" cmpd="sng" algn="ctr">
+                      <a:solidFill>
+                        <a:schemeClr val="tx1"/>
+                      </a:solidFill>
+                      <a:prstDash val="solid"/>
+                      <a:round/>
+                      <a:headEnd type="none" w="med" len="med"/>
+                      <a:tailEnd type="none" w="med" len="med"/>
+                    </a:lnB>
+                  </a:tcPr>
+                </a:tc>
+                <a:tc>
+                  <a:txBody>
+                    <a:bodyPr/>
+                    <a:lstStyle/>
+                    <a:p>
+                      <a:pPr algn="ctr"/>
+                      <a:r>
+                        <a:rPr lang="en-US" sz="2600" dirty="0" smtClean="0"/>
+                        <a:t>% answered human</a:t>
+                      </a:r>
+                      <a:endParaRPr lang="en-US" sz="2600" dirty="0"/>
+                    </a:p>
+                  </a:txBody>
+                  <a:tcPr>
+                    <a:lnB w="12700" cap="flat" cmpd="sng" algn="ctr">
+                      <a:solidFill>
+                        <a:schemeClr val="tx1"/>
+                      </a:solidFill>
+                      <a:prstDash val="solid"/>
+                      <a:round/>
+                      <a:headEnd type="none" w="med" len="med"/>
+                      <a:tailEnd type="none" w="med" len="med"/>
+                    </a:lnB>
+                  </a:tcPr>
+                </a:tc>
+              </a:tr>
+              <a:tr h="508853">
+                <a:tc>
+                  <a:txBody>
+                    <a:bodyPr/>
+                    <a:lstStyle/>
+                    <a:p>
+                      <a:r>
+                        <a:rPr lang="en-US" sz="2600" dirty="0" smtClean="0"/>
+                        <a:t>Generated</a:t>
+                      </a:r>
+                      <a:endParaRPr lang="en-US" sz="2600" dirty="0"/>
+                    </a:p>
+                  </a:txBody>
+                  <a:tcPr>
+                    <a:lnT w="12700" cap="flat" cmpd="sng" algn="ctr">
+                      <a:solidFill>
+                        <a:schemeClr val="tx1"/>
+                      </a:solidFill>
+                      <a:prstDash val="solid"/>
+                      <a:round/>
+                      <a:headEnd type="none" w="med" len="med"/>
+                      <a:tailEnd type="none" w="med" len="med"/>
+                    </a:lnT>
+                    <a:lnB w="12700" cap="flat" cmpd="sng" algn="ctr">
+                      <a:solidFill>
+                        <a:schemeClr val="tx1"/>
+                      </a:solidFill>
+                      <a:prstDash val="solid"/>
+                      <a:round/>
+                      <a:headEnd type="none" w="med" len="med"/>
+                      <a:tailEnd type="none" w="med" len="med"/>
+                    </a:lnB>
+                    <a:solidFill>
+                      <a:schemeClr val="bg1">
+                        <a:lumMod val="95000"/>
+                      </a:schemeClr>
+                    </a:solidFill>
+                  </a:tcPr>
+                </a:tc>
+                <a:tc>
+                  <a:txBody>
+                    <a:bodyPr/>
+                    <a:lstStyle/>
+                    <a:p>
+                      <a:pPr algn="ctr"/>
+                      <a:endParaRPr lang="en-US" sz="2600" dirty="0"/>
+                    </a:p>
+                  </a:txBody>
+                  <a:tcPr>
+                    <a:lnT w="12700" cap="flat" cmpd="sng" algn="ctr">
+                      <a:solidFill>
+                        <a:schemeClr val="tx1"/>
+                      </a:solidFill>
+                      <a:prstDash val="solid"/>
+                      <a:round/>
+                      <a:headEnd type="none" w="med" len="med"/>
+                      <a:tailEnd type="none" w="med" len="med"/>
+                    </a:lnT>
+                    <a:lnB w="12700" cap="flat" cmpd="sng" algn="ctr">
+                      <a:solidFill>
+                        <a:schemeClr val="tx1"/>
+                      </a:solidFill>
+                      <a:prstDash val="solid"/>
+                      <a:round/>
+                      <a:headEnd type="none" w="med" len="med"/>
+                      <a:tailEnd type="none" w="med" len="med"/>
+                    </a:lnB>
+                    <a:solidFill>
+                      <a:schemeClr val="bg1">
+                        <a:lumMod val="95000"/>
+                      </a:schemeClr>
+                    </a:solidFill>
+                  </a:tcPr>
+                </a:tc>
+              </a:tr>
+              <a:tr h="508853">
+                <a:tc>
+                  <a:txBody>
+                    <a:bodyPr/>
+                    <a:lstStyle/>
+                    <a:p>
+                      <a:pPr algn="l"/>
+                      <a:r>
+                        <a:rPr lang="en-US" sz="2600" dirty="0" smtClean="0"/>
+                        <a:t>      LSTM full</a:t>
+                      </a:r>
+                      <a:endParaRPr lang="en-US" sz="2600" dirty="0"/>
+                    </a:p>
+                  </a:txBody>
+                  <a:tcPr>
+                    <a:lnT w="12700" cap="flat" cmpd="sng" algn="ctr">
+                      <a:solidFill>
+                        <a:schemeClr val="tx1"/>
+                      </a:solidFill>
+                      <a:prstDash val="solid"/>
+                      <a:round/>
+                      <a:headEnd type="none" w="med" len="med"/>
+                      <a:tailEnd type="none" w="med" len="med"/>
+                    </a:lnT>
+                  </a:tcPr>
+                </a:tc>
+                <a:tc>
+                  <a:txBody>
+                    <a:bodyPr/>
+                    <a:lstStyle/>
+                    <a:p>
+                      <a:pPr algn="ctr"/>
+                      <a:r>
+                        <a:rPr lang="en-US" sz="2600" dirty="0" smtClean="0"/>
+                        <a:t>32%</a:t>
+                      </a:r>
+                      <a:endParaRPr lang="en-US" sz="2600" dirty="0"/>
+                    </a:p>
+                  </a:txBody>
+                  <a:tcPr>
+                    <a:lnT w="12700" cap="flat" cmpd="sng" algn="ctr">
+                      <a:solidFill>
+                        <a:schemeClr val="tx1"/>
+                      </a:solidFill>
+                      <a:prstDash val="solid"/>
+                      <a:round/>
+                      <a:headEnd type="none" w="med" len="med"/>
+                      <a:tailEnd type="none" w="med" len="med"/>
+                    </a:lnT>
+                  </a:tcPr>
+                </a:tc>
+              </a:tr>
+              <a:tr h="508853">
+                <a:tc>
+                  <a:txBody>
+                    <a:bodyPr/>
+                    <a:lstStyle/>
+                    <a:p>
+                      <a:pPr algn="l"/>
+                      <a:r>
+                        <a:rPr lang="en-US" sz="2600" dirty="0" smtClean="0"/>
+                        <a:t>      LSTM</a:t>
+                      </a:r>
+                      <a:r>
+                        <a:rPr lang="en-US" sz="2600" baseline="0" dirty="0" smtClean="0"/>
+                        <a:t> subset</a:t>
+                      </a:r>
+                      <a:endParaRPr lang="en-US" sz="2600" dirty="0"/>
+                    </a:p>
+                  </a:txBody>
+                  <a:tcPr>
+                    <a:lnB w="12700" cap="flat" cmpd="sng" algn="ctr">
+                      <a:solidFill>
+                        <a:schemeClr val="tx1"/>
+                      </a:solidFill>
+                      <a:prstDash val="solid"/>
+                      <a:round/>
+                      <a:headEnd type="none" w="med" len="med"/>
+                      <a:tailEnd type="none" w="med" len="med"/>
+                    </a:lnB>
+                  </a:tcPr>
+                </a:tc>
+                <a:tc>
+                  <a:txBody>
+                    <a:bodyPr/>
+                    <a:lstStyle/>
+                    <a:p>
+                      <a:pPr algn="ctr"/>
+                      <a:r>
+                        <a:rPr lang="en-US" sz="2600" dirty="0" smtClean="0"/>
+                        <a:t>61%</a:t>
+                      </a:r>
+                      <a:endParaRPr lang="en-US" sz="2600" dirty="0"/>
+                    </a:p>
+                  </a:txBody>
+                  <a:tcPr>
+                    <a:lnB w="12700" cap="flat" cmpd="sng" algn="ctr">
+                      <a:solidFill>
+                        <a:schemeClr val="tx1"/>
+                      </a:solidFill>
+                      <a:prstDash val="solid"/>
+                      <a:round/>
+                      <a:headEnd type="none" w="med" len="med"/>
+                      <a:tailEnd type="none" w="med" len="med"/>
+                    </a:lnB>
+                  </a:tcPr>
+                </a:tc>
+              </a:tr>
+              <a:tr h="508853">
+                <a:tc>
+                  <a:txBody>
+                    <a:bodyPr/>
+                    <a:lstStyle/>
+                    <a:p>
+                      <a:r>
+                        <a:rPr lang="en-US" sz="2600" dirty="0" smtClean="0"/>
+                        <a:t>Generated based on trajectory</a:t>
+                      </a:r>
+                      <a:endParaRPr lang="en-US" sz="2600" dirty="0"/>
+                    </a:p>
+                  </a:txBody>
+                  <a:tcPr>
+                    <a:lnT w="12700" cap="flat" cmpd="sng" algn="ctr">
+                      <a:solidFill>
+                        <a:schemeClr val="tx1"/>
+                      </a:solidFill>
+                      <a:prstDash val="solid"/>
+                      <a:round/>
+                      <a:headEnd type="none" w="med" len="med"/>
+                      <a:tailEnd type="none" w="med" len="med"/>
+                    </a:lnT>
+                    <a:lnB w="12700" cap="flat" cmpd="sng" algn="ctr">
+                      <a:solidFill>
+                        <a:schemeClr val="tx1"/>
+                      </a:solidFill>
+                      <a:prstDash val="solid"/>
+                      <a:round/>
+                      <a:headEnd type="none" w="med" len="med"/>
+                      <a:tailEnd type="none" w="med" len="med"/>
+                    </a:lnB>
+                    <a:solidFill>
+                      <a:schemeClr val="bg1">
+                        <a:lumMod val="95000"/>
+                      </a:schemeClr>
+                    </a:solidFill>
+                  </a:tcPr>
+                </a:tc>
+                <a:tc>
+                  <a:txBody>
+                    <a:bodyPr/>
+                    <a:lstStyle/>
+                    <a:p>
+                      <a:pPr algn="ctr"/>
+                      <a:endParaRPr lang="en-US" sz="2600" dirty="0"/>
+                    </a:p>
+                  </a:txBody>
+                  <a:tcPr>
+                    <a:lnT w="12700" cap="flat" cmpd="sng" algn="ctr">
+                      <a:solidFill>
+                        <a:schemeClr val="tx1"/>
+                      </a:solidFill>
+                      <a:prstDash val="solid"/>
+                      <a:round/>
+                      <a:headEnd type="none" w="med" len="med"/>
+                      <a:tailEnd type="none" w="med" len="med"/>
+                    </a:lnT>
+                    <a:lnB w="12700" cap="flat" cmpd="sng" algn="ctr">
+                      <a:solidFill>
+                        <a:schemeClr val="tx1"/>
+                      </a:solidFill>
+                      <a:prstDash val="solid"/>
+                      <a:round/>
+                      <a:headEnd type="none" w="med" len="med"/>
+                      <a:tailEnd type="none" w="med" len="med"/>
+                    </a:lnB>
+                    <a:solidFill>
+                      <a:schemeClr val="bg1">
+                        <a:lumMod val="95000"/>
+                      </a:schemeClr>
+                    </a:solidFill>
+                  </a:tcPr>
+                </a:tc>
+              </a:tr>
+              <a:tr h="508853">
+                <a:tc>
+                  <a:txBody>
+                    <a:bodyPr/>
+                    <a:lstStyle/>
+                    <a:p>
+                      <a:pPr algn="l"/>
+                      <a:r>
+                        <a:rPr lang="en-US" sz="2600" dirty="0" smtClean="0"/>
+                        <a:t>      </a:t>
+                      </a:r>
+                      <a:r>
+                        <a:rPr lang="en-US" sz="2600" dirty="0" err="1" smtClean="0"/>
+                        <a:t>softmax</a:t>
+                      </a:r>
+                      <a:r>
+                        <a:rPr lang="en-US" sz="2600" dirty="0" smtClean="0"/>
+                        <a:t> regression</a:t>
+                      </a:r>
+                      <a:endParaRPr lang="en-US" sz="2600" dirty="0"/>
+                    </a:p>
+                  </a:txBody>
+                  <a:tcPr>
+                    <a:lnT w="12700" cap="flat" cmpd="sng" algn="ctr">
+                      <a:solidFill>
+                        <a:schemeClr val="tx1"/>
+                      </a:solidFill>
+                      <a:prstDash val="solid"/>
+                      <a:round/>
+                      <a:headEnd type="none" w="med" len="med"/>
+                      <a:tailEnd type="none" w="med" len="med"/>
+                    </a:lnT>
+                  </a:tcPr>
+                </a:tc>
+                <a:tc>
+                  <a:txBody>
+                    <a:bodyPr/>
+                    <a:lstStyle/>
+                    <a:p>
+                      <a:pPr algn="ctr"/>
+                      <a:r>
+                        <a:rPr lang="en-US" sz="2600" dirty="0" smtClean="0"/>
+                        <a:t>14%</a:t>
+                      </a:r>
+                      <a:endParaRPr lang="en-US" sz="2600" dirty="0"/>
+                    </a:p>
+                  </a:txBody>
+                  <a:tcPr>
+                    <a:lnT w="12700" cap="flat" cmpd="sng" algn="ctr">
+                      <a:solidFill>
+                        <a:schemeClr val="tx1"/>
+                      </a:solidFill>
+                      <a:prstDash val="solid"/>
+                      <a:round/>
+                      <a:headEnd type="none" w="med" len="med"/>
+                      <a:tailEnd type="none" w="med" len="med"/>
+                    </a:lnT>
+                  </a:tcPr>
+                </a:tc>
+              </a:tr>
+              <a:tr h="508853">
+                <a:tc>
+                  <a:txBody>
+                    <a:bodyPr/>
+                    <a:lstStyle/>
+                    <a:p>
+                      <a:pPr algn="l"/>
+                      <a:r>
+                        <a:rPr lang="en-US" sz="2600" dirty="0" smtClean="0"/>
+                        <a:t>      GMM</a:t>
+                      </a:r>
+                      <a:endParaRPr lang="en-US" sz="2600" dirty="0"/>
+                    </a:p>
+                  </a:txBody>
+                  <a:tcPr/>
+                </a:tc>
+                <a:tc>
+                  <a:txBody>
+                    <a:bodyPr/>
+                    <a:lstStyle/>
+                    <a:p>
+                      <a:pPr algn="ctr"/>
+                      <a:r>
+                        <a:rPr lang="en-US" sz="2600" dirty="0" smtClean="0"/>
+                        <a:t>47%</a:t>
+                      </a:r>
+                      <a:endParaRPr lang="en-US" sz="2600" dirty="0"/>
+                    </a:p>
+                  </a:txBody>
+                  <a:tcPr/>
+                </a:tc>
+              </a:tr>
+              <a:tr h="508853">
+                <a:tc>
+                  <a:txBody>
+                    <a:bodyPr/>
+                    <a:lstStyle/>
+                    <a:p>
+                      <a:pPr algn="l"/>
+                      <a:r>
+                        <a:rPr lang="en-US" sz="2600" dirty="0" smtClean="0"/>
+                        <a:t>      LSTM subset</a:t>
+                      </a:r>
+                      <a:endParaRPr lang="en-US" sz="2600" dirty="0"/>
+                    </a:p>
+                  </a:txBody>
+                  <a:tcPr>
+                    <a:lnB w="12700" cap="flat" cmpd="sng" algn="ctr">
+                      <a:solidFill>
+                        <a:schemeClr val="tx1"/>
+                      </a:solidFill>
+                      <a:prstDash val="solid"/>
+                      <a:round/>
+                      <a:headEnd type="none" w="med" len="med"/>
+                      <a:tailEnd type="none" w="med" len="med"/>
+                    </a:lnB>
+                  </a:tcPr>
+                </a:tc>
+                <a:tc>
+                  <a:txBody>
+                    <a:bodyPr/>
+                    <a:lstStyle/>
+                    <a:p>
+                      <a:pPr algn="ctr"/>
+                      <a:r>
+                        <a:rPr lang="en-US" sz="2600" dirty="0" smtClean="0"/>
+                        <a:t>40%</a:t>
+                      </a:r>
+                      <a:endParaRPr lang="en-US" sz="2600" dirty="0"/>
+                    </a:p>
+                  </a:txBody>
+                  <a:tcPr>
+                    <a:lnB w="12700" cap="flat" cmpd="sng" algn="ctr">
+                      <a:solidFill>
+                        <a:schemeClr val="tx1"/>
+                      </a:solidFill>
+                      <a:prstDash val="solid"/>
+                      <a:round/>
+                      <a:headEnd type="none" w="med" len="med"/>
+                      <a:tailEnd type="none" w="med" len="med"/>
+                    </a:lnB>
+                  </a:tcPr>
+                </a:tc>
+              </a:tr>
+              <a:tr h="508853">
+                <a:tc>
+                  <a:txBody>
+                    <a:bodyPr/>
+                    <a:lstStyle/>
+                    <a:p>
+                      <a:r>
+                        <a:rPr lang="en-US" sz="2600" dirty="0" smtClean="0"/>
+                        <a:t>Real music (control)</a:t>
+                      </a:r>
+                      <a:endParaRPr lang="en-US" sz="2600" dirty="0"/>
+                    </a:p>
+                  </a:txBody>
+                  <a:tcPr>
+                    <a:lnT w="12700" cap="flat" cmpd="sng" algn="ctr">
+                      <a:solidFill>
+                        <a:schemeClr val="tx1"/>
+                      </a:solidFill>
+                      <a:prstDash val="solid"/>
+                      <a:round/>
+                      <a:headEnd type="none" w="med" len="med"/>
+                      <a:tailEnd type="none" w="med" len="med"/>
+                    </a:lnT>
+                    <a:lnB w="12700" cap="flat" cmpd="sng" algn="ctr">
+                      <a:solidFill>
+                        <a:schemeClr val="tx1"/>
+                      </a:solidFill>
+                      <a:prstDash val="solid"/>
+                      <a:round/>
+                      <a:headEnd type="none" w="med" len="med"/>
+                      <a:tailEnd type="none" w="med" len="med"/>
+                    </a:lnB>
+                    <a:solidFill>
+                      <a:schemeClr val="bg1">
+                        <a:lumMod val="95000"/>
+                      </a:schemeClr>
+                    </a:solidFill>
+                  </a:tcPr>
+                </a:tc>
+                <a:tc>
+                  <a:txBody>
+                    <a:bodyPr/>
+                    <a:lstStyle/>
+                    <a:p>
+                      <a:pPr algn="ctr"/>
+                      <a:r>
+                        <a:rPr lang="en-US" sz="2600" dirty="0" smtClean="0"/>
+                        <a:t>57%</a:t>
+                      </a:r>
+                      <a:endParaRPr lang="en-US" sz="2600" dirty="0"/>
+                    </a:p>
+                  </a:txBody>
+                  <a:tcPr>
+                    <a:lnT w="12700" cap="flat" cmpd="sng" algn="ctr">
+                      <a:solidFill>
+                        <a:schemeClr val="tx1"/>
+                      </a:solidFill>
+                      <a:prstDash val="solid"/>
+                      <a:round/>
+                      <a:headEnd type="none" w="med" len="med"/>
+                      <a:tailEnd type="none" w="med" len="med"/>
+                    </a:lnT>
+                    <a:lnB w="12700" cap="flat" cmpd="sng" algn="ctr">
+                      <a:solidFill>
+                        <a:schemeClr val="tx1"/>
+                      </a:solidFill>
+                      <a:prstDash val="solid"/>
+                      <a:round/>
+                      <a:headEnd type="none" w="med" len="med"/>
+                      <a:tailEnd type="none" w="med" len="med"/>
+                    </a:lnB>
+                    <a:solidFill>
+                      <a:schemeClr val="bg1">
+                        <a:lumMod val="95000"/>
+                      </a:schemeClr>
+                    </a:solidFill>
+                  </a:tcPr>
+                </a:tc>
+              </a:tr>
+            </a:tbl>
+          </a:graphicData>
+        </a:graphic>
+      </p:graphicFrame>
+      <p:pic>
+        <p:nvPicPr>
+          <p:cNvPr id="7" name="Picture 6"/>
+          <p:cNvPicPr>
+            <a:picLocks noChangeAspect="1"/>
+          </p:cNvPicPr>
+          <p:nvPr/>
+        </p:nvPicPr>
+        <p:blipFill>
+          <a:blip r:embed="rId6"/>
+          <a:stretch>
+            <a:fillRect/>
+          </a:stretch>
+        </p:blipFill>
+        <p:spPr>
+          <a:xfrm>
+            <a:off x="20699475" y="24103242"/>
+            <a:ext cx="3384902" cy="3998744"/>
+          </a:xfrm>
+          <a:prstGeom prst="rect">
+            <a:avLst/>
+          </a:prstGeom>
+        </p:spPr>
+      </p:pic>
+      <p:pic>
+        <p:nvPicPr>
+          <p:cNvPr id="9" name="Picture 8"/>
+          <p:cNvPicPr>
+            <a:picLocks noChangeAspect="1"/>
+          </p:cNvPicPr>
+          <p:nvPr/>
+        </p:nvPicPr>
+        <p:blipFill rotWithShape="1">
+          <a:blip r:embed="rId7">
+            <a:extLst>
+              <a:ext uri="{28A0092B-C50C-407E-A947-70E740481C1C}">
+                <a14:useLocalDpi xmlns:a14="http://schemas.microsoft.com/office/drawing/2010/main" val="0"/>
+              </a:ext>
+            </a:extLst>
+          </a:blip>
+          <a:srcRect l="3825" t="4608" r="7471"/>
+          <a:stretch/>
+        </p:blipFill>
+        <p:spPr>
+          <a:xfrm>
+            <a:off x="24633094" y="23874245"/>
+            <a:ext cx="8111158" cy="4361325"/>
+          </a:xfrm>
+          <a:prstGeom prst="rect">
+            <a:avLst/>
+          </a:prstGeom>
+        </p:spPr>
+      </p:pic>
     </p:spTree>
     <p:extLst>
       <p:ext uri="{BB962C8B-B14F-4D97-AF65-F5344CB8AC3E}">

--- a/CS229_poster.pptx
+++ b/CS229_poster.pptx
@@ -3521,8 +3521,8 @@
         </p:nvSpPr>
         <p:spPr>
           <a:xfrm>
-            <a:off x="12039600" y="5833056"/>
-            <a:ext cx="21407387" cy="1139505"/>
+            <a:off x="10858266" y="4924482"/>
+            <a:ext cx="23097269" cy="1173487"/>
           </a:xfrm>
           <a:prstGeom prst="roundRect">
             <a:avLst>
@@ -3571,8 +3571,8 @@
         </p:nvSpPr>
         <p:spPr>
           <a:xfrm>
-            <a:off x="12039600" y="5823852"/>
-            <a:ext cx="21407387" cy="23055948"/>
+            <a:off x="10915125" y="4854303"/>
+            <a:ext cx="23040410" cy="24025497"/>
           </a:xfrm>
           <a:prstGeom prst="roundRect">
             <a:avLst>
@@ -3627,7 +3627,7 @@
         </p:nvSpPr>
         <p:spPr bwMode="auto">
           <a:xfrm>
-            <a:off x="1338549" y="1047489"/>
+            <a:off x="993912" y="732691"/>
             <a:ext cx="38066950" cy="1569660"/>
           </a:xfrm>
           <a:prstGeom prst="rect">
@@ -3798,7 +3798,7 @@
         </p:nvGrpSpPr>
         <p:grpSpPr>
           <a:xfrm>
-            <a:off x="0" y="5171917"/>
+            <a:off x="0" y="4430098"/>
             <a:ext cx="43891200" cy="138651"/>
             <a:chOff x="6960" y="19366947"/>
             <a:chExt cx="19912196" cy="82296"/>
@@ -3910,7 +3910,7 @@
         </p:nvSpPr>
         <p:spPr>
           <a:xfrm>
-            <a:off x="2780200" y="2759560"/>
+            <a:off x="2826079" y="2368076"/>
             <a:ext cx="32394826" cy="1785104"/>
           </a:xfrm>
           <a:prstGeom prst="rect">
@@ -4017,7 +4017,7 @@
                 </a:solidFill>
                 <a:latin typeface="Calibri" panose="020F0502020204030204" pitchFamily="34" charset="0"/>
               </a:rPr>
-              <a:t>sholm</a:t>
+              <a:t>sorenh</a:t>
             </a:r>
             <a:r>
               <a:rPr lang="en-US" altLang="en-US" sz="6000" dirty="0" smtClean="0">
@@ -4198,7 +4198,7 @@
         </p:blipFill>
         <p:spPr>
           <a:xfrm>
-            <a:off x="39417691" y="973416"/>
+            <a:off x="39060862" y="816454"/>
             <a:ext cx="2972671" cy="2971793"/>
           </a:xfrm>
           <a:prstGeom prst="rect">
@@ -4214,8 +4214,8 @@
         </p:nvSpPr>
         <p:spPr>
           <a:xfrm>
-            <a:off x="364505" y="5810375"/>
-            <a:ext cx="11257030" cy="10032972"/>
+            <a:off x="364505" y="4804562"/>
+            <a:ext cx="10167068" cy="11206074"/>
           </a:xfrm>
           <a:prstGeom prst="roundRect">
             <a:avLst>
@@ -4272,7 +4272,7 @@
         </p:nvSpPr>
         <p:spPr>
           <a:xfrm>
-            <a:off x="1905000" y="5974543"/>
+            <a:off x="1427758" y="4992871"/>
             <a:ext cx="7903053" cy="856532"/>
           </a:xfrm>
           <a:prstGeom prst="rect">
@@ -4313,27 +4313,74 @@
       </p:sp>
       <p:sp>
         <p:nvSpPr>
-          <p:cNvPr id="30" name="Rectangle: Rounded Corners 110"/>
+          <p:cNvPr id="31" name="TextBox 30"/>
+          <p:cNvSpPr txBox="1"/>
+          <p:nvPr/>
+        </p:nvSpPr>
+        <p:spPr>
+          <a:xfrm>
+            <a:off x="35031436" y="22607283"/>
+            <a:ext cx="7903053" cy="856532"/>
+          </a:xfrm>
+          <a:prstGeom prst="rect">
+            <a:avLst/>
+          </a:prstGeom>
+          <a:noFill/>
+        </p:spPr>
+        <p:txBody>
+          <a:bodyPr wrap="square" rtlCol="0">
+            <a:spAutoFit/>
+          </a:bodyPr>
+          <a:lstStyle/>
+          <a:p>
+            <a:pPr algn="ctr"/>
+            <a:r>
+              <a:rPr lang="en-US" sz="4800" b="1" dirty="0" smtClean="0">
+                <a:solidFill>
+                  <a:schemeClr val="tx1">
+                    <a:lumMod val="75000"/>
+                    <a:lumOff val="25000"/>
+                  </a:schemeClr>
+                </a:solidFill>
+                <a:latin typeface="Calibri" panose="020F0502020204030204" pitchFamily="34" charset="0"/>
+              </a:rPr>
+              <a:t>References</a:t>
+            </a:r>
+            <a:endParaRPr lang="en-US" sz="4800" b="1" dirty="0">
+              <a:solidFill>
+                <a:schemeClr val="tx1">
+                  <a:lumMod val="75000"/>
+                  <a:lumOff val="25000"/>
+                </a:schemeClr>
+              </a:solidFill>
+              <a:latin typeface="Calibri" panose="020F0502020204030204" pitchFamily="34" charset="0"/>
+            </a:endParaRPr>
+          </a:p>
+        </p:txBody>
+      </p:sp>
+      <p:sp>
+        <p:nvSpPr>
+          <p:cNvPr id="32" name="Rectangle: Rounded Corners 143"/>
           <p:cNvSpPr/>
           <p:nvPr/>
         </p:nvSpPr>
         <p:spPr>
           <a:xfrm>
-            <a:off x="34163647" y="20421600"/>
-            <a:ext cx="9077985" cy="8394610"/>
+            <a:off x="507613" y="16335623"/>
+            <a:ext cx="9934677" cy="12415372"/>
           </a:xfrm>
           <a:prstGeom prst="roundRect">
             <a:avLst>
-              <a:gd name="adj" fmla="val 7193"/>
+              <a:gd name="adj" fmla="val 4773"/>
             </a:avLst>
           </a:prstGeom>
-          <a:solidFill>
-            <a:schemeClr val="bg1">
-              <a:lumMod val="95000"/>
-            </a:schemeClr>
-          </a:solidFill>
-          <a:ln>
-            <a:noFill/>
+          <a:noFill/>
+          <a:ln w="127000">
+            <a:solidFill>
+              <a:schemeClr val="bg1">
+                <a:lumMod val="95000"/>
+              </a:schemeClr>
+            </a:solidFill>
           </a:ln>
         </p:spPr>
         <p:style>
@@ -4361,23 +4408,19 @@
                 <a:spcPct val="150000"/>
               </a:lnSpc>
             </a:pPr>
-            <a:endParaRPr lang="en-US" sz="3000" dirty="0" smtClean="0">
-              <a:solidFill>
-                <a:schemeClr val="tx1"/>
-              </a:solidFill>
-            </a:endParaRPr>
-          </a:p>
-        </p:txBody>
-      </p:sp>
-      <p:sp>
-        <p:nvSpPr>
-          <p:cNvPr id="31" name="TextBox 30"/>
+            <a:endParaRPr lang="en-US" sz="8800" dirty="0"/>
+          </a:p>
+        </p:txBody>
+      </p:sp>
+      <p:sp>
+        <p:nvSpPr>
+          <p:cNvPr id="33" name="TextBox 32"/>
           <p:cNvSpPr txBox="1"/>
           <p:nvPr/>
         </p:nvSpPr>
         <p:spPr>
           <a:xfrm>
-            <a:off x="34725506" y="20421600"/>
+            <a:off x="1426687" y="16866848"/>
             <a:ext cx="7903053" cy="856532"/>
           </a:xfrm>
           <a:prstGeom prst="rect">
@@ -4393,7 +4436,7 @@
           <a:p>
             <a:pPr algn="ctr"/>
             <a:r>
-              <a:rPr lang="en-US" sz="4800" b="1" dirty="0" smtClean="0">
+              <a:rPr lang="en-US" sz="4800" b="1" smtClean="0">
                 <a:solidFill>
                   <a:schemeClr val="tx1">
                     <a:lumMod val="75000"/>
@@ -4402,7 +4445,7 @@
                 </a:solidFill>
                 <a:latin typeface="Calibri" panose="020F0502020204030204" pitchFamily="34" charset="0"/>
               </a:rPr>
-              <a:t>References</a:t>
+              <a:t>Datasets</a:t>
             </a:r>
             <a:endParaRPr lang="en-US" sz="4800" b="1" dirty="0">
               <a:solidFill>
@@ -4418,21 +4461,25 @@
       </p:sp>
       <p:sp>
         <p:nvSpPr>
-          <p:cNvPr id="32" name="Rectangle: Rounded Corners 143"/>
+          <p:cNvPr id="34" name="Rectangle: Rounded Corners 143"/>
           <p:cNvSpPr/>
           <p:nvPr/>
         </p:nvSpPr>
         <p:spPr>
           <a:xfrm>
-            <a:off x="401081" y="16230600"/>
-            <a:ext cx="11220454" cy="12119959"/>
+            <a:off x="34427722" y="4854303"/>
+            <a:ext cx="8933828" cy="17171577"/>
           </a:xfrm>
           <a:prstGeom prst="roundRect">
             <a:avLst>
-              <a:gd name="adj" fmla="val 4773"/>
+              <a:gd name="adj" fmla="val 5850"/>
             </a:avLst>
           </a:prstGeom>
-          <a:noFill/>
+          <a:solidFill>
+            <a:schemeClr val="bg1">
+              <a:lumMod val="95000"/>
+            </a:schemeClr>
+          </a:solidFill>
           <a:ln w="127000">
             <a:solidFill>
               <a:schemeClr val="bg1">
@@ -4472,14 +4519,14 @@
       </p:sp>
       <p:sp>
         <p:nvSpPr>
-          <p:cNvPr id="33" name="TextBox 32"/>
+          <p:cNvPr id="35" name="TextBox 34"/>
           <p:cNvSpPr txBox="1"/>
           <p:nvPr/>
         </p:nvSpPr>
         <p:spPr>
           <a:xfrm>
-            <a:off x="1905000" y="16507322"/>
-            <a:ext cx="7903053" cy="856532"/>
+            <a:off x="34427723" y="4924482"/>
+            <a:ext cx="8906696" cy="856532"/>
           </a:xfrm>
           <a:prstGeom prst="rect">
             <a:avLst/>
@@ -4494,7 +4541,7 @@
           <a:p>
             <a:pPr algn="ctr"/>
             <a:r>
-              <a:rPr lang="en-US" sz="4800" b="1" smtClean="0">
+              <a:rPr lang="en-US" sz="4800" b="1" dirty="0" smtClean="0">
                 <a:solidFill>
                   <a:schemeClr val="tx1">
                     <a:lumMod val="75000"/>
@@ -4503,7 +4550,7 @@
                 </a:solidFill>
                 <a:latin typeface="Calibri" panose="020F0502020204030204" pitchFamily="34" charset="0"/>
               </a:rPr>
-              <a:t>Datasets</a:t>
+              <a:t>Discussion</a:t>
             </a:r>
             <a:endParaRPr lang="en-US" sz="4800" b="1" dirty="0">
               <a:solidFill>
@@ -4519,27 +4566,161 @@
       </p:sp>
       <p:sp>
         <p:nvSpPr>
-          <p:cNvPr id="34" name="Rectangle: Rounded Corners 143"/>
+          <p:cNvPr id="36" name="TextBox 35"/>
+          <p:cNvSpPr txBox="1"/>
+          <p:nvPr/>
+        </p:nvSpPr>
+        <p:spPr>
+          <a:xfrm>
+            <a:off x="18814577" y="4956344"/>
+            <a:ext cx="8161572" cy="856532"/>
+          </a:xfrm>
+          <a:prstGeom prst="rect">
+            <a:avLst/>
+          </a:prstGeom>
+          <a:noFill/>
+        </p:spPr>
+        <p:txBody>
+          <a:bodyPr wrap="square" rtlCol="0">
+            <a:spAutoFit/>
+          </a:bodyPr>
+          <a:lstStyle/>
+          <a:p>
+            <a:pPr algn="ctr"/>
+            <a:r>
+              <a:rPr lang="en-US" sz="4800" b="1" dirty="0" smtClean="0">
+                <a:solidFill>
+                  <a:schemeClr val="tx1">
+                    <a:lumMod val="75000"/>
+                    <a:lumOff val="25000"/>
+                  </a:schemeClr>
+                </a:solidFill>
+                <a:latin typeface="Calibri" panose="020F0502020204030204" pitchFamily="34" charset="0"/>
+              </a:rPr>
+              <a:t>Models</a:t>
+            </a:r>
+            <a:endParaRPr lang="en-US" sz="4800" b="1" dirty="0">
+              <a:solidFill>
+                <a:schemeClr val="tx1">
+                  <a:lumMod val="75000"/>
+                  <a:lumOff val="25000"/>
+                </a:schemeClr>
+              </a:solidFill>
+              <a:latin typeface="Calibri" panose="020F0502020204030204" pitchFamily="34" charset="0"/>
+            </a:endParaRPr>
+          </a:p>
+        </p:txBody>
+      </p:sp>
+      <p:sp>
+        <p:nvSpPr>
+          <p:cNvPr id="37" name="TextBox 36"/>
+          <p:cNvSpPr txBox="1"/>
+          <p:nvPr/>
+        </p:nvSpPr>
+        <p:spPr>
+          <a:xfrm>
+            <a:off x="34990909" y="15479090"/>
+            <a:ext cx="7903053" cy="856532"/>
+          </a:xfrm>
+          <a:prstGeom prst="rect">
+            <a:avLst/>
+          </a:prstGeom>
+          <a:noFill/>
+        </p:spPr>
+        <p:txBody>
+          <a:bodyPr wrap="square" rtlCol="0">
+            <a:spAutoFit/>
+          </a:bodyPr>
+          <a:lstStyle/>
+          <a:p>
+            <a:pPr algn="ctr"/>
+            <a:r>
+              <a:rPr lang="en-US" sz="4800" b="1" dirty="0" smtClean="0">
+                <a:solidFill>
+                  <a:schemeClr val="tx1">
+                    <a:lumMod val="75000"/>
+                    <a:lumOff val="25000"/>
+                  </a:schemeClr>
+                </a:solidFill>
+                <a:latin typeface="Calibri" panose="020F0502020204030204" pitchFamily="34" charset="0"/>
+              </a:rPr>
+              <a:t>Future Work</a:t>
+            </a:r>
+            <a:endParaRPr lang="en-US" sz="4800" b="1" dirty="0">
+              <a:solidFill>
+                <a:schemeClr val="tx1">
+                  <a:lumMod val="75000"/>
+                  <a:lumOff val="25000"/>
+                </a:schemeClr>
+              </a:solidFill>
+              <a:latin typeface="Calibri" panose="020F0502020204030204" pitchFamily="34" charset="0"/>
+            </a:endParaRPr>
+          </a:p>
+        </p:txBody>
+      </p:sp>
+      <p:sp>
+        <p:nvSpPr>
+          <p:cNvPr id="40" name="TextBox 39"/>
+          <p:cNvSpPr txBox="1"/>
+          <p:nvPr/>
+        </p:nvSpPr>
+        <p:spPr>
+          <a:xfrm>
+            <a:off x="25736842" y="14039883"/>
+            <a:ext cx="5262860" cy="769441"/>
+          </a:xfrm>
+          <a:prstGeom prst="rect">
+            <a:avLst/>
+          </a:prstGeom>
+          <a:noFill/>
+        </p:spPr>
+        <p:txBody>
+          <a:bodyPr wrap="square" rtlCol="0">
+            <a:spAutoFit/>
+          </a:bodyPr>
+          <a:lstStyle/>
+          <a:p>
+            <a:r>
+              <a:rPr lang="en-US" sz="4400" b="1" i="1" dirty="0" smtClean="0">
+                <a:solidFill>
+                  <a:srgbClr val="A80C30"/>
+                </a:solidFill>
+                <a:latin typeface="Calibri" panose="020F0502020204030204" pitchFamily="34" charset="0"/>
+              </a:rPr>
+              <a:t>GMM</a:t>
+            </a:r>
+            <a:endParaRPr lang="en-US" sz="4400" b="1" i="1" dirty="0">
+              <a:solidFill>
+                <a:srgbClr val="A80C30"/>
+              </a:solidFill>
+              <a:latin typeface="Calibri" panose="020F0502020204030204" pitchFamily="34" charset="0"/>
+            </a:endParaRPr>
+          </a:p>
+        </p:txBody>
+      </p:sp>
+      <p:sp>
+        <p:nvSpPr>
+          <p:cNvPr id="41" name="Rounded Rectangle 40"/>
           <p:cNvSpPr/>
           <p:nvPr/>
         </p:nvSpPr>
         <p:spPr>
           <a:xfrm>
-            <a:off x="34001325" y="5675982"/>
-            <a:ext cx="9215923" cy="14117154"/>
+            <a:off x="10946624" y="21585708"/>
+            <a:ext cx="23008911" cy="1139505"/>
           </a:xfrm>
           <a:prstGeom prst="roundRect">
             <a:avLst>
-              <a:gd name="adj" fmla="val 5850"/>
+              <a:gd name="adj" fmla="val 6280"/>
             </a:avLst>
           </a:prstGeom>
-          <a:noFill/>
-          <a:ln w="127000">
-            <a:solidFill>
-              <a:schemeClr val="bg1">
-                <a:lumMod val="95000"/>
-              </a:schemeClr>
-            </a:solidFill>
+          <a:solidFill>
+            <a:schemeClr val="bg1">
+              <a:lumMod val="95000"/>
+            </a:schemeClr>
+          </a:solidFill>
+          <a:ln>
+            <a:noFill/>
           </a:ln>
         </p:spPr>
         <p:style>
@@ -4562,24 +4743,20 @@
           <a:bodyPr rtlCol="0" anchor="ctr"/>
           <a:lstStyle/>
           <a:p>
-            <a:pPr algn="just">
-              <a:lnSpc>
-                <a:spcPct val="150000"/>
-              </a:lnSpc>
-            </a:pPr>
-            <a:endParaRPr lang="en-US" sz="8800" dirty="0"/>
-          </a:p>
-        </p:txBody>
-      </p:sp>
-      <p:sp>
-        <p:nvSpPr>
-          <p:cNvPr id="35" name="TextBox 34"/>
+            <a:pPr algn="ctr"/>
+            <a:endParaRPr lang="en-US" dirty="0"/>
+          </a:p>
+        </p:txBody>
+      </p:sp>
+      <p:sp>
+        <p:nvSpPr>
+          <p:cNvPr id="43" name="TextBox 42"/>
           <p:cNvSpPr txBox="1"/>
           <p:nvPr/>
         </p:nvSpPr>
         <p:spPr>
           <a:xfrm>
-            <a:off x="34657759" y="5937821"/>
+            <a:off x="18514242" y="21728485"/>
             <a:ext cx="7903053" cy="856532"/>
           </a:xfrm>
           <a:prstGeom prst="rect">
@@ -4604,7 +4781,7 @@
                 </a:solidFill>
                 <a:latin typeface="Calibri" panose="020F0502020204030204" pitchFamily="34" charset="0"/>
               </a:rPr>
-              <a:t>Discussion</a:t>
+              <a:t>Results</a:t>
             </a:r>
             <a:endParaRPr lang="en-US" sz="4800" b="1" dirty="0">
               <a:solidFill>
@@ -4620,14 +4797,14 @@
       </p:sp>
       <p:sp>
         <p:nvSpPr>
-          <p:cNvPr id="36" name="TextBox 35"/>
+          <p:cNvPr id="44" name="TextBox 43"/>
           <p:cNvSpPr txBox="1"/>
           <p:nvPr/>
         </p:nvSpPr>
         <p:spPr>
           <a:xfrm>
-            <a:off x="18723409" y="5937821"/>
-            <a:ext cx="7903053" cy="856532"/>
+            <a:off x="11503566" y="12950488"/>
+            <a:ext cx="7903053" cy="769441"/>
           </a:xfrm>
           <a:prstGeom prst="rect">
             <a:avLst/>
@@ -4640,24 +4817,23 @@
           </a:bodyPr>
           <a:lstStyle/>
           <a:p>
-            <a:pPr algn="ctr"/>
-            <a:r>
-              <a:rPr lang="en-US" sz="4800" b="1" dirty="0" smtClean="0">
-                <a:solidFill>
-                  <a:schemeClr val="tx1">
-                    <a:lumMod val="75000"/>
-                    <a:lumOff val="25000"/>
+            <a:r>
+              <a:rPr lang="en-US" sz="4400" i="1" dirty="0" smtClean="0">
+                <a:solidFill>
+                  <a:schemeClr val="tx1">
+                    <a:lumMod val="85000"/>
+                    <a:lumOff val="15000"/>
                   </a:schemeClr>
                 </a:solidFill>
                 <a:latin typeface="Calibri" panose="020F0502020204030204" pitchFamily="34" charset="0"/>
               </a:rPr>
-              <a:t>Models</a:t>
-            </a:r>
-            <a:endParaRPr lang="en-US" sz="4800" b="1" dirty="0">
+              <a:t>LSTM RNN</a:t>
+            </a:r>
+            <a:endParaRPr lang="en-US" sz="4400" i="1" dirty="0">
               <a:solidFill>
                 <a:schemeClr val="tx1">
-                  <a:lumMod val="75000"/>
-                  <a:lumOff val="25000"/>
+                  <a:lumMod val="85000"/>
+                  <a:lumOff val="15000"/>
                 </a:schemeClr>
               </a:solidFill>
               <a:latin typeface="Calibri" panose="020F0502020204030204" pitchFamily="34" charset="0"/>
@@ -4667,14 +4843,14 @@
       </p:sp>
       <p:sp>
         <p:nvSpPr>
-          <p:cNvPr id="37" name="TextBox 36"/>
+          <p:cNvPr id="45" name="TextBox 44"/>
           <p:cNvSpPr txBox="1"/>
           <p:nvPr/>
         </p:nvSpPr>
         <p:spPr>
           <a:xfrm>
-            <a:off x="34639471" y="13868400"/>
-            <a:ext cx="7903053" cy="856532"/>
+            <a:off x="11573097" y="9767932"/>
+            <a:ext cx="7903053" cy="769441"/>
           </a:xfrm>
           <a:prstGeom prst="rect">
             <a:avLst/>
@@ -4687,24 +4863,23 @@
           </a:bodyPr>
           <a:lstStyle/>
           <a:p>
-            <a:pPr algn="ctr"/>
-            <a:r>
-              <a:rPr lang="en-US" sz="4800" b="1" dirty="0" smtClean="0">
-                <a:solidFill>
-                  <a:schemeClr val="tx1">
-                    <a:lumMod val="75000"/>
-                    <a:lumOff val="25000"/>
+            <a:r>
+              <a:rPr lang="en-US" sz="4400" i="1" dirty="0" smtClean="0">
+                <a:solidFill>
+                  <a:schemeClr val="tx1">
+                    <a:lumMod val="85000"/>
+                    <a:lumOff val="15000"/>
                   </a:schemeClr>
                 </a:solidFill>
                 <a:latin typeface="Calibri" panose="020F0502020204030204" pitchFamily="34" charset="0"/>
               </a:rPr>
-              <a:t>Future Work</a:t>
-            </a:r>
-            <a:endParaRPr lang="en-US" sz="4800" b="1" dirty="0">
+              <a:t>Softmax Regression</a:t>
+            </a:r>
+            <a:endParaRPr lang="en-US" sz="4400" i="1" dirty="0">
               <a:solidFill>
                 <a:schemeClr val="tx1">
-                  <a:lumMod val="75000"/>
-                  <a:lumOff val="25000"/>
+                  <a:lumMod val="85000"/>
+                  <a:lumOff val="15000"/>
                 </a:schemeClr>
               </a:solidFill>
               <a:latin typeface="Calibri" panose="020F0502020204030204" pitchFamily="34" charset="0"/>
@@ -4714,333 +4889,13 @@
       </p:sp>
       <p:sp>
         <p:nvSpPr>
-          <p:cNvPr id="40" name="TextBox 39"/>
-          <p:cNvSpPr txBox="1"/>
-          <p:nvPr/>
-        </p:nvSpPr>
-        <p:spPr>
-          <a:xfrm>
-            <a:off x="11710814" y="8463782"/>
-            <a:ext cx="7903053" cy="856532"/>
-          </a:xfrm>
-          <a:prstGeom prst="rect">
-            <a:avLst/>
-          </a:prstGeom>
-          <a:noFill/>
-        </p:spPr>
-        <p:txBody>
-          <a:bodyPr wrap="square" rtlCol="0">
-            <a:spAutoFit/>
-          </a:bodyPr>
-          <a:lstStyle/>
-          <a:p>
-            <a:pPr algn="ctr"/>
-            <a:r>
-              <a:rPr lang="en-US" sz="4800" b="1" smtClean="0">
-                <a:solidFill>
-                  <a:schemeClr val="tx1">
-                    <a:lumMod val="75000"/>
-                    <a:lumOff val="25000"/>
-                  </a:schemeClr>
-                </a:solidFill>
-                <a:latin typeface="Calibri" panose="020F0502020204030204" pitchFamily="34" charset="0"/>
-              </a:rPr>
-              <a:t>GMM</a:t>
-            </a:r>
-            <a:endParaRPr lang="en-US" sz="4800" b="1" dirty="0">
-              <a:solidFill>
-                <a:schemeClr val="tx1">
-                  <a:lumMod val="75000"/>
-                  <a:lumOff val="25000"/>
-                </a:schemeClr>
-              </a:solidFill>
-              <a:latin typeface="Calibri" panose="020F0502020204030204" pitchFamily="34" charset="0"/>
-            </a:endParaRPr>
-          </a:p>
-        </p:txBody>
-      </p:sp>
-      <p:sp>
-        <p:nvSpPr>
-          <p:cNvPr id="41" name="Rounded Rectangle 40"/>
-          <p:cNvSpPr/>
-          <p:nvPr/>
-        </p:nvSpPr>
-        <p:spPr>
-          <a:xfrm>
-            <a:off x="11971241" y="22211431"/>
-            <a:ext cx="21407387" cy="1139505"/>
-          </a:xfrm>
-          <a:prstGeom prst="roundRect">
-            <a:avLst>
-              <a:gd name="adj" fmla="val 33951"/>
-            </a:avLst>
-          </a:prstGeom>
-          <a:solidFill>
-            <a:schemeClr val="bg1">
-              <a:lumMod val="95000"/>
-            </a:schemeClr>
-          </a:solidFill>
-          <a:ln>
-            <a:noFill/>
-          </a:ln>
-        </p:spPr>
-        <p:style>
-          <a:lnRef idx="2">
-            <a:schemeClr val="accent1">
-              <a:shade val="50000"/>
-            </a:schemeClr>
-          </a:lnRef>
-          <a:fillRef idx="1">
-            <a:schemeClr val="accent1"/>
-          </a:fillRef>
-          <a:effectRef idx="0">
-            <a:schemeClr val="accent1"/>
-          </a:effectRef>
-          <a:fontRef idx="minor">
-            <a:schemeClr val="lt1"/>
-          </a:fontRef>
-        </p:style>
-        <p:txBody>
-          <a:bodyPr rtlCol="0" anchor="ctr"/>
-          <a:lstStyle/>
-          <a:p>
-            <a:pPr algn="ctr"/>
-            <a:endParaRPr lang="en-US" dirty="0"/>
-          </a:p>
-        </p:txBody>
-      </p:sp>
-      <p:sp>
-        <p:nvSpPr>
-          <p:cNvPr id="43" name="TextBox 42"/>
-          <p:cNvSpPr txBox="1"/>
-          <p:nvPr/>
-        </p:nvSpPr>
-        <p:spPr>
-          <a:xfrm>
-            <a:off x="18440400" y="22352917"/>
-            <a:ext cx="7903053" cy="856532"/>
-          </a:xfrm>
-          <a:prstGeom prst="rect">
-            <a:avLst/>
-          </a:prstGeom>
-          <a:noFill/>
-        </p:spPr>
-        <p:txBody>
-          <a:bodyPr wrap="square" rtlCol="0">
-            <a:spAutoFit/>
-          </a:bodyPr>
-          <a:lstStyle/>
-          <a:p>
-            <a:pPr algn="ctr"/>
-            <a:r>
-              <a:rPr lang="en-US" sz="4800" b="1" smtClean="0">
-                <a:solidFill>
-                  <a:schemeClr val="tx1">
-                    <a:lumMod val="75000"/>
-                    <a:lumOff val="25000"/>
-                  </a:schemeClr>
-                </a:solidFill>
-                <a:latin typeface="Calibri" panose="020F0502020204030204" pitchFamily="34" charset="0"/>
-              </a:rPr>
-              <a:t>Results</a:t>
-            </a:r>
-            <a:endParaRPr lang="en-US" sz="4800" b="1" dirty="0">
-              <a:solidFill>
-                <a:schemeClr val="tx1">
-                  <a:lumMod val="75000"/>
-                  <a:lumOff val="25000"/>
-                </a:schemeClr>
-              </a:solidFill>
-              <a:latin typeface="Calibri" panose="020F0502020204030204" pitchFamily="34" charset="0"/>
-            </a:endParaRPr>
-          </a:p>
-        </p:txBody>
-      </p:sp>
-      <p:sp>
-        <p:nvSpPr>
-          <p:cNvPr id="44" name="TextBox 43"/>
-          <p:cNvSpPr txBox="1"/>
-          <p:nvPr/>
-        </p:nvSpPr>
-        <p:spPr>
-          <a:xfrm>
-            <a:off x="11447385" y="15650790"/>
-            <a:ext cx="7903053" cy="856532"/>
-          </a:xfrm>
-          <a:prstGeom prst="rect">
-            <a:avLst/>
-          </a:prstGeom>
-          <a:noFill/>
-        </p:spPr>
-        <p:txBody>
-          <a:bodyPr wrap="square" rtlCol="0">
-            <a:spAutoFit/>
-          </a:bodyPr>
-          <a:lstStyle/>
-          <a:p>
-            <a:pPr algn="ctr"/>
-            <a:r>
-              <a:rPr lang="en-US" sz="4800" b="1" dirty="0" smtClean="0">
-                <a:solidFill>
-                  <a:schemeClr val="tx1">
-                    <a:lumMod val="75000"/>
-                    <a:lumOff val="25000"/>
-                  </a:schemeClr>
-                </a:solidFill>
-                <a:latin typeface="Calibri" panose="020F0502020204030204" pitchFamily="34" charset="0"/>
-              </a:rPr>
-              <a:t>LSTM</a:t>
-            </a:r>
-            <a:endParaRPr lang="en-US" sz="4800" b="1" dirty="0">
-              <a:solidFill>
-                <a:schemeClr val="tx1">
-                  <a:lumMod val="75000"/>
-                  <a:lumOff val="25000"/>
-                </a:schemeClr>
-              </a:solidFill>
-              <a:latin typeface="Calibri" panose="020F0502020204030204" pitchFamily="34" charset="0"/>
-            </a:endParaRPr>
-          </a:p>
-        </p:txBody>
-      </p:sp>
-      <p:sp>
-        <p:nvSpPr>
-          <p:cNvPr id="45" name="TextBox 44"/>
-          <p:cNvSpPr txBox="1"/>
-          <p:nvPr/>
-        </p:nvSpPr>
-        <p:spPr>
-          <a:xfrm>
-            <a:off x="24841200" y="8149434"/>
-            <a:ext cx="7903053" cy="856532"/>
-          </a:xfrm>
-          <a:prstGeom prst="rect">
-            <a:avLst/>
-          </a:prstGeom>
-          <a:noFill/>
-        </p:spPr>
-        <p:txBody>
-          <a:bodyPr wrap="square" rtlCol="0">
-            <a:spAutoFit/>
-          </a:bodyPr>
-          <a:lstStyle/>
-          <a:p>
-            <a:pPr algn="ctr"/>
-            <a:r>
-              <a:rPr lang="en-US" sz="4800" b="1" dirty="0" err="1" smtClean="0">
-                <a:solidFill>
-                  <a:schemeClr val="tx1">
-                    <a:lumMod val="75000"/>
-                    <a:lumOff val="25000"/>
-                  </a:schemeClr>
-                </a:solidFill>
-                <a:latin typeface="Calibri" panose="020F0502020204030204" pitchFamily="34" charset="0"/>
-              </a:rPr>
-              <a:t>Softmax</a:t>
-            </a:r>
-            <a:r>
-              <a:rPr lang="en-US" sz="4800" b="1" dirty="0" smtClean="0">
-                <a:solidFill>
-                  <a:schemeClr val="tx1">
-                    <a:lumMod val="75000"/>
-                    <a:lumOff val="25000"/>
-                  </a:schemeClr>
-                </a:solidFill>
-                <a:latin typeface="Calibri" panose="020F0502020204030204" pitchFamily="34" charset="0"/>
-              </a:rPr>
-              <a:t> regression</a:t>
-            </a:r>
-            <a:endParaRPr lang="en-US" sz="4800" b="1" dirty="0">
-              <a:solidFill>
-                <a:schemeClr val="tx1">
-                  <a:lumMod val="75000"/>
-                  <a:lumOff val="25000"/>
-                </a:schemeClr>
-              </a:solidFill>
-              <a:latin typeface="Calibri" panose="020F0502020204030204" pitchFamily="34" charset="0"/>
-            </a:endParaRPr>
-          </a:p>
-        </p:txBody>
-      </p:sp>
-      <p:sp>
-        <p:nvSpPr>
-          <p:cNvPr id="47" name="TextBox 46"/>
-          <p:cNvSpPr txBox="1"/>
-          <p:nvPr/>
-        </p:nvSpPr>
-        <p:spPr>
-          <a:xfrm>
-            <a:off x="13025718" y="7326727"/>
-            <a:ext cx="7903053" cy="1077218"/>
-          </a:xfrm>
-          <a:prstGeom prst="rect">
-            <a:avLst/>
-          </a:prstGeom>
-          <a:noFill/>
-        </p:spPr>
-        <p:txBody>
-          <a:bodyPr wrap="square" rtlCol="0">
-            <a:spAutoFit/>
-          </a:bodyPr>
-          <a:lstStyle/>
-          <a:p>
-            <a:r>
-              <a:rPr lang="en-US" sz="3200" dirty="0" smtClean="0">
-                <a:solidFill>
-                  <a:schemeClr val="tx1">
-                    <a:lumMod val="75000"/>
-                    <a:lumOff val="25000"/>
-                  </a:schemeClr>
-                </a:solidFill>
-                <a:latin typeface="Calibri" panose="020F0502020204030204" pitchFamily="34" charset="0"/>
-              </a:rPr>
-              <a:t>Short model description, analysis of model behavior (train vs. </a:t>
-            </a:r>
-            <a:r>
-              <a:rPr lang="en-US" sz="3200" dirty="0" err="1" smtClean="0">
-                <a:solidFill>
-                  <a:schemeClr val="tx1">
-                    <a:lumMod val="75000"/>
-                    <a:lumOff val="25000"/>
-                  </a:schemeClr>
-                </a:solidFill>
-                <a:latin typeface="Calibri" panose="020F0502020204030204" pitchFamily="34" charset="0"/>
-              </a:rPr>
-              <a:t>eval</a:t>
-            </a:r>
-            <a:r>
-              <a:rPr lang="en-US" sz="3200" dirty="0" smtClean="0">
-                <a:solidFill>
-                  <a:schemeClr val="tx1">
-                    <a:lumMod val="75000"/>
-                    <a:lumOff val="25000"/>
-                  </a:schemeClr>
-                </a:solidFill>
-                <a:latin typeface="Calibri" panose="020F0502020204030204" pitchFamily="34" charset="0"/>
-              </a:rPr>
-              <a:t>)</a:t>
-            </a:r>
-            <a:endParaRPr lang="en-US" sz="3600" dirty="0">
-              <a:solidFill>
-                <a:schemeClr val="tx1">
-                  <a:lumMod val="75000"/>
-                  <a:lumOff val="25000"/>
-                </a:schemeClr>
-              </a:solidFill>
-              <a:latin typeface="Calibri" panose="020F0502020204030204" pitchFamily="34" charset="0"/>
-            </a:endParaRPr>
-          </a:p>
-        </p:txBody>
-      </p:sp>
-      <p:sp>
-        <p:nvSpPr>
           <p:cNvPr id="48" name="TextBox 47"/>
           <p:cNvSpPr txBox="1"/>
           <p:nvPr/>
         </p:nvSpPr>
         <p:spPr>
           <a:xfrm>
-            <a:off x="990599" y="17458720"/>
+            <a:off x="938867" y="17390107"/>
             <a:ext cx="7903053" cy="769441"/>
           </a:xfrm>
           <a:prstGeom prst="rect">
@@ -5080,7 +4935,7 @@
         </p:nvSpPr>
         <p:spPr>
           <a:xfrm>
-            <a:off x="990599" y="24234184"/>
+            <a:off x="759240" y="24030144"/>
             <a:ext cx="7903053" cy="769441"/>
           </a:xfrm>
           <a:prstGeom prst="rect">
@@ -5134,7 +4989,7 @@
         </p:blipFill>
         <p:spPr>
           <a:xfrm>
-            <a:off x="1338549" y="24890717"/>
+            <a:off x="1213400" y="24719782"/>
             <a:ext cx="3175000" cy="3175000"/>
           </a:xfrm>
           <a:prstGeom prst="rect">
@@ -5163,8 +5018,8 @@
         </p:blipFill>
         <p:spPr>
           <a:xfrm>
-            <a:off x="1126067" y="21536120"/>
-            <a:ext cx="9770482" cy="1485479"/>
+            <a:off x="1012415" y="21744863"/>
+            <a:ext cx="8475133" cy="1288537"/>
           </a:xfrm>
           <a:prstGeom prst="rect">
             <a:avLst/>
@@ -5179,8 +5034,8 @@
         </p:nvSpPr>
         <p:spPr>
           <a:xfrm>
-            <a:off x="1132994" y="20856479"/>
-            <a:ext cx="7903053" cy="584775"/>
+            <a:off x="556525" y="23020930"/>
+            <a:ext cx="9942623" cy="553998"/>
           </a:xfrm>
           <a:prstGeom prst="rect">
             <a:avLst/>
@@ -5193,35 +5048,24 @@
           </a:bodyPr>
           <a:lstStyle/>
           <a:p>
-            <a:r>
-              <a:rPr lang="en-US" sz="3200" dirty="0" smtClean="0">
-                <a:solidFill>
-                  <a:schemeClr val="tx1">
-                    <a:lumMod val="75000"/>
-                    <a:lumOff val="25000"/>
+            <a:pPr algn="ctr"/>
+            <a:r>
+              <a:rPr lang="en-US" sz="3000" dirty="0" smtClean="0">
+                <a:solidFill>
+                  <a:schemeClr val="tx1">
+                    <a:lumMod val="85000"/>
+                    <a:lumOff val="15000"/>
                   </a:schemeClr>
                 </a:solidFill>
                 <a:latin typeface="Calibri" panose="020F0502020204030204" pitchFamily="34" charset="0"/>
               </a:rPr>
-              <a:t>Range 0 to 127</a:t>
-            </a:r>
-            <a:r>
-              <a:rPr lang="en-US" sz="3200" smtClean="0">
-                <a:solidFill>
-                  <a:schemeClr val="tx1">
-                    <a:lumMod val="75000"/>
-                    <a:lumOff val="25000"/>
-                  </a:schemeClr>
-                </a:solidFill>
-                <a:latin typeface="Calibri" panose="020F0502020204030204" pitchFamily="34" charset="0"/>
-              </a:rPr>
-              <a:t>, most fall in 50-90</a:t>
-            </a:r>
-            <a:endParaRPr lang="en-US" sz="3600" dirty="0">
+              <a:t>Most piano pieces have melodies in pitch range 50-90</a:t>
+            </a:r>
+            <a:endParaRPr lang="en-US" sz="3000" dirty="0">
               <a:solidFill>
                 <a:schemeClr val="tx1">
-                  <a:lumMod val="75000"/>
-                  <a:lumOff val="25000"/>
+                  <a:lumMod val="85000"/>
+                  <a:lumOff val="15000"/>
                 </a:schemeClr>
               </a:solidFill>
               <a:latin typeface="Calibri" panose="020F0502020204030204" pitchFamily="34" charset="0"/>
@@ -5229,624 +5073,6 @@
           </a:p>
         </p:txBody>
       </p:sp>
-      <p:sp>
-        <p:nvSpPr>
-          <p:cNvPr id="59" name="TextBox 58"/>
-          <p:cNvSpPr txBox="1"/>
-          <p:nvPr/>
-        </p:nvSpPr>
-        <p:spPr>
-          <a:xfrm>
-            <a:off x="6772294" y="25367438"/>
-            <a:ext cx="3162831" cy="1569660"/>
-          </a:xfrm>
-          <a:prstGeom prst="rect">
-            <a:avLst/>
-          </a:prstGeom>
-          <a:noFill/>
-        </p:spPr>
-        <p:txBody>
-          <a:bodyPr wrap="square" rtlCol="0">
-            <a:spAutoFit/>
-          </a:bodyPr>
-          <a:lstStyle/>
-          <a:p>
-            <a:r>
-              <a:rPr lang="en-US" sz="3200" dirty="0" smtClean="0">
-                <a:solidFill>
-                  <a:schemeClr val="tx1">
-                    <a:lumMod val="75000"/>
-                    <a:lumOff val="25000"/>
-                  </a:schemeClr>
-                </a:solidFill>
-                <a:latin typeface="Calibri" panose="020F0502020204030204" pitchFamily="34" charset="0"/>
-              </a:rPr>
-              <a:t>Trajectories normalized </a:t>
-            </a:r>
-            <a:r>
-              <a:rPr lang="en-US" sz="3200" smtClean="0">
-                <a:solidFill>
-                  <a:schemeClr val="tx1">
-                    <a:lumMod val="75000"/>
-                    <a:lumOff val="25000"/>
-                  </a:schemeClr>
-                </a:solidFill>
-                <a:latin typeface="Calibri" panose="020F0502020204030204" pitchFamily="34" charset="0"/>
-              </a:rPr>
-              <a:t>to range 50-90</a:t>
-            </a:r>
-            <a:endParaRPr lang="en-US" sz="3600" dirty="0">
-              <a:solidFill>
-                <a:schemeClr val="tx1">
-                  <a:lumMod val="75000"/>
-                  <a:lumOff val="25000"/>
-                </a:schemeClr>
-              </a:solidFill>
-              <a:latin typeface="Calibri" panose="020F0502020204030204" pitchFamily="34" charset="0"/>
-            </a:endParaRPr>
-          </a:p>
-        </p:txBody>
-      </p:sp>
-      <p:graphicFrame>
-        <p:nvGraphicFramePr>
-          <p:cNvPr id="5" name="Table 4"/>
-          <p:cNvGraphicFramePr>
-            <a:graphicFrameLocks noGrp="1"/>
-          </p:cNvGraphicFramePr>
-          <p:nvPr>
-            <p:extLst>
-              <p:ext uri="{D42A27DB-BD31-4B8C-83A1-F6EECF244321}">
-                <p14:modId xmlns:p14="http://schemas.microsoft.com/office/powerpoint/2010/main" val="1541075546"/>
-              </p:ext>
-            </p:extLst>
-          </p:nvPr>
-        </p:nvGraphicFramePr>
-        <p:xfrm>
-          <a:off x="12559003" y="23455560"/>
-          <a:ext cx="7343939" cy="4579677"/>
-        </p:xfrm>
-        <a:graphic>
-          <a:graphicData uri="http://schemas.openxmlformats.org/drawingml/2006/table">
-            <a:tbl>
-              <a:tblPr firstRow="1" bandRow="1">
-                <a:tableStyleId>{2D5ABB26-0587-4C30-8999-92F81FD0307C}</a:tableStyleId>
-              </a:tblPr>
-              <a:tblGrid>
-                <a:gridCol w="4357905"/>
-                <a:gridCol w="2986034"/>
-              </a:tblGrid>
-              <a:tr h="508853">
-                <a:tc>
-                  <a:txBody>
-                    <a:bodyPr/>
-                    <a:lstStyle/>
-                    <a:p>
-                      <a:endParaRPr lang="en-US" sz="2600" dirty="0"/>
-                    </a:p>
-                  </a:txBody>
-                  <a:tcPr>
-                    <a:lnB w="12700" cap="flat" cmpd="sng" algn="ctr">
-                      <a:solidFill>
-                        <a:schemeClr val="tx1"/>
-                      </a:solidFill>
-                      <a:prstDash val="solid"/>
-                      <a:round/>
-                      <a:headEnd type="none" w="med" len="med"/>
-                      <a:tailEnd type="none" w="med" len="med"/>
-                    </a:lnB>
-                  </a:tcPr>
-                </a:tc>
-                <a:tc>
-                  <a:txBody>
-                    <a:bodyPr/>
-                    <a:lstStyle/>
-                    <a:p>
-                      <a:pPr algn="ctr"/>
-                      <a:r>
-                        <a:rPr lang="en-US" sz="2600" dirty="0" smtClean="0"/>
-                        <a:t>% answered human</a:t>
-                      </a:r>
-                      <a:endParaRPr lang="en-US" sz="2600" dirty="0"/>
-                    </a:p>
-                  </a:txBody>
-                  <a:tcPr>
-                    <a:lnB w="12700" cap="flat" cmpd="sng" algn="ctr">
-                      <a:solidFill>
-                        <a:schemeClr val="tx1"/>
-                      </a:solidFill>
-                      <a:prstDash val="solid"/>
-                      <a:round/>
-                      <a:headEnd type="none" w="med" len="med"/>
-                      <a:tailEnd type="none" w="med" len="med"/>
-                    </a:lnB>
-                  </a:tcPr>
-                </a:tc>
-              </a:tr>
-              <a:tr h="508853">
-                <a:tc>
-                  <a:txBody>
-                    <a:bodyPr/>
-                    <a:lstStyle/>
-                    <a:p>
-                      <a:r>
-                        <a:rPr lang="en-US" sz="2600" dirty="0" smtClean="0"/>
-                        <a:t>Generated</a:t>
-                      </a:r>
-                      <a:endParaRPr lang="en-US" sz="2600" dirty="0"/>
-                    </a:p>
-                  </a:txBody>
-                  <a:tcPr>
-                    <a:lnT w="12700" cap="flat" cmpd="sng" algn="ctr">
-                      <a:solidFill>
-                        <a:schemeClr val="tx1"/>
-                      </a:solidFill>
-                      <a:prstDash val="solid"/>
-                      <a:round/>
-                      <a:headEnd type="none" w="med" len="med"/>
-                      <a:tailEnd type="none" w="med" len="med"/>
-                    </a:lnT>
-                    <a:lnB w="12700" cap="flat" cmpd="sng" algn="ctr">
-                      <a:solidFill>
-                        <a:schemeClr val="tx1"/>
-                      </a:solidFill>
-                      <a:prstDash val="solid"/>
-                      <a:round/>
-                      <a:headEnd type="none" w="med" len="med"/>
-                      <a:tailEnd type="none" w="med" len="med"/>
-                    </a:lnB>
-                    <a:solidFill>
-                      <a:schemeClr val="bg1">
-                        <a:lumMod val="95000"/>
-                      </a:schemeClr>
-                    </a:solidFill>
-                  </a:tcPr>
-                </a:tc>
-                <a:tc>
-                  <a:txBody>
-                    <a:bodyPr/>
-                    <a:lstStyle/>
-                    <a:p>
-                      <a:pPr algn="ctr"/>
-                      <a:endParaRPr lang="en-US" sz="2600" dirty="0"/>
-                    </a:p>
-                  </a:txBody>
-                  <a:tcPr>
-                    <a:lnT w="12700" cap="flat" cmpd="sng" algn="ctr">
-                      <a:solidFill>
-                        <a:schemeClr val="tx1"/>
-                      </a:solidFill>
-                      <a:prstDash val="solid"/>
-                      <a:round/>
-                      <a:headEnd type="none" w="med" len="med"/>
-                      <a:tailEnd type="none" w="med" len="med"/>
-                    </a:lnT>
-                    <a:lnB w="12700" cap="flat" cmpd="sng" algn="ctr">
-                      <a:solidFill>
-                        <a:schemeClr val="tx1"/>
-                      </a:solidFill>
-                      <a:prstDash val="solid"/>
-                      <a:round/>
-                      <a:headEnd type="none" w="med" len="med"/>
-                      <a:tailEnd type="none" w="med" len="med"/>
-                    </a:lnB>
-                    <a:solidFill>
-                      <a:schemeClr val="bg1">
-                        <a:lumMod val="95000"/>
-                      </a:schemeClr>
-                    </a:solidFill>
-                  </a:tcPr>
-                </a:tc>
-              </a:tr>
-              <a:tr h="508853">
-                <a:tc>
-                  <a:txBody>
-                    <a:bodyPr/>
-                    <a:lstStyle/>
-                    <a:p>
-                      <a:pPr algn="l"/>
-                      <a:r>
-                        <a:rPr lang="en-US" sz="2600" dirty="0" smtClean="0"/>
-                        <a:t>      LSTM full</a:t>
-                      </a:r>
-                      <a:endParaRPr lang="en-US" sz="2600" dirty="0"/>
-                    </a:p>
-                  </a:txBody>
-                  <a:tcPr>
-                    <a:lnT w="12700" cap="flat" cmpd="sng" algn="ctr">
-                      <a:solidFill>
-                        <a:schemeClr val="tx1"/>
-                      </a:solidFill>
-                      <a:prstDash val="solid"/>
-                      <a:round/>
-                      <a:headEnd type="none" w="med" len="med"/>
-                      <a:tailEnd type="none" w="med" len="med"/>
-                    </a:lnT>
-                  </a:tcPr>
-                </a:tc>
-                <a:tc>
-                  <a:txBody>
-                    <a:bodyPr/>
-                    <a:lstStyle/>
-                    <a:p>
-                      <a:pPr algn="ctr"/>
-                      <a:r>
-                        <a:rPr lang="en-US" sz="2600" dirty="0" smtClean="0"/>
-                        <a:t>32%</a:t>
-                      </a:r>
-                      <a:endParaRPr lang="en-US" sz="2600" dirty="0"/>
-                    </a:p>
-                  </a:txBody>
-                  <a:tcPr>
-                    <a:lnT w="12700" cap="flat" cmpd="sng" algn="ctr">
-                      <a:solidFill>
-                        <a:schemeClr val="tx1"/>
-                      </a:solidFill>
-                      <a:prstDash val="solid"/>
-                      <a:round/>
-                      <a:headEnd type="none" w="med" len="med"/>
-                      <a:tailEnd type="none" w="med" len="med"/>
-                    </a:lnT>
-                  </a:tcPr>
-                </a:tc>
-              </a:tr>
-              <a:tr h="508853">
-                <a:tc>
-                  <a:txBody>
-                    <a:bodyPr/>
-                    <a:lstStyle/>
-                    <a:p>
-                      <a:pPr algn="l"/>
-                      <a:r>
-                        <a:rPr lang="en-US" sz="2600" dirty="0" smtClean="0"/>
-                        <a:t>      LSTM</a:t>
-                      </a:r>
-                      <a:r>
-                        <a:rPr lang="en-US" sz="2600" baseline="0" dirty="0" smtClean="0"/>
-                        <a:t> subset</a:t>
-                      </a:r>
-                      <a:endParaRPr lang="en-US" sz="2600" dirty="0"/>
-                    </a:p>
-                  </a:txBody>
-                  <a:tcPr>
-                    <a:lnB w="12700" cap="flat" cmpd="sng" algn="ctr">
-                      <a:solidFill>
-                        <a:schemeClr val="tx1"/>
-                      </a:solidFill>
-                      <a:prstDash val="solid"/>
-                      <a:round/>
-                      <a:headEnd type="none" w="med" len="med"/>
-                      <a:tailEnd type="none" w="med" len="med"/>
-                    </a:lnB>
-                  </a:tcPr>
-                </a:tc>
-                <a:tc>
-                  <a:txBody>
-                    <a:bodyPr/>
-                    <a:lstStyle/>
-                    <a:p>
-                      <a:pPr algn="ctr"/>
-                      <a:r>
-                        <a:rPr lang="en-US" sz="2600" dirty="0" smtClean="0"/>
-                        <a:t>61%</a:t>
-                      </a:r>
-                      <a:endParaRPr lang="en-US" sz="2600" dirty="0"/>
-                    </a:p>
-                  </a:txBody>
-                  <a:tcPr>
-                    <a:lnB w="12700" cap="flat" cmpd="sng" algn="ctr">
-                      <a:solidFill>
-                        <a:schemeClr val="tx1"/>
-                      </a:solidFill>
-                      <a:prstDash val="solid"/>
-                      <a:round/>
-                      <a:headEnd type="none" w="med" len="med"/>
-                      <a:tailEnd type="none" w="med" len="med"/>
-                    </a:lnB>
-                  </a:tcPr>
-                </a:tc>
-              </a:tr>
-              <a:tr h="508853">
-                <a:tc>
-                  <a:txBody>
-                    <a:bodyPr/>
-                    <a:lstStyle/>
-                    <a:p>
-                      <a:r>
-                        <a:rPr lang="en-US" sz="2600" dirty="0" smtClean="0"/>
-                        <a:t>Generated based on trajectory</a:t>
-                      </a:r>
-                      <a:endParaRPr lang="en-US" sz="2600" dirty="0"/>
-                    </a:p>
-                  </a:txBody>
-                  <a:tcPr>
-                    <a:lnT w="12700" cap="flat" cmpd="sng" algn="ctr">
-                      <a:solidFill>
-                        <a:schemeClr val="tx1"/>
-                      </a:solidFill>
-                      <a:prstDash val="solid"/>
-                      <a:round/>
-                      <a:headEnd type="none" w="med" len="med"/>
-                      <a:tailEnd type="none" w="med" len="med"/>
-                    </a:lnT>
-                    <a:lnB w="12700" cap="flat" cmpd="sng" algn="ctr">
-                      <a:solidFill>
-                        <a:schemeClr val="tx1"/>
-                      </a:solidFill>
-                      <a:prstDash val="solid"/>
-                      <a:round/>
-                      <a:headEnd type="none" w="med" len="med"/>
-                      <a:tailEnd type="none" w="med" len="med"/>
-                    </a:lnB>
-                    <a:solidFill>
-                      <a:schemeClr val="bg1">
-                        <a:lumMod val="95000"/>
-                      </a:schemeClr>
-                    </a:solidFill>
-                  </a:tcPr>
-                </a:tc>
-                <a:tc>
-                  <a:txBody>
-                    <a:bodyPr/>
-                    <a:lstStyle/>
-                    <a:p>
-                      <a:pPr algn="ctr"/>
-                      <a:endParaRPr lang="en-US" sz="2600" dirty="0"/>
-                    </a:p>
-                  </a:txBody>
-                  <a:tcPr>
-                    <a:lnT w="12700" cap="flat" cmpd="sng" algn="ctr">
-                      <a:solidFill>
-                        <a:schemeClr val="tx1"/>
-                      </a:solidFill>
-                      <a:prstDash val="solid"/>
-                      <a:round/>
-                      <a:headEnd type="none" w="med" len="med"/>
-                      <a:tailEnd type="none" w="med" len="med"/>
-                    </a:lnT>
-                    <a:lnB w="12700" cap="flat" cmpd="sng" algn="ctr">
-                      <a:solidFill>
-                        <a:schemeClr val="tx1"/>
-                      </a:solidFill>
-                      <a:prstDash val="solid"/>
-                      <a:round/>
-                      <a:headEnd type="none" w="med" len="med"/>
-                      <a:tailEnd type="none" w="med" len="med"/>
-                    </a:lnB>
-                    <a:solidFill>
-                      <a:schemeClr val="bg1">
-                        <a:lumMod val="95000"/>
-                      </a:schemeClr>
-                    </a:solidFill>
-                  </a:tcPr>
-                </a:tc>
-              </a:tr>
-              <a:tr h="508853">
-                <a:tc>
-                  <a:txBody>
-                    <a:bodyPr/>
-                    <a:lstStyle/>
-                    <a:p>
-                      <a:pPr algn="l"/>
-                      <a:r>
-                        <a:rPr lang="en-US" sz="2600" dirty="0" smtClean="0"/>
-                        <a:t>      </a:t>
-                      </a:r>
-                      <a:r>
-                        <a:rPr lang="en-US" sz="2600" dirty="0" err="1" smtClean="0"/>
-                        <a:t>softmax</a:t>
-                      </a:r>
-                      <a:r>
-                        <a:rPr lang="en-US" sz="2600" dirty="0" smtClean="0"/>
-                        <a:t> regression</a:t>
-                      </a:r>
-                      <a:endParaRPr lang="en-US" sz="2600" dirty="0"/>
-                    </a:p>
-                  </a:txBody>
-                  <a:tcPr>
-                    <a:lnT w="12700" cap="flat" cmpd="sng" algn="ctr">
-                      <a:solidFill>
-                        <a:schemeClr val="tx1"/>
-                      </a:solidFill>
-                      <a:prstDash val="solid"/>
-                      <a:round/>
-                      <a:headEnd type="none" w="med" len="med"/>
-                      <a:tailEnd type="none" w="med" len="med"/>
-                    </a:lnT>
-                  </a:tcPr>
-                </a:tc>
-                <a:tc>
-                  <a:txBody>
-                    <a:bodyPr/>
-                    <a:lstStyle/>
-                    <a:p>
-                      <a:pPr algn="ctr"/>
-                      <a:r>
-                        <a:rPr lang="en-US" sz="2600" dirty="0" smtClean="0"/>
-                        <a:t>14%</a:t>
-                      </a:r>
-                      <a:endParaRPr lang="en-US" sz="2600" dirty="0"/>
-                    </a:p>
-                  </a:txBody>
-                  <a:tcPr>
-                    <a:lnT w="12700" cap="flat" cmpd="sng" algn="ctr">
-                      <a:solidFill>
-                        <a:schemeClr val="tx1"/>
-                      </a:solidFill>
-                      <a:prstDash val="solid"/>
-                      <a:round/>
-                      <a:headEnd type="none" w="med" len="med"/>
-                      <a:tailEnd type="none" w="med" len="med"/>
-                    </a:lnT>
-                  </a:tcPr>
-                </a:tc>
-              </a:tr>
-              <a:tr h="508853">
-                <a:tc>
-                  <a:txBody>
-                    <a:bodyPr/>
-                    <a:lstStyle/>
-                    <a:p>
-                      <a:pPr algn="l"/>
-                      <a:r>
-                        <a:rPr lang="en-US" sz="2600" dirty="0" smtClean="0"/>
-                        <a:t>      GMM</a:t>
-                      </a:r>
-                      <a:endParaRPr lang="en-US" sz="2600" dirty="0"/>
-                    </a:p>
-                  </a:txBody>
-                  <a:tcPr/>
-                </a:tc>
-                <a:tc>
-                  <a:txBody>
-                    <a:bodyPr/>
-                    <a:lstStyle/>
-                    <a:p>
-                      <a:pPr algn="ctr"/>
-                      <a:r>
-                        <a:rPr lang="en-US" sz="2600" dirty="0" smtClean="0"/>
-                        <a:t>47%</a:t>
-                      </a:r>
-                      <a:endParaRPr lang="en-US" sz="2600" dirty="0"/>
-                    </a:p>
-                  </a:txBody>
-                  <a:tcPr/>
-                </a:tc>
-              </a:tr>
-              <a:tr h="508853">
-                <a:tc>
-                  <a:txBody>
-                    <a:bodyPr/>
-                    <a:lstStyle/>
-                    <a:p>
-                      <a:pPr algn="l"/>
-                      <a:r>
-                        <a:rPr lang="en-US" sz="2600" dirty="0" smtClean="0"/>
-                        <a:t>      LSTM subset</a:t>
-                      </a:r>
-                      <a:endParaRPr lang="en-US" sz="2600" dirty="0"/>
-                    </a:p>
-                  </a:txBody>
-                  <a:tcPr>
-                    <a:lnB w="12700" cap="flat" cmpd="sng" algn="ctr">
-                      <a:solidFill>
-                        <a:schemeClr val="tx1"/>
-                      </a:solidFill>
-                      <a:prstDash val="solid"/>
-                      <a:round/>
-                      <a:headEnd type="none" w="med" len="med"/>
-                      <a:tailEnd type="none" w="med" len="med"/>
-                    </a:lnB>
-                  </a:tcPr>
-                </a:tc>
-                <a:tc>
-                  <a:txBody>
-                    <a:bodyPr/>
-                    <a:lstStyle/>
-                    <a:p>
-                      <a:pPr algn="ctr"/>
-                      <a:r>
-                        <a:rPr lang="en-US" sz="2600" dirty="0" smtClean="0"/>
-                        <a:t>40%</a:t>
-                      </a:r>
-                      <a:endParaRPr lang="en-US" sz="2600" dirty="0"/>
-                    </a:p>
-                  </a:txBody>
-                  <a:tcPr>
-                    <a:lnB w="12700" cap="flat" cmpd="sng" algn="ctr">
-                      <a:solidFill>
-                        <a:schemeClr val="tx1"/>
-                      </a:solidFill>
-                      <a:prstDash val="solid"/>
-                      <a:round/>
-                      <a:headEnd type="none" w="med" len="med"/>
-                      <a:tailEnd type="none" w="med" len="med"/>
-                    </a:lnB>
-                  </a:tcPr>
-                </a:tc>
-              </a:tr>
-              <a:tr h="508853">
-                <a:tc>
-                  <a:txBody>
-                    <a:bodyPr/>
-                    <a:lstStyle/>
-                    <a:p>
-                      <a:r>
-                        <a:rPr lang="en-US" sz="2600" dirty="0" smtClean="0"/>
-                        <a:t>Real music (control)</a:t>
-                      </a:r>
-                      <a:endParaRPr lang="en-US" sz="2600" dirty="0"/>
-                    </a:p>
-                  </a:txBody>
-                  <a:tcPr>
-                    <a:lnT w="12700" cap="flat" cmpd="sng" algn="ctr">
-                      <a:solidFill>
-                        <a:schemeClr val="tx1"/>
-                      </a:solidFill>
-                      <a:prstDash val="solid"/>
-                      <a:round/>
-                      <a:headEnd type="none" w="med" len="med"/>
-                      <a:tailEnd type="none" w="med" len="med"/>
-                    </a:lnT>
-                    <a:lnB w="12700" cap="flat" cmpd="sng" algn="ctr">
-                      <a:solidFill>
-                        <a:schemeClr val="tx1"/>
-                      </a:solidFill>
-                      <a:prstDash val="solid"/>
-                      <a:round/>
-                      <a:headEnd type="none" w="med" len="med"/>
-                      <a:tailEnd type="none" w="med" len="med"/>
-                    </a:lnB>
-                    <a:solidFill>
-                      <a:schemeClr val="bg1">
-                        <a:lumMod val="95000"/>
-                      </a:schemeClr>
-                    </a:solidFill>
-                  </a:tcPr>
-                </a:tc>
-                <a:tc>
-                  <a:txBody>
-                    <a:bodyPr/>
-                    <a:lstStyle/>
-                    <a:p>
-                      <a:pPr algn="ctr"/>
-                      <a:r>
-                        <a:rPr lang="en-US" sz="2600" dirty="0" smtClean="0"/>
-                        <a:t>57%</a:t>
-                      </a:r>
-                      <a:endParaRPr lang="en-US" sz="2600" dirty="0"/>
-                    </a:p>
-                  </a:txBody>
-                  <a:tcPr>
-                    <a:lnT w="12700" cap="flat" cmpd="sng" algn="ctr">
-                      <a:solidFill>
-                        <a:schemeClr val="tx1"/>
-                      </a:solidFill>
-                      <a:prstDash val="solid"/>
-                      <a:round/>
-                      <a:headEnd type="none" w="med" len="med"/>
-                      <a:tailEnd type="none" w="med" len="med"/>
-                    </a:lnT>
-                    <a:lnB w="12700" cap="flat" cmpd="sng" algn="ctr">
-                      <a:solidFill>
-                        <a:schemeClr val="tx1"/>
-                      </a:solidFill>
-                      <a:prstDash val="solid"/>
-                      <a:round/>
-                      <a:headEnd type="none" w="med" len="med"/>
-                      <a:tailEnd type="none" w="med" len="med"/>
-                    </a:lnB>
-                    <a:solidFill>
-                      <a:schemeClr val="bg1">
-                        <a:lumMod val="95000"/>
-                      </a:schemeClr>
-                    </a:solidFill>
-                  </a:tcPr>
-                </a:tc>
-              </a:tr>
-            </a:tbl>
-          </a:graphicData>
-        </a:graphic>
-      </p:graphicFrame>
       <p:pic>
         <p:nvPicPr>
           <p:cNvPr id="7" name="Picture 6"/>
@@ -5863,8 +5089,8 @@
         </p:blipFill>
         <p:spPr>
           <a:xfrm>
-            <a:off x="20699475" y="24103242"/>
-            <a:ext cx="3384902" cy="3998744"/>
+            <a:off x="29554982" y="23965640"/>
+            <a:ext cx="3088179" cy="3648211"/>
           </a:xfrm>
           <a:prstGeom prst="rect">
             <a:avLst/>
@@ -5892,7 +5118,7 @@
         </p:blipFill>
         <p:spPr>
           <a:xfrm>
-            <a:off x="24633094" y="23874245"/>
+            <a:off x="20721927" y="23762568"/>
             <a:ext cx="8111158" cy="4361325"/>
           </a:xfrm>
           <a:prstGeom prst="rect">
@@ -5900,6 +5126,2320 @@
           </a:prstGeom>
         </p:spPr>
       </p:pic>
+      <p:pic>
+        <p:nvPicPr>
+          <p:cNvPr id="10" name="Picture 9"/>
+          <p:cNvPicPr>
+            <a:picLocks noChangeAspect="1"/>
+          </p:cNvPicPr>
+          <p:nvPr/>
+        </p:nvPicPr>
+        <p:blipFill>
+          <a:blip r:embed="rId8">
+            <a:extLst>
+              <a:ext uri="{28A0092B-C50C-407E-A947-70E740481C1C}">
+                <a14:useLocalDpi xmlns:a14="http://schemas.microsoft.com/office/drawing/2010/main" val="0"/>
+              </a:ext>
+            </a:extLst>
+          </a:blip>
+          <a:stretch>
+            <a:fillRect/>
+          </a:stretch>
+        </p:blipFill>
+        <p:spPr>
+          <a:xfrm>
+            <a:off x="12032072" y="23854598"/>
+            <a:ext cx="6464489" cy="3721023"/>
+          </a:xfrm>
+          <a:prstGeom prst="rect">
+            <a:avLst/>
+          </a:prstGeom>
+        </p:spPr>
+      </p:pic>
+      <p:pic>
+        <p:nvPicPr>
+          <p:cNvPr id="13" name="Picture 12"/>
+          <p:cNvPicPr>
+            <a:picLocks noChangeAspect="1"/>
+          </p:cNvPicPr>
+          <p:nvPr/>
+        </p:nvPicPr>
+        <p:blipFill>
+          <a:blip r:embed="rId9">
+            <a:extLst>
+              <a:ext uri="{28A0092B-C50C-407E-A947-70E740481C1C}">
+                <a14:useLocalDpi xmlns:a14="http://schemas.microsoft.com/office/drawing/2010/main" val="0"/>
+              </a:ext>
+            </a:extLst>
+          </a:blip>
+          <a:stretch>
+            <a:fillRect/>
+          </a:stretch>
+        </p:blipFill>
+        <p:spPr>
+          <a:xfrm>
+            <a:off x="26029185" y="17350158"/>
+            <a:ext cx="6533044" cy="2832447"/>
+          </a:xfrm>
+          <a:prstGeom prst="rect">
+            <a:avLst/>
+          </a:prstGeom>
+        </p:spPr>
+      </p:pic>
+      <p:pic>
+        <p:nvPicPr>
+          <p:cNvPr id="14" name="Picture 13"/>
+          <p:cNvPicPr>
+            <a:picLocks noChangeAspect="1"/>
+          </p:cNvPicPr>
+          <p:nvPr/>
+        </p:nvPicPr>
+        <p:blipFill>
+          <a:blip r:embed="rId10">
+            <a:extLst>
+              <a:ext uri="{28A0092B-C50C-407E-A947-70E740481C1C}">
+                <a14:useLocalDpi xmlns:a14="http://schemas.microsoft.com/office/drawing/2010/main" val="0"/>
+              </a:ext>
+            </a:extLst>
+          </a:blip>
+          <a:stretch>
+            <a:fillRect/>
+          </a:stretch>
+        </p:blipFill>
+        <p:spPr>
+          <a:xfrm>
+            <a:off x="27315107" y="8072631"/>
+            <a:ext cx="5043698" cy="4799827"/>
+          </a:xfrm>
+          <a:prstGeom prst="rect">
+            <a:avLst/>
+          </a:prstGeom>
+        </p:spPr>
+      </p:pic>
+      <p:pic>
+        <p:nvPicPr>
+          <p:cNvPr id="15" name="Picture 14"/>
+          <p:cNvPicPr>
+            <a:picLocks noChangeAspect="1"/>
+          </p:cNvPicPr>
+          <p:nvPr/>
+        </p:nvPicPr>
+        <p:blipFill rotWithShape="1">
+          <a:blip r:embed="rId11">
+            <a:extLst>
+              <a:ext uri="{28A0092B-C50C-407E-A947-70E740481C1C}">
+                <a14:useLocalDpi xmlns:a14="http://schemas.microsoft.com/office/drawing/2010/main" val="0"/>
+              </a:ext>
+            </a:extLst>
+          </a:blip>
+          <a:srcRect t="5328"/>
+          <a:stretch/>
+        </p:blipFill>
+        <p:spPr>
+          <a:xfrm>
+            <a:off x="12272774" y="13825493"/>
+            <a:ext cx="6072021" cy="3982050"/>
+          </a:xfrm>
+          <a:prstGeom prst="rect">
+            <a:avLst/>
+          </a:prstGeom>
+        </p:spPr>
+      </p:pic>
+      <p:pic>
+        <p:nvPicPr>
+          <p:cNvPr id="16" name="Picture 15"/>
+          <p:cNvPicPr>
+            <a:picLocks noChangeAspect="1"/>
+          </p:cNvPicPr>
+          <p:nvPr/>
+        </p:nvPicPr>
+        <p:blipFill rotWithShape="1">
+          <a:blip r:embed="rId12">
+            <a:extLst>
+              <a:ext uri="{28A0092B-C50C-407E-A947-70E740481C1C}">
+                <a14:useLocalDpi xmlns:a14="http://schemas.microsoft.com/office/drawing/2010/main" val="0"/>
+              </a:ext>
+            </a:extLst>
+          </a:blip>
+          <a:srcRect l="9318" r="6167"/>
+          <a:stretch/>
+        </p:blipFill>
+        <p:spPr>
+          <a:xfrm>
+            <a:off x="19531808" y="9499357"/>
+            <a:ext cx="4784038" cy="3773765"/>
+          </a:xfrm>
+          <a:prstGeom prst="rect">
+            <a:avLst/>
+          </a:prstGeom>
+        </p:spPr>
+      </p:pic>
+      <p:pic>
+        <p:nvPicPr>
+          <p:cNvPr id="17" name="Picture 16"/>
+          <p:cNvPicPr>
+            <a:picLocks noChangeAspect="1"/>
+          </p:cNvPicPr>
+          <p:nvPr/>
+        </p:nvPicPr>
+        <p:blipFill rotWithShape="1">
+          <a:blip r:embed="rId13">
+            <a:extLst>
+              <a:ext uri="{28A0092B-C50C-407E-A947-70E740481C1C}">
+                <a14:useLocalDpi xmlns:a14="http://schemas.microsoft.com/office/drawing/2010/main" val="0"/>
+              </a:ext>
+            </a:extLst>
+          </a:blip>
+          <a:srcRect l="10349" r="9340"/>
+          <a:stretch/>
+        </p:blipFill>
+        <p:spPr>
+          <a:xfrm>
+            <a:off x="19656752" y="17419324"/>
+            <a:ext cx="4436341" cy="3682666"/>
+          </a:xfrm>
+          <a:prstGeom prst="rect">
+            <a:avLst/>
+          </a:prstGeom>
+        </p:spPr>
+      </p:pic>
+      <p:sp>
+        <p:nvSpPr>
+          <p:cNvPr id="18" name="TextBox 17"/>
+          <p:cNvSpPr txBox="1"/>
+          <p:nvPr/>
+        </p:nvSpPr>
+        <p:spPr>
+          <a:xfrm>
+            <a:off x="34738688" y="16408306"/>
+            <a:ext cx="8311895" cy="5355312"/>
+          </a:xfrm>
+          <a:prstGeom prst="rect">
+            <a:avLst/>
+          </a:prstGeom>
+          <a:noFill/>
+        </p:spPr>
+        <p:txBody>
+          <a:bodyPr wrap="square" rtlCol="0">
+            <a:spAutoFit/>
+          </a:bodyPr>
+          <a:lstStyle/>
+          <a:p>
+            <a:pPr algn="just">
+              <a:lnSpc>
+                <a:spcPct val="114000"/>
+              </a:lnSpc>
+            </a:pPr>
+            <a:r>
+              <a:rPr lang="en-US" sz="3000" dirty="0">
+                <a:solidFill>
+                  <a:schemeClr val="tx1">
+                    <a:lumMod val="85000"/>
+                    <a:lumOff val="15000"/>
+                  </a:schemeClr>
+                </a:solidFill>
+              </a:rPr>
+              <a:t>Future </a:t>
+            </a:r>
+            <a:r>
+              <a:rPr lang="en-US" sz="3000" dirty="0" smtClean="0">
+                <a:solidFill>
+                  <a:schemeClr val="tx1">
+                    <a:lumMod val="85000"/>
+                    <a:lumOff val="15000"/>
+                  </a:schemeClr>
+                </a:solidFill>
+              </a:rPr>
+              <a:t>efforts include </a:t>
+            </a:r>
+            <a:r>
+              <a:rPr lang="en-US" sz="3000" dirty="0">
+                <a:solidFill>
+                  <a:schemeClr val="tx1">
+                    <a:lumMod val="85000"/>
+                    <a:lumOff val="15000"/>
+                  </a:schemeClr>
+                </a:solidFill>
+              </a:rPr>
+              <a:t>curating a larger dataset with distinctive </a:t>
+            </a:r>
+            <a:r>
+              <a:rPr lang="en-US" sz="3000" dirty="0" smtClean="0">
+                <a:solidFill>
+                  <a:schemeClr val="tx1">
+                    <a:lumMod val="85000"/>
+                    <a:lumOff val="15000"/>
+                  </a:schemeClr>
+                </a:solidFill>
+              </a:rPr>
+              <a:t>melodies </a:t>
+            </a:r>
+            <a:r>
+              <a:rPr lang="en-US" sz="3000" dirty="0">
+                <a:solidFill>
+                  <a:schemeClr val="tx1">
+                    <a:lumMod val="85000"/>
+                    <a:lumOff val="15000"/>
+                  </a:schemeClr>
+                </a:solidFill>
+              </a:rPr>
+              <a:t>and exploring other generative models such as GANs or </a:t>
+            </a:r>
+            <a:r>
+              <a:rPr lang="en-US" sz="3000" dirty="0" smtClean="0">
+                <a:solidFill>
+                  <a:schemeClr val="tx1">
+                    <a:lumMod val="85000"/>
+                    <a:lumOff val="15000"/>
+                  </a:schemeClr>
+                </a:solidFill>
+              </a:rPr>
+              <a:t>GRUs</a:t>
+            </a:r>
+            <a:r>
+              <a:rPr lang="en-US" sz="3000" dirty="0">
+                <a:solidFill>
+                  <a:schemeClr val="tx1">
+                    <a:lumMod val="85000"/>
+                    <a:lumOff val="15000"/>
+                  </a:schemeClr>
+                </a:solidFill>
+              </a:rPr>
+              <a:t>. </a:t>
+            </a:r>
+            <a:r>
+              <a:rPr lang="en-US" sz="3000" dirty="0" smtClean="0">
+                <a:solidFill>
+                  <a:schemeClr val="tx1">
+                    <a:lumMod val="85000"/>
+                    <a:lumOff val="15000"/>
+                  </a:schemeClr>
+                </a:solidFill>
+              </a:rPr>
+              <a:t>The control of the Turing test shows that reducing </a:t>
+            </a:r>
+            <a:r>
+              <a:rPr lang="en-US" sz="3000" dirty="0">
+                <a:solidFill>
+                  <a:schemeClr val="tx1">
+                    <a:lumMod val="85000"/>
+                    <a:lumOff val="15000"/>
+                  </a:schemeClr>
+                </a:solidFill>
+              </a:rPr>
+              <a:t>a piece to simply pitch and time removes much of the musicality. We would also want to extend the model to train not just on pitch, but also on rhythm, chords, and other expressive information, then explore methods of interpreting the trajectory data with these additional features.</a:t>
+            </a:r>
+          </a:p>
+        </p:txBody>
+      </p:sp>
+      <p:sp>
+        <p:nvSpPr>
+          <p:cNvPr id="19" name="TextBox 18"/>
+          <p:cNvSpPr txBox="1"/>
+          <p:nvPr/>
+        </p:nvSpPr>
+        <p:spPr>
+          <a:xfrm>
+            <a:off x="34817285" y="5876266"/>
+            <a:ext cx="8331357" cy="9565696"/>
+          </a:xfrm>
+          <a:prstGeom prst="rect">
+            <a:avLst/>
+          </a:prstGeom>
+          <a:noFill/>
+        </p:spPr>
+        <p:txBody>
+          <a:bodyPr wrap="square" rtlCol="0">
+            <a:spAutoFit/>
+          </a:bodyPr>
+          <a:lstStyle/>
+          <a:p>
+            <a:pPr algn="just">
+              <a:lnSpc>
+                <a:spcPct val="114000"/>
+              </a:lnSpc>
+            </a:pPr>
+            <a:r>
+              <a:rPr lang="en-US" sz="3000" dirty="0" smtClean="0">
+                <a:solidFill>
+                  <a:schemeClr val="tx1">
+                    <a:lumMod val="85000"/>
+                    <a:lumOff val="15000"/>
+                  </a:schemeClr>
+                </a:solidFill>
+                <a:latin typeface="Calibri" charset="0"/>
+                <a:ea typeface="Calibri" charset="0"/>
+                <a:cs typeface="Calibri" charset="0"/>
+              </a:rPr>
+              <a:t>We explored training predictive models with several architectures and on several subsets of the music data. We found the best training and validation accuracy using a subset of the full dataset: the pieces composed by Clementi. </a:t>
+            </a:r>
+          </a:p>
+          <a:p>
+            <a:pPr algn="just">
+              <a:lnSpc>
+                <a:spcPct val="114000"/>
+              </a:lnSpc>
+            </a:pPr>
+            <a:r>
+              <a:rPr lang="en-US" sz="3000" dirty="0" smtClean="0">
+                <a:solidFill>
+                  <a:schemeClr val="tx1">
+                    <a:lumMod val="85000"/>
+                    <a:lumOff val="15000"/>
+                  </a:schemeClr>
+                </a:solidFill>
+                <a:latin typeface="Calibri" charset="0"/>
+                <a:ea typeface="Calibri" charset="0"/>
+                <a:cs typeface="Calibri" charset="0"/>
+              </a:rPr>
+              <a:t>        Of </a:t>
+            </a:r>
+            <a:r>
+              <a:rPr lang="en-US" sz="3000" dirty="0">
+                <a:solidFill>
+                  <a:schemeClr val="tx1">
+                    <a:lumMod val="85000"/>
+                    <a:lumOff val="15000"/>
+                  </a:schemeClr>
+                </a:solidFill>
+                <a:latin typeface="Calibri" charset="0"/>
+                <a:ea typeface="Calibri" charset="0"/>
+                <a:cs typeface="Calibri" charset="0"/>
+              </a:rPr>
+              <a:t>all models tested, the LSTM RNN was most successful at generating music that reflected trends in a given dynamics trajectory. Softmax regression produced samples with the same note repeated, which were neither musical nor reflective of trajectory data. The GMM approach had roughly the same success as the LSTM, but cannot truly be considered music generation, as it sampled snippets from composed pieces. T</a:t>
+            </a:r>
+            <a:r>
+              <a:rPr lang="en-US" sz="3000" dirty="0" smtClean="0">
+                <a:solidFill>
+                  <a:schemeClr val="tx1">
+                    <a:lumMod val="85000"/>
+                    <a:lumOff val="15000"/>
+                  </a:schemeClr>
+                </a:solidFill>
+                <a:latin typeface="Calibri" charset="0"/>
+                <a:ea typeface="Calibri" charset="0"/>
+                <a:cs typeface="Calibri" charset="0"/>
+              </a:rPr>
+              <a:t>o </a:t>
+            </a:r>
+            <a:r>
+              <a:rPr lang="en-US" sz="3000" dirty="0">
+                <a:solidFill>
+                  <a:schemeClr val="tx1">
+                    <a:lumMod val="85000"/>
+                    <a:lumOff val="15000"/>
+                  </a:schemeClr>
+                </a:solidFill>
+                <a:latin typeface="Calibri" charset="0"/>
+                <a:ea typeface="Calibri" charset="0"/>
+                <a:cs typeface="Calibri" charset="0"/>
+              </a:rPr>
+              <a:t>more fully analyze the success of the models in achieving both goals outlined, we would need a survey with a much larger sample size both in number participants and number of audio clips.</a:t>
+            </a:r>
+          </a:p>
+        </p:txBody>
+      </p:sp>
+      <p:pic>
+        <p:nvPicPr>
+          <p:cNvPr id="20" name="Picture 19"/>
+          <p:cNvPicPr>
+            <a:picLocks noChangeAspect="1"/>
+          </p:cNvPicPr>
+          <p:nvPr/>
+        </p:nvPicPr>
+        <p:blipFill>
+          <a:blip r:embed="rId14">
+            <a:extLst>
+              <a:ext uri="{28A0092B-C50C-407E-A947-70E740481C1C}">
+                <a14:useLocalDpi xmlns:a14="http://schemas.microsoft.com/office/drawing/2010/main" val="0"/>
+              </a:ext>
+            </a:extLst>
+          </a:blip>
+          <a:stretch>
+            <a:fillRect/>
+          </a:stretch>
+        </p:blipFill>
+        <p:spPr>
+          <a:xfrm>
+            <a:off x="12089425" y="10924814"/>
+            <a:ext cx="6577777" cy="1559387"/>
+          </a:xfrm>
+          <a:prstGeom prst="rect">
+            <a:avLst/>
+          </a:prstGeom>
+        </p:spPr>
+      </p:pic>
+      <p:pic>
+        <p:nvPicPr>
+          <p:cNvPr id="21" name="Picture 20"/>
+          <p:cNvPicPr>
+            <a:picLocks noChangeAspect="1"/>
+          </p:cNvPicPr>
+          <p:nvPr/>
+        </p:nvPicPr>
+        <p:blipFill>
+          <a:blip r:embed="rId15">
+            <a:extLst>
+              <a:ext uri="{28A0092B-C50C-407E-A947-70E740481C1C}">
+                <a14:useLocalDpi xmlns:a14="http://schemas.microsoft.com/office/drawing/2010/main" val="0"/>
+              </a:ext>
+            </a:extLst>
+          </a:blip>
+          <a:stretch>
+            <a:fillRect/>
+          </a:stretch>
+        </p:blipFill>
+        <p:spPr>
+          <a:xfrm>
+            <a:off x="11424672" y="18214146"/>
+            <a:ext cx="3517120" cy="486106"/>
+          </a:xfrm>
+          <a:prstGeom prst="rect">
+            <a:avLst/>
+          </a:prstGeom>
+        </p:spPr>
+      </p:pic>
+      <p:pic>
+        <p:nvPicPr>
+          <p:cNvPr id="22" name="Picture 21"/>
+          <p:cNvPicPr>
+            <a:picLocks noChangeAspect="1"/>
+          </p:cNvPicPr>
+          <p:nvPr/>
+        </p:nvPicPr>
+        <p:blipFill>
+          <a:blip r:embed="rId16">
+            <a:extLst>
+              <a:ext uri="{28A0092B-C50C-407E-A947-70E740481C1C}">
+                <a14:useLocalDpi xmlns:a14="http://schemas.microsoft.com/office/drawing/2010/main" val="0"/>
+              </a:ext>
+            </a:extLst>
+          </a:blip>
+          <a:stretch>
+            <a:fillRect/>
+          </a:stretch>
+        </p:blipFill>
+        <p:spPr>
+          <a:xfrm>
+            <a:off x="11506348" y="18687908"/>
+            <a:ext cx="3456780" cy="825500"/>
+          </a:xfrm>
+          <a:prstGeom prst="rect">
+            <a:avLst/>
+          </a:prstGeom>
+        </p:spPr>
+      </p:pic>
+      <p:pic>
+        <p:nvPicPr>
+          <p:cNvPr id="23" name="Picture 22"/>
+          <p:cNvPicPr>
+            <a:picLocks noChangeAspect="1"/>
+          </p:cNvPicPr>
+          <p:nvPr/>
+        </p:nvPicPr>
+        <p:blipFill>
+          <a:blip r:embed="rId17">
+            <a:extLst>
+              <a:ext uri="{28A0092B-C50C-407E-A947-70E740481C1C}">
+                <a14:useLocalDpi xmlns:a14="http://schemas.microsoft.com/office/drawing/2010/main" val="0"/>
+              </a:ext>
+            </a:extLst>
+          </a:blip>
+          <a:stretch>
+            <a:fillRect/>
+          </a:stretch>
+        </p:blipFill>
+        <p:spPr>
+          <a:xfrm>
+            <a:off x="11479286" y="19569634"/>
+            <a:ext cx="3077535" cy="762575"/>
+          </a:xfrm>
+          <a:prstGeom prst="rect">
+            <a:avLst/>
+          </a:prstGeom>
+        </p:spPr>
+      </p:pic>
+      <p:sp>
+        <p:nvSpPr>
+          <p:cNvPr id="24" name="TextBox 23"/>
+          <p:cNvSpPr txBox="1"/>
+          <p:nvPr/>
+        </p:nvSpPr>
+        <p:spPr>
+          <a:xfrm>
+            <a:off x="12189515" y="27719124"/>
+            <a:ext cx="6531154" cy="830997"/>
+          </a:xfrm>
+          <a:prstGeom prst="rect">
+            <a:avLst/>
+          </a:prstGeom>
+          <a:noFill/>
+        </p:spPr>
+        <p:txBody>
+          <a:bodyPr wrap="square" rtlCol="0">
+            <a:spAutoFit/>
+          </a:bodyPr>
+          <a:lstStyle/>
+          <a:p>
+            <a:r>
+              <a:rPr lang="en-US" sz="2400" i="1" dirty="0" smtClean="0">
+                <a:solidFill>
+                  <a:schemeClr val="tx1">
+                    <a:lumMod val="85000"/>
+                    <a:lumOff val="15000"/>
+                  </a:schemeClr>
+                </a:solidFill>
+              </a:rPr>
+              <a:t>Survey results with </a:t>
+            </a:r>
+            <a:r>
+              <a:rPr lang="en-US" sz="2400" i="1" dirty="0">
+                <a:solidFill>
+                  <a:schemeClr val="tx1">
+                    <a:lumMod val="85000"/>
+                    <a:lumOff val="15000"/>
+                  </a:schemeClr>
+                </a:solidFill>
+              </a:rPr>
+              <a:t>40 participants showing </a:t>
+            </a:r>
+            <a:r>
+              <a:rPr lang="en-US" sz="2400" i="1" dirty="0" smtClean="0">
+                <a:solidFill>
+                  <a:schemeClr val="tx1">
+                    <a:lumMod val="85000"/>
+                    <a:lumOff val="15000"/>
+                  </a:schemeClr>
+                </a:solidFill>
+              </a:rPr>
+              <a:t>% </a:t>
+            </a:r>
+            <a:r>
+              <a:rPr lang="en-US" sz="2400" i="1" dirty="0">
+                <a:solidFill>
+                  <a:schemeClr val="tx1">
+                    <a:lumMod val="85000"/>
+                    <a:lumOff val="15000"/>
+                  </a:schemeClr>
+                </a:solidFill>
+              </a:rPr>
+              <a:t>responding the sample was composed by a human.</a:t>
+            </a:r>
+          </a:p>
+        </p:txBody>
+      </p:sp>
+      <p:sp>
+        <p:nvSpPr>
+          <p:cNvPr id="25" name="TextBox 24"/>
+          <p:cNvSpPr txBox="1"/>
+          <p:nvPr/>
+        </p:nvSpPr>
+        <p:spPr>
+          <a:xfrm>
+            <a:off x="802763" y="5876266"/>
+            <a:ext cx="9195809" cy="9535687"/>
+          </a:xfrm>
+          <a:prstGeom prst="rect">
+            <a:avLst/>
+          </a:prstGeom>
+          <a:noFill/>
+        </p:spPr>
+        <p:txBody>
+          <a:bodyPr wrap="square" rtlCol="0">
+            <a:spAutoFit/>
+          </a:bodyPr>
+          <a:lstStyle/>
+          <a:p>
+            <a:pPr algn="just">
+              <a:lnSpc>
+                <a:spcPct val="114000"/>
+              </a:lnSpc>
+            </a:pPr>
+            <a:r>
+              <a:rPr lang="en-US" sz="3000" dirty="0">
+                <a:solidFill>
+                  <a:schemeClr val="tx1">
+                    <a:lumMod val="85000"/>
+                    <a:lumOff val="15000"/>
+                  </a:schemeClr>
+                </a:solidFill>
+              </a:rPr>
+              <a:t>O</a:t>
+            </a:r>
+            <a:r>
+              <a:rPr lang="en-US" sz="3000" dirty="0" smtClean="0">
+                <a:solidFill>
+                  <a:schemeClr val="tx1">
+                    <a:lumMod val="85000"/>
+                    <a:lumOff val="15000"/>
+                  </a:schemeClr>
+                </a:solidFill>
+              </a:rPr>
+              <a:t>ur </a:t>
+            </a:r>
+            <a:r>
+              <a:rPr lang="en-US" sz="3000" dirty="0">
+                <a:solidFill>
+                  <a:schemeClr val="tx1">
+                    <a:lumMod val="85000"/>
+                    <a:lumOff val="15000"/>
+                  </a:schemeClr>
+                </a:solidFill>
+              </a:rPr>
+              <a:t>goal is to translate simulation data into a musical </a:t>
+            </a:r>
+            <a:r>
+              <a:rPr lang="en-US" sz="3000" dirty="0" smtClean="0">
+                <a:solidFill>
+                  <a:schemeClr val="tx1">
+                    <a:lumMod val="85000"/>
+                    <a:lumOff val="15000"/>
+                  </a:schemeClr>
+                </a:solidFill>
+              </a:rPr>
+              <a:t>form in order to present a different way to interact with data. Specifically</a:t>
+            </a:r>
+            <a:r>
+              <a:rPr lang="en-US" sz="3000" dirty="0">
+                <a:solidFill>
+                  <a:schemeClr val="tx1">
+                    <a:lumMod val="85000"/>
+                    <a:lumOff val="15000"/>
+                  </a:schemeClr>
+                </a:solidFill>
+              </a:rPr>
+              <a:t>, the goals are 1) to </a:t>
+            </a:r>
+            <a:r>
+              <a:rPr lang="en-US" sz="3000" b="1" dirty="0">
+                <a:solidFill>
+                  <a:schemeClr val="tx1">
+                    <a:lumMod val="85000"/>
+                    <a:lumOff val="15000"/>
+                  </a:schemeClr>
+                </a:solidFill>
+              </a:rPr>
+              <a:t>generate music</a:t>
+            </a:r>
+            <a:r>
+              <a:rPr lang="en-US" sz="3000" dirty="0">
+                <a:solidFill>
+                  <a:schemeClr val="tx1">
+                    <a:lumMod val="85000"/>
+                    <a:lumOff val="15000"/>
+                  </a:schemeClr>
+                </a:solidFill>
+              </a:rPr>
+              <a:t>, i.e. melodies that are indistinguishable from those composed by humans, and 2) to have </a:t>
+            </a:r>
+            <a:r>
+              <a:rPr lang="en-US" sz="3000" dirty="0" smtClean="0">
+                <a:solidFill>
+                  <a:schemeClr val="tx1">
+                    <a:lumMod val="85000"/>
+                    <a:lumOff val="15000"/>
+                  </a:schemeClr>
+                </a:solidFill>
+              </a:rPr>
+              <a:t>those melodies </a:t>
+            </a:r>
+            <a:r>
+              <a:rPr lang="en-US" sz="3000" b="1" dirty="0" smtClean="0">
+                <a:solidFill>
+                  <a:schemeClr val="tx1">
+                    <a:lumMod val="85000"/>
+                    <a:lumOff val="15000"/>
+                  </a:schemeClr>
+                </a:solidFill>
+              </a:rPr>
+              <a:t>reflect </a:t>
+            </a:r>
+            <a:r>
+              <a:rPr lang="en-US" sz="3000" b="1" dirty="0">
+                <a:solidFill>
+                  <a:schemeClr val="tx1">
+                    <a:lumMod val="85000"/>
+                    <a:lumOff val="15000"/>
+                  </a:schemeClr>
+                </a:solidFill>
+              </a:rPr>
+              <a:t>trends in the underlying data</a:t>
+            </a:r>
+            <a:r>
+              <a:rPr lang="en-US" sz="3000" dirty="0" smtClean="0">
+                <a:solidFill>
+                  <a:schemeClr val="tx1">
+                    <a:lumMod val="85000"/>
+                    <a:lumOff val="15000"/>
+                  </a:schemeClr>
+                </a:solidFill>
+              </a:rPr>
+              <a:t>.</a:t>
+            </a:r>
+          </a:p>
+          <a:p>
+            <a:pPr algn="just">
+              <a:lnSpc>
+                <a:spcPct val="114000"/>
+              </a:lnSpc>
+            </a:pPr>
+            <a:endParaRPr lang="en-US" sz="3000" dirty="0">
+              <a:solidFill>
+                <a:schemeClr val="tx1">
+                  <a:lumMod val="85000"/>
+                  <a:lumOff val="15000"/>
+                </a:schemeClr>
+              </a:solidFill>
+            </a:endParaRPr>
+          </a:p>
+          <a:p>
+            <a:pPr algn="just">
+              <a:lnSpc>
+                <a:spcPct val="114000"/>
+              </a:lnSpc>
+            </a:pPr>
+            <a:r>
+              <a:rPr lang="en-US" sz="3000" dirty="0" smtClean="0">
+                <a:solidFill>
+                  <a:schemeClr val="tx1">
+                    <a:lumMod val="85000"/>
+                    <a:lumOff val="15000"/>
+                  </a:schemeClr>
+                </a:solidFill>
+              </a:rPr>
+              <a:t>We take </a:t>
+            </a:r>
+            <a:r>
+              <a:rPr lang="en-US" sz="3000" dirty="0">
+                <a:solidFill>
+                  <a:schemeClr val="tx1">
+                    <a:lumMod val="85000"/>
+                    <a:lumOff val="15000"/>
+                  </a:schemeClr>
+                </a:solidFill>
+              </a:rPr>
+              <a:t>two </a:t>
+            </a:r>
+            <a:r>
+              <a:rPr lang="en-US" sz="3000" dirty="0" smtClean="0">
+                <a:solidFill>
+                  <a:schemeClr val="tx1">
+                    <a:lumMod val="85000"/>
+                    <a:lumOff val="15000"/>
+                  </a:schemeClr>
+                </a:solidFill>
+              </a:rPr>
+              <a:t>approaches</a:t>
+            </a:r>
+            <a:r>
+              <a:rPr lang="en-US" sz="3000" dirty="0">
+                <a:solidFill>
+                  <a:schemeClr val="tx1">
+                    <a:lumMod val="85000"/>
+                    <a:lumOff val="15000"/>
+                  </a:schemeClr>
+                </a:solidFill>
+              </a:rPr>
+              <a:t>:</a:t>
+            </a:r>
+            <a:r>
+              <a:rPr lang="en-US" sz="3000" dirty="0" smtClean="0">
+                <a:solidFill>
+                  <a:schemeClr val="tx1">
+                    <a:lumMod val="85000"/>
+                    <a:lumOff val="15000"/>
+                  </a:schemeClr>
+                </a:solidFill>
+              </a:rPr>
+              <a:t> 1) </a:t>
+            </a:r>
+            <a:r>
+              <a:rPr lang="en-US" sz="3000" dirty="0">
+                <a:solidFill>
+                  <a:schemeClr val="tx1">
+                    <a:lumMod val="85000"/>
+                    <a:lumOff val="15000"/>
+                  </a:schemeClr>
+                </a:solidFill>
+              </a:rPr>
+              <a:t>W</a:t>
+            </a:r>
+            <a:r>
+              <a:rPr lang="en-US" sz="3000" dirty="0" smtClean="0">
+                <a:solidFill>
+                  <a:schemeClr val="tx1">
+                    <a:lumMod val="85000"/>
+                    <a:lumOff val="15000"/>
+                  </a:schemeClr>
+                </a:solidFill>
+              </a:rPr>
+              <a:t>e </a:t>
+            </a:r>
+            <a:r>
+              <a:rPr lang="en-US" sz="3000" dirty="0">
+                <a:solidFill>
+                  <a:schemeClr val="tx1">
+                    <a:lumMod val="85000"/>
+                    <a:lumOff val="15000"/>
+                  </a:schemeClr>
+                </a:solidFill>
+              </a:rPr>
+              <a:t>use a supervised model (either </a:t>
+            </a:r>
+            <a:r>
+              <a:rPr lang="en-US" sz="3000" b="1" dirty="0" err="1">
+                <a:solidFill>
+                  <a:schemeClr val="tx1">
+                    <a:lumMod val="85000"/>
+                    <a:lumOff val="15000"/>
+                  </a:schemeClr>
+                </a:solidFill>
+              </a:rPr>
+              <a:t>softmax</a:t>
+            </a:r>
+            <a:r>
+              <a:rPr lang="en-US" sz="3000" b="1" dirty="0">
+                <a:solidFill>
+                  <a:schemeClr val="tx1">
+                    <a:lumMod val="85000"/>
+                    <a:lumOff val="15000"/>
+                  </a:schemeClr>
+                </a:solidFill>
+              </a:rPr>
+              <a:t> regression </a:t>
+            </a:r>
+            <a:r>
+              <a:rPr lang="en-US" sz="3000" dirty="0">
+                <a:solidFill>
+                  <a:schemeClr val="tx1">
+                    <a:lumMod val="85000"/>
+                    <a:lumOff val="15000"/>
+                  </a:schemeClr>
+                </a:solidFill>
+              </a:rPr>
+              <a:t>or an </a:t>
+            </a:r>
+            <a:r>
+              <a:rPr lang="en-US" sz="3000" b="1" dirty="0">
+                <a:solidFill>
+                  <a:schemeClr val="tx1">
+                    <a:lumMod val="85000"/>
+                    <a:lumOff val="15000"/>
+                  </a:schemeClr>
+                </a:solidFill>
+              </a:rPr>
+              <a:t>LSTM RNN </a:t>
+            </a:r>
+            <a:r>
+              <a:rPr lang="en-US" sz="3000" dirty="0">
+                <a:solidFill>
+                  <a:schemeClr val="tx1">
+                    <a:lumMod val="85000"/>
+                    <a:lumOff val="15000"/>
+                  </a:schemeClr>
+                </a:solidFill>
+              </a:rPr>
+              <a:t>trained on composed melodies) to predict the next note in a song, biased by the trajectory </a:t>
+            </a:r>
+            <a:r>
+              <a:rPr lang="en-US" sz="3000" dirty="0" smtClean="0">
+                <a:solidFill>
+                  <a:schemeClr val="tx1">
+                    <a:lumMod val="85000"/>
+                    <a:lumOff val="15000"/>
+                  </a:schemeClr>
+                </a:solidFill>
+              </a:rPr>
+              <a:t>values. 2) We cluster </a:t>
+            </a:r>
+            <a:r>
+              <a:rPr lang="en-US" sz="3000" dirty="0">
+                <a:solidFill>
+                  <a:schemeClr val="tx1">
+                    <a:lumMod val="85000"/>
+                    <a:lumOff val="15000"/>
+                  </a:schemeClr>
+                </a:solidFill>
+              </a:rPr>
+              <a:t>snippets of a trajectory using a Gaussian Mixture Model (</a:t>
+            </a:r>
+            <a:r>
+              <a:rPr lang="en-US" sz="3000" b="1" dirty="0">
+                <a:solidFill>
+                  <a:schemeClr val="tx1">
+                    <a:lumMod val="85000"/>
+                    <a:lumOff val="15000"/>
+                  </a:schemeClr>
+                </a:solidFill>
+              </a:rPr>
+              <a:t>GMM</a:t>
+            </a:r>
+            <a:r>
+              <a:rPr lang="en-US" sz="3000" dirty="0">
+                <a:solidFill>
+                  <a:schemeClr val="tx1">
+                    <a:lumMod val="85000"/>
+                    <a:lumOff val="15000"/>
+                  </a:schemeClr>
+                </a:solidFill>
+              </a:rPr>
+              <a:t>) with the EM algorithm to discover motifs within a trajectory, then match these motifs to similar ones from a composed </a:t>
+            </a:r>
+            <a:r>
+              <a:rPr lang="en-US" sz="3000" dirty="0" smtClean="0">
+                <a:solidFill>
+                  <a:schemeClr val="tx1">
+                    <a:lumMod val="85000"/>
+                    <a:lumOff val="15000"/>
+                  </a:schemeClr>
+                </a:solidFill>
+              </a:rPr>
+              <a:t>melody. </a:t>
+            </a:r>
+          </a:p>
+          <a:p>
+            <a:pPr algn="just">
+              <a:lnSpc>
+                <a:spcPct val="114000"/>
+              </a:lnSpc>
+            </a:pPr>
+            <a:endParaRPr lang="en-US" sz="3000" dirty="0">
+              <a:solidFill>
+                <a:schemeClr val="tx1">
+                  <a:lumMod val="85000"/>
+                  <a:lumOff val="15000"/>
+                </a:schemeClr>
+              </a:solidFill>
+            </a:endParaRPr>
+          </a:p>
+          <a:p>
+            <a:pPr algn="just">
+              <a:lnSpc>
+                <a:spcPct val="114000"/>
+              </a:lnSpc>
+            </a:pPr>
+            <a:r>
+              <a:rPr lang="en-US" sz="3000" dirty="0" smtClean="0">
+                <a:solidFill>
+                  <a:schemeClr val="tx1">
+                    <a:lumMod val="85000"/>
+                    <a:lumOff val="15000"/>
+                  </a:schemeClr>
+                </a:solidFill>
+              </a:rPr>
+              <a:t>We </a:t>
+            </a:r>
+            <a:r>
+              <a:rPr lang="en-US" sz="3000" dirty="0">
+                <a:solidFill>
+                  <a:schemeClr val="tx1">
+                    <a:lumMod val="85000"/>
+                    <a:lumOff val="15000"/>
+                  </a:schemeClr>
+                </a:solidFill>
+              </a:rPr>
+              <a:t>evaluate the success of these approaches with a survey designed to assess the two goals of the </a:t>
+            </a:r>
+            <a:r>
+              <a:rPr lang="en-US" sz="3000" dirty="0" smtClean="0">
+                <a:solidFill>
+                  <a:schemeClr val="tx1">
+                    <a:lumMod val="85000"/>
+                    <a:lumOff val="15000"/>
+                  </a:schemeClr>
+                </a:solidFill>
+              </a:rPr>
+              <a:t>project.</a:t>
+            </a:r>
+            <a:endParaRPr lang="en-US" sz="3000" dirty="0">
+              <a:solidFill>
+                <a:schemeClr val="tx1">
+                  <a:lumMod val="85000"/>
+                  <a:lumOff val="15000"/>
+                </a:schemeClr>
+              </a:solidFill>
+            </a:endParaRPr>
+          </a:p>
+        </p:txBody>
+      </p:sp>
+      <p:sp>
+        <p:nvSpPr>
+          <p:cNvPr id="55" name="Rectangle: Rounded Corners 143"/>
+          <p:cNvSpPr/>
+          <p:nvPr/>
+        </p:nvSpPr>
+        <p:spPr>
+          <a:xfrm>
+            <a:off x="34427722" y="22441449"/>
+            <a:ext cx="8933828" cy="6257711"/>
+          </a:xfrm>
+          <a:prstGeom prst="roundRect">
+            <a:avLst>
+              <a:gd name="adj" fmla="val 7650"/>
+            </a:avLst>
+          </a:prstGeom>
+          <a:noFill/>
+          <a:ln w="127000">
+            <a:solidFill>
+              <a:schemeClr val="bg1">
+                <a:lumMod val="95000"/>
+              </a:schemeClr>
+            </a:solidFill>
+          </a:ln>
+        </p:spPr>
+        <p:style>
+          <a:lnRef idx="2">
+            <a:schemeClr val="accent1">
+              <a:shade val="50000"/>
+            </a:schemeClr>
+          </a:lnRef>
+          <a:fillRef idx="1">
+            <a:schemeClr val="accent1"/>
+          </a:fillRef>
+          <a:effectRef idx="0">
+            <a:schemeClr val="accent1"/>
+          </a:effectRef>
+          <a:fontRef idx="minor">
+            <a:schemeClr val="lt1"/>
+          </a:fontRef>
+        </p:style>
+        <p:txBody>
+          <a:bodyPr rtlCol="0" anchor="ctr"/>
+          <a:lstStyle/>
+          <a:p>
+            <a:pPr algn="just">
+              <a:lnSpc>
+                <a:spcPct val="150000"/>
+              </a:lnSpc>
+            </a:pPr>
+            <a:endParaRPr lang="en-US" sz="8800" dirty="0"/>
+          </a:p>
+        </p:txBody>
+      </p:sp>
+      <p:pic>
+        <p:nvPicPr>
+          <p:cNvPr id="26" name="Picture 25"/>
+          <p:cNvPicPr>
+            <a:picLocks noChangeAspect="1"/>
+          </p:cNvPicPr>
+          <p:nvPr/>
+        </p:nvPicPr>
+        <p:blipFill>
+          <a:blip r:embed="rId18">
+            <a:extLst>
+              <a:ext uri="{28A0092B-C50C-407E-A947-70E740481C1C}">
+                <a14:useLocalDpi xmlns:a14="http://schemas.microsoft.com/office/drawing/2010/main" val="0"/>
+              </a:ext>
+            </a:extLst>
+          </a:blip>
+          <a:stretch>
+            <a:fillRect/>
+          </a:stretch>
+        </p:blipFill>
+        <p:spPr>
+          <a:xfrm>
+            <a:off x="19535880" y="13975876"/>
+            <a:ext cx="4769520" cy="3179681"/>
+          </a:xfrm>
+          <a:prstGeom prst="rect">
+            <a:avLst/>
+          </a:prstGeom>
+        </p:spPr>
+      </p:pic>
+      <p:sp>
+        <p:nvSpPr>
+          <p:cNvPr id="57" name="Rectangle: Rounded Corners 143"/>
+          <p:cNvSpPr/>
+          <p:nvPr/>
+        </p:nvSpPr>
+        <p:spPr>
+          <a:xfrm>
+            <a:off x="11149833" y="6269607"/>
+            <a:ext cx="13567395" cy="14955899"/>
+          </a:xfrm>
+          <a:prstGeom prst="roundRect">
+            <a:avLst>
+              <a:gd name="adj" fmla="val 2102"/>
+            </a:avLst>
+          </a:prstGeom>
+          <a:noFill/>
+          <a:ln w="9525">
+            <a:solidFill>
+              <a:schemeClr val="bg1">
+                <a:lumMod val="85000"/>
+              </a:schemeClr>
+            </a:solidFill>
+          </a:ln>
+        </p:spPr>
+        <p:style>
+          <a:lnRef idx="2">
+            <a:schemeClr val="accent1">
+              <a:shade val="50000"/>
+            </a:schemeClr>
+          </a:lnRef>
+          <a:fillRef idx="1">
+            <a:schemeClr val="accent1"/>
+          </a:fillRef>
+          <a:effectRef idx="0">
+            <a:schemeClr val="accent1"/>
+          </a:effectRef>
+          <a:fontRef idx="minor">
+            <a:schemeClr val="lt1"/>
+          </a:fontRef>
+        </p:style>
+        <p:txBody>
+          <a:bodyPr rtlCol="0" anchor="ctr"/>
+          <a:lstStyle/>
+          <a:p>
+            <a:pPr algn="just">
+              <a:lnSpc>
+                <a:spcPct val="150000"/>
+              </a:lnSpc>
+            </a:pPr>
+            <a:endParaRPr lang="en-US" sz="8800" dirty="0"/>
+          </a:p>
+        </p:txBody>
+      </p:sp>
+      <p:sp>
+        <p:nvSpPr>
+          <p:cNvPr id="61" name="Rectangle: Rounded Corners 143"/>
+          <p:cNvSpPr/>
+          <p:nvPr/>
+        </p:nvSpPr>
+        <p:spPr>
+          <a:xfrm>
+            <a:off x="25280933" y="13761556"/>
+            <a:ext cx="8386984" cy="7463950"/>
+          </a:xfrm>
+          <a:prstGeom prst="roundRect">
+            <a:avLst>
+              <a:gd name="adj" fmla="val 2102"/>
+            </a:avLst>
+          </a:prstGeom>
+          <a:noFill/>
+          <a:ln w="9525">
+            <a:solidFill>
+              <a:schemeClr val="bg1">
+                <a:lumMod val="85000"/>
+              </a:schemeClr>
+            </a:solidFill>
+          </a:ln>
+        </p:spPr>
+        <p:style>
+          <a:lnRef idx="2">
+            <a:schemeClr val="accent1">
+              <a:shade val="50000"/>
+            </a:schemeClr>
+          </a:lnRef>
+          <a:fillRef idx="1">
+            <a:schemeClr val="accent1"/>
+          </a:fillRef>
+          <a:effectRef idx="0">
+            <a:schemeClr val="accent1"/>
+          </a:effectRef>
+          <a:fontRef idx="minor">
+            <a:schemeClr val="lt1"/>
+          </a:fontRef>
+        </p:style>
+        <p:txBody>
+          <a:bodyPr rtlCol="0" anchor="ctr"/>
+          <a:lstStyle/>
+          <a:p>
+            <a:pPr algn="just">
+              <a:lnSpc>
+                <a:spcPct val="150000"/>
+              </a:lnSpc>
+            </a:pPr>
+            <a:endParaRPr lang="en-US" sz="8800" dirty="0"/>
+          </a:p>
+        </p:txBody>
+      </p:sp>
+      <p:sp>
+        <p:nvSpPr>
+          <p:cNvPr id="62" name="TextBox 61"/>
+          <p:cNvSpPr txBox="1"/>
+          <p:nvPr/>
+        </p:nvSpPr>
+        <p:spPr>
+          <a:xfrm>
+            <a:off x="26593968" y="7166773"/>
+            <a:ext cx="6846055" cy="646331"/>
+          </a:xfrm>
+          <a:prstGeom prst="rect">
+            <a:avLst/>
+          </a:prstGeom>
+          <a:noFill/>
+        </p:spPr>
+        <p:txBody>
+          <a:bodyPr wrap="square" rtlCol="0">
+            <a:spAutoFit/>
+          </a:bodyPr>
+          <a:lstStyle/>
+          <a:p>
+            <a:pPr algn="ctr"/>
+            <a:r>
+              <a:rPr lang="en-US" sz="3600" dirty="0" smtClean="0">
+                <a:solidFill>
+                  <a:schemeClr val="tx1">
+                    <a:lumMod val="75000"/>
+                    <a:lumOff val="25000"/>
+                  </a:schemeClr>
+                </a:solidFill>
+                <a:latin typeface="Calibri" panose="020F0502020204030204" pitchFamily="34" charset="0"/>
+              </a:rPr>
+              <a:t>Music generation from trajectory:</a:t>
+            </a:r>
+            <a:endParaRPr lang="en-US" sz="3600" dirty="0">
+              <a:solidFill>
+                <a:schemeClr val="tx1">
+                  <a:lumMod val="75000"/>
+                  <a:lumOff val="25000"/>
+                </a:schemeClr>
+              </a:solidFill>
+              <a:latin typeface="Calibri" panose="020F0502020204030204" pitchFamily="34" charset="0"/>
+            </a:endParaRPr>
+          </a:p>
+        </p:txBody>
+      </p:sp>
+      <p:sp>
+        <p:nvSpPr>
+          <p:cNvPr id="63" name="TextBox 62"/>
+          <p:cNvSpPr txBox="1"/>
+          <p:nvPr/>
+        </p:nvSpPr>
+        <p:spPr>
+          <a:xfrm>
+            <a:off x="11211148" y="23030212"/>
+            <a:ext cx="7903053" cy="707886"/>
+          </a:xfrm>
+          <a:prstGeom prst="rect">
+            <a:avLst/>
+          </a:prstGeom>
+          <a:noFill/>
+        </p:spPr>
+        <p:txBody>
+          <a:bodyPr wrap="square" rtlCol="0">
+            <a:spAutoFit/>
+          </a:bodyPr>
+          <a:lstStyle/>
+          <a:p>
+            <a:r>
+              <a:rPr lang="en-US" sz="4000" i="1" dirty="0" smtClean="0">
+                <a:solidFill>
+                  <a:srgbClr val="A80C30"/>
+                </a:solidFill>
+                <a:latin typeface="Calibri" panose="020F0502020204030204" pitchFamily="34" charset="0"/>
+              </a:rPr>
+              <a:t>Goal 1: Turing test</a:t>
+            </a:r>
+            <a:endParaRPr lang="en-US" sz="4000" i="1" dirty="0">
+              <a:solidFill>
+                <a:srgbClr val="A80C30"/>
+              </a:solidFill>
+              <a:latin typeface="Calibri" panose="020F0502020204030204" pitchFamily="34" charset="0"/>
+            </a:endParaRPr>
+          </a:p>
+        </p:txBody>
+      </p:sp>
+      <p:sp>
+        <p:nvSpPr>
+          <p:cNvPr id="64" name="TextBox 63"/>
+          <p:cNvSpPr txBox="1"/>
+          <p:nvPr/>
+        </p:nvSpPr>
+        <p:spPr>
+          <a:xfrm>
+            <a:off x="19912822" y="22972200"/>
+            <a:ext cx="12594829" cy="707886"/>
+          </a:xfrm>
+          <a:prstGeom prst="rect">
+            <a:avLst/>
+          </a:prstGeom>
+          <a:noFill/>
+        </p:spPr>
+        <p:txBody>
+          <a:bodyPr wrap="square" rtlCol="0">
+            <a:spAutoFit/>
+          </a:bodyPr>
+          <a:lstStyle/>
+          <a:p>
+            <a:r>
+              <a:rPr lang="en-US" sz="4000" i="1" dirty="0" smtClean="0">
+                <a:solidFill>
+                  <a:srgbClr val="A80C30"/>
+                </a:solidFill>
+                <a:latin typeface="Calibri" panose="020F0502020204030204" pitchFamily="34" charset="0"/>
+              </a:rPr>
+              <a:t>Goal 2: matching generated music to trajectory</a:t>
+            </a:r>
+            <a:endParaRPr lang="en-US" sz="4000" i="1" dirty="0">
+              <a:solidFill>
+                <a:srgbClr val="A80C30"/>
+              </a:solidFill>
+              <a:latin typeface="Calibri" panose="020F0502020204030204" pitchFamily="34" charset="0"/>
+            </a:endParaRPr>
+          </a:p>
+        </p:txBody>
+      </p:sp>
+      <p:sp>
+        <p:nvSpPr>
+          <p:cNvPr id="65" name="TextBox 64"/>
+          <p:cNvSpPr txBox="1"/>
+          <p:nvPr/>
+        </p:nvSpPr>
+        <p:spPr>
+          <a:xfrm>
+            <a:off x="29485452" y="27703487"/>
+            <a:ext cx="4150934" cy="830997"/>
+          </a:xfrm>
+          <a:prstGeom prst="rect">
+            <a:avLst/>
+          </a:prstGeom>
+          <a:noFill/>
+        </p:spPr>
+        <p:txBody>
+          <a:bodyPr wrap="square" rtlCol="0">
+            <a:spAutoFit/>
+          </a:bodyPr>
+          <a:lstStyle/>
+          <a:p>
+            <a:r>
+              <a:rPr lang="en-US" sz="2400" i="1" dirty="0" smtClean="0">
+                <a:solidFill>
+                  <a:schemeClr val="tx1">
+                    <a:lumMod val="85000"/>
+                    <a:lumOff val="15000"/>
+                  </a:schemeClr>
+                </a:solidFill>
+              </a:rPr>
+              <a:t>Percentage of participants matching correct trajectory</a:t>
+            </a:r>
+            <a:endParaRPr lang="en-US" sz="2400" i="1" dirty="0">
+              <a:solidFill>
+                <a:schemeClr val="tx1">
+                  <a:lumMod val="85000"/>
+                  <a:lumOff val="15000"/>
+                </a:schemeClr>
+              </a:solidFill>
+            </a:endParaRPr>
+          </a:p>
+        </p:txBody>
+      </p:sp>
+      <p:cxnSp>
+        <p:nvCxnSpPr>
+          <p:cNvPr id="51" name="Straight Arrow Connector 50"/>
+          <p:cNvCxnSpPr/>
+          <p:nvPr/>
+        </p:nvCxnSpPr>
+        <p:spPr>
+          <a:xfrm>
+            <a:off x="2681031" y="21584035"/>
+            <a:ext cx="5137899" cy="0"/>
+          </a:xfrm>
+          <a:prstGeom prst="straightConnector1">
+            <a:avLst/>
+          </a:prstGeom>
+          <a:ln w="63500">
+            <a:solidFill>
+              <a:srgbClr val="A80C30"/>
+            </a:solidFill>
+            <a:headEnd type="triangle"/>
+            <a:tailEnd type="triangle"/>
+          </a:ln>
+        </p:spPr>
+        <p:style>
+          <a:lnRef idx="1">
+            <a:schemeClr val="dk1"/>
+          </a:lnRef>
+          <a:fillRef idx="0">
+            <a:schemeClr val="dk1"/>
+          </a:fillRef>
+          <a:effectRef idx="0">
+            <a:schemeClr val="dk1"/>
+          </a:effectRef>
+          <a:fontRef idx="minor">
+            <a:schemeClr val="tx1"/>
+          </a:fontRef>
+        </p:style>
+      </p:cxnSp>
+      <p:cxnSp>
+        <p:nvCxnSpPr>
+          <p:cNvPr id="56" name="Straight Arrow Connector 55"/>
+          <p:cNvCxnSpPr/>
+          <p:nvPr/>
+        </p:nvCxnSpPr>
+        <p:spPr>
+          <a:xfrm flipV="1">
+            <a:off x="24717228" y="12384324"/>
+            <a:ext cx="1381861" cy="1205776"/>
+          </a:xfrm>
+          <a:prstGeom prst="straightConnector1">
+            <a:avLst/>
+          </a:prstGeom>
+          <a:ln w="63500">
+            <a:solidFill>
+              <a:srgbClr val="A80C30"/>
+            </a:solidFill>
+            <a:headEnd w="lg" len="lg"/>
+            <a:tailEnd type="stealth"/>
+          </a:ln>
+        </p:spPr>
+        <p:style>
+          <a:lnRef idx="1">
+            <a:schemeClr val="accent1"/>
+          </a:lnRef>
+          <a:fillRef idx="0">
+            <a:schemeClr val="accent1"/>
+          </a:fillRef>
+          <a:effectRef idx="0">
+            <a:schemeClr val="accent1"/>
+          </a:effectRef>
+          <a:fontRef idx="minor">
+            <a:schemeClr val="tx1"/>
+          </a:fontRef>
+        </p:style>
+      </p:cxnSp>
+      <p:cxnSp>
+        <p:nvCxnSpPr>
+          <p:cNvPr id="75" name="Straight Arrow Connector 74"/>
+          <p:cNvCxnSpPr/>
+          <p:nvPr/>
+        </p:nvCxnSpPr>
+        <p:spPr>
+          <a:xfrm>
+            <a:off x="24787949" y="6410776"/>
+            <a:ext cx="1311140" cy="924268"/>
+          </a:xfrm>
+          <a:prstGeom prst="straightConnector1">
+            <a:avLst/>
+          </a:prstGeom>
+          <a:ln w="63500">
+            <a:solidFill>
+              <a:srgbClr val="A80C30"/>
+            </a:solidFill>
+            <a:headEnd w="lg" len="lg"/>
+            <a:tailEnd type="stealth"/>
+          </a:ln>
+        </p:spPr>
+        <p:style>
+          <a:lnRef idx="1">
+            <a:schemeClr val="accent1"/>
+          </a:lnRef>
+          <a:fillRef idx="0">
+            <a:schemeClr val="accent1"/>
+          </a:fillRef>
+          <a:effectRef idx="0">
+            <a:schemeClr val="accent1"/>
+          </a:effectRef>
+          <a:fontRef idx="minor">
+            <a:schemeClr val="tx1"/>
+          </a:fontRef>
+        </p:style>
+      </p:cxnSp>
+      <p:sp>
+        <p:nvSpPr>
+          <p:cNvPr id="70" name="TextBox 69"/>
+          <p:cNvSpPr txBox="1"/>
+          <p:nvPr/>
+        </p:nvSpPr>
+        <p:spPr>
+          <a:xfrm>
+            <a:off x="34817285" y="23533700"/>
+            <a:ext cx="8305592" cy="4832092"/>
+          </a:xfrm>
+          <a:prstGeom prst="rect">
+            <a:avLst/>
+          </a:prstGeom>
+          <a:noFill/>
+        </p:spPr>
+        <p:txBody>
+          <a:bodyPr wrap="square" rtlCol="0">
+            <a:spAutoFit/>
+          </a:bodyPr>
+          <a:lstStyle/>
+          <a:p>
+            <a:r>
+              <a:rPr lang="en-US" sz="2800" dirty="0" smtClean="0"/>
+              <a:t>[1] Weir</a:t>
+            </a:r>
+            <a:r>
+              <a:rPr lang="en-US" sz="2800" dirty="0"/>
+              <a:t>, H., Williams, M., Parrish, R., and Martinez, </a:t>
+            </a:r>
+            <a:r>
+              <a:rPr lang="en-US" sz="2800" dirty="0" smtClean="0"/>
+              <a:t>T.J. </a:t>
+            </a:r>
+            <a:r>
+              <a:rPr lang="en-US" sz="2800" dirty="0" err="1" smtClean="0"/>
+              <a:t>Nonadiabatic</a:t>
+            </a:r>
+            <a:r>
+              <a:rPr lang="en-US" sz="2800" dirty="0" smtClean="0"/>
+              <a:t> </a:t>
+            </a:r>
+            <a:r>
+              <a:rPr lang="en-US" sz="2800" dirty="0"/>
+              <a:t>dynamics of </a:t>
+            </a:r>
+            <a:r>
+              <a:rPr lang="en-US" sz="2800" dirty="0" err="1"/>
+              <a:t>photoexcited</a:t>
+            </a:r>
+            <a:r>
+              <a:rPr lang="en-US" sz="2800" dirty="0"/>
+              <a:t> cis-Stilbene </a:t>
+            </a:r>
+            <a:r>
+              <a:rPr lang="en-US" sz="2800" dirty="0" smtClean="0"/>
+              <a:t>using </a:t>
+            </a:r>
+            <a:r>
+              <a:rPr lang="en-US" sz="2800" dirty="0"/>
+              <a:t>ab initio multiple </a:t>
+            </a:r>
+            <a:r>
+              <a:rPr lang="en-US" sz="2800" dirty="0" smtClean="0"/>
+              <a:t>spawning. </a:t>
+            </a:r>
+            <a:r>
+              <a:rPr lang="en-US" sz="2800" i="1" dirty="0" smtClean="0"/>
+              <a:t>In </a:t>
+            </a:r>
+            <a:r>
+              <a:rPr lang="en-US" sz="2800" i="1" dirty="0"/>
+              <a:t>prep</a:t>
+            </a:r>
+            <a:r>
+              <a:rPr lang="en-US" sz="2800" dirty="0" smtClean="0"/>
+              <a:t>. (</a:t>
+            </a:r>
+            <a:r>
+              <a:rPr lang="en-US" sz="2800" dirty="0"/>
+              <a:t>2019</a:t>
+            </a:r>
+            <a:r>
+              <a:rPr lang="en-US" sz="2800" dirty="0" smtClean="0"/>
+              <a:t>).</a:t>
+            </a:r>
+          </a:p>
+          <a:p>
+            <a:r>
+              <a:rPr lang="en-US" sz="2800" dirty="0" smtClean="0"/>
+              <a:t>[2] Classical piano midi page. </a:t>
+            </a:r>
+            <a:r>
+              <a:rPr lang="en-US" sz="2800" dirty="0"/>
+              <a:t>Retrieved from http://</a:t>
+            </a:r>
+            <a:r>
+              <a:rPr lang="en-US" sz="2800" dirty="0" err="1"/>
+              <a:t>www.piano-midi.de</a:t>
+            </a:r>
+            <a:r>
+              <a:rPr lang="en-US" sz="2800" dirty="0" smtClean="0"/>
+              <a:t>/</a:t>
+            </a:r>
+            <a:endParaRPr lang="en-US" sz="2800" dirty="0"/>
+          </a:p>
+          <a:p>
+            <a:r>
+              <a:rPr lang="en-US" sz="2800" dirty="0" smtClean="0"/>
+              <a:t>[3] </a:t>
+            </a:r>
+            <a:r>
+              <a:rPr lang="en-US" sz="2800" dirty="0" err="1" smtClean="0"/>
+              <a:t>Skli</a:t>
+            </a:r>
+            <a:r>
+              <a:rPr lang="en-US" sz="2800" dirty="0"/>
+              <a:t>, </a:t>
+            </a:r>
+            <a:r>
+              <a:rPr lang="en-US" sz="2800" dirty="0" err="1"/>
+              <a:t>Sigurur</a:t>
+            </a:r>
+            <a:r>
+              <a:rPr lang="en-US" sz="2800" dirty="0"/>
+              <a:t>. How to Generate Music Using a LSTM</a:t>
+            </a:r>
+          </a:p>
+          <a:p>
+            <a:r>
+              <a:rPr lang="en-US" sz="2800" dirty="0"/>
+              <a:t>Neural Network in </a:t>
+            </a:r>
+            <a:r>
+              <a:rPr lang="en-US" sz="2800" dirty="0" err="1"/>
+              <a:t>Keras</a:t>
+            </a:r>
+            <a:r>
+              <a:rPr lang="en-US" sz="2800" dirty="0"/>
+              <a:t>. </a:t>
+            </a:r>
+            <a:r>
+              <a:rPr lang="en-US" sz="2800" dirty="0" smtClean="0"/>
+              <a:t>Data </a:t>
+            </a:r>
+            <a:r>
+              <a:rPr lang="en-US" sz="2800" dirty="0"/>
+              <a:t>Science, 7 Dec. </a:t>
+            </a:r>
+            <a:r>
+              <a:rPr lang="en-US" sz="2800" dirty="0" smtClean="0"/>
+              <a:t>2017. Retrieved from </a:t>
+            </a:r>
+            <a:r>
+              <a:rPr lang="en-US" sz="2800" dirty="0" err="1" smtClean="0"/>
+              <a:t>towardsdatascience.com</a:t>
+            </a:r>
+            <a:endParaRPr lang="en-US" sz="2800" dirty="0"/>
+          </a:p>
+          <a:p>
+            <a:r>
+              <a:rPr lang="en-US" sz="2800" dirty="0" smtClean="0"/>
+              <a:t> [4] </a:t>
+            </a:r>
+            <a:r>
+              <a:rPr lang="en-US" sz="2800" dirty="0" err="1" smtClean="0"/>
+              <a:t>Holzner</a:t>
+            </a:r>
+            <a:r>
+              <a:rPr lang="en-US" sz="2800" dirty="0" smtClean="0"/>
+              <a:t>, A. </a:t>
+            </a:r>
+            <a:r>
+              <a:rPr lang="en-US" sz="2800" dirty="0"/>
+              <a:t>LSTM Cells in </a:t>
+            </a:r>
+            <a:r>
+              <a:rPr lang="en-US" sz="2800" dirty="0" err="1" smtClean="0"/>
+              <a:t>Pytorch</a:t>
+            </a:r>
+            <a:r>
+              <a:rPr lang="en-US" sz="2800" dirty="0" smtClean="0"/>
+              <a:t>. </a:t>
+            </a:r>
+            <a:r>
+              <a:rPr lang="en-US" sz="2800" dirty="0"/>
+              <a:t>Retrieved from https://</a:t>
+            </a:r>
+            <a:r>
+              <a:rPr lang="en-US" sz="2800" dirty="0" err="1"/>
+              <a:t>medium.com</a:t>
+            </a:r>
+            <a:r>
+              <a:rPr lang="en-US" sz="2800" dirty="0"/>
+              <a:t>/@</a:t>
+            </a:r>
+            <a:r>
+              <a:rPr lang="en-US" sz="2800" dirty="0" err="1"/>
+              <a:t>andre.holzner</a:t>
+            </a:r>
+            <a:r>
+              <a:rPr lang="en-US" sz="2800" dirty="0"/>
+              <a:t>/lstm-cells-in-pytorch-fab924a78b1c</a:t>
+            </a:r>
+          </a:p>
+        </p:txBody>
+      </p:sp>
+      <p:sp>
+        <p:nvSpPr>
+          <p:cNvPr id="71" name="TextBox 70"/>
+          <p:cNvSpPr txBox="1"/>
+          <p:nvPr/>
+        </p:nvSpPr>
+        <p:spPr>
+          <a:xfrm>
+            <a:off x="1097130" y="18318364"/>
+            <a:ext cx="8777373" cy="2862322"/>
+          </a:xfrm>
+          <a:prstGeom prst="rect">
+            <a:avLst/>
+          </a:prstGeom>
+          <a:noFill/>
+        </p:spPr>
+        <p:txBody>
+          <a:bodyPr wrap="square" rtlCol="0">
+            <a:spAutoFit/>
+          </a:bodyPr>
+          <a:lstStyle/>
+          <a:p>
+            <a:pPr marL="457200" indent="-457200">
+              <a:buFont typeface="Arial" charset="0"/>
+              <a:buChar char="•"/>
+            </a:pPr>
+            <a:r>
+              <a:rPr lang="en-US" sz="3000" dirty="0" smtClean="0">
+                <a:solidFill>
+                  <a:schemeClr val="tx1">
+                    <a:lumMod val="85000"/>
+                    <a:lumOff val="15000"/>
+                  </a:schemeClr>
+                </a:solidFill>
+              </a:rPr>
+              <a:t>MIDI data format</a:t>
+            </a:r>
+          </a:p>
+          <a:p>
+            <a:pPr marL="457200" indent="-457200">
+              <a:buFont typeface="Arial" charset="0"/>
+              <a:buChar char="•"/>
+            </a:pPr>
+            <a:r>
+              <a:rPr lang="en-US" sz="3000" dirty="0" smtClean="0">
+                <a:solidFill>
+                  <a:schemeClr val="tx1">
+                    <a:lumMod val="85000"/>
+                    <a:lumOff val="15000"/>
+                  </a:schemeClr>
+                </a:solidFill>
+              </a:rPr>
+              <a:t>312 classical piano pieces</a:t>
+            </a:r>
+          </a:p>
+          <a:p>
+            <a:pPr marL="457200" indent="-457200">
+              <a:buFont typeface="Arial" charset="0"/>
+              <a:buChar char="•"/>
+            </a:pPr>
+            <a:r>
+              <a:rPr lang="en-US" sz="3000" dirty="0" smtClean="0">
+                <a:solidFill>
+                  <a:schemeClr val="tx1">
+                    <a:lumMod val="85000"/>
+                    <a:lumOff val="15000"/>
+                  </a:schemeClr>
+                </a:solidFill>
+              </a:rPr>
+              <a:t>93 piano pieces from Final Fantasy video game</a:t>
+            </a:r>
+          </a:p>
+          <a:p>
+            <a:pPr marL="457200" indent="-457200">
+              <a:buFont typeface="Arial" charset="0"/>
+              <a:buChar char="•"/>
+            </a:pPr>
+            <a:r>
+              <a:rPr lang="en-US" sz="3000" dirty="0" smtClean="0">
+                <a:solidFill>
+                  <a:schemeClr val="tx1">
+                    <a:lumMod val="85000"/>
+                    <a:lumOff val="15000"/>
+                  </a:schemeClr>
+                </a:solidFill>
+              </a:rPr>
+              <a:t>Simplified using music21 and </a:t>
+            </a:r>
+            <a:r>
+              <a:rPr lang="en-US" sz="3000" dirty="0" err="1" smtClean="0">
+                <a:solidFill>
+                  <a:schemeClr val="tx1">
+                    <a:lumMod val="85000"/>
+                    <a:lumOff val="15000"/>
+                  </a:schemeClr>
+                </a:solidFill>
+              </a:rPr>
+              <a:t>mido</a:t>
+            </a:r>
+            <a:r>
+              <a:rPr lang="en-US" sz="3000" dirty="0" smtClean="0">
+                <a:solidFill>
+                  <a:schemeClr val="tx1">
+                    <a:lumMod val="85000"/>
+                    <a:lumOff val="15000"/>
+                  </a:schemeClr>
+                </a:solidFill>
+              </a:rPr>
+              <a:t> packages in Python to represent as pitch (with value 0 to 127) vs time</a:t>
+            </a:r>
+          </a:p>
+        </p:txBody>
+      </p:sp>
+      <p:sp>
+        <p:nvSpPr>
+          <p:cNvPr id="87" name="TextBox 86"/>
+          <p:cNvSpPr txBox="1"/>
+          <p:nvPr/>
+        </p:nvSpPr>
+        <p:spPr>
+          <a:xfrm>
+            <a:off x="4625821" y="24902836"/>
+            <a:ext cx="5681997" cy="3323987"/>
+          </a:xfrm>
+          <a:prstGeom prst="rect">
+            <a:avLst/>
+          </a:prstGeom>
+          <a:noFill/>
+        </p:spPr>
+        <p:txBody>
+          <a:bodyPr wrap="square" rtlCol="0">
+            <a:spAutoFit/>
+          </a:bodyPr>
+          <a:lstStyle/>
+          <a:p>
+            <a:pPr marL="457200" indent="-457200">
+              <a:buFont typeface="Arial" charset="0"/>
+              <a:buChar char="•"/>
+            </a:pPr>
+            <a:r>
+              <a:rPr lang="en-US" sz="3000" dirty="0" smtClean="0">
+                <a:solidFill>
+                  <a:schemeClr val="tx1">
+                    <a:lumMod val="85000"/>
+                    <a:lumOff val="15000"/>
+                  </a:schemeClr>
+                </a:solidFill>
+              </a:rPr>
+              <a:t>Quantum dynamics simulations of stilbene decaying from excited to ground state</a:t>
+            </a:r>
+          </a:p>
+          <a:p>
+            <a:pPr marL="457200" indent="-457200">
+              <a:buFont typeface="Arial" charset="0"/>
+              <a:buChar char="•"/>
+            </a:pPr>
+            <a:r>
+              <a:rPr lang="en-US" sz="3000" dirty="0" smtClean="0">
+                <a:solidFill>
+                  <a:schemeClr val="tx1">
+                    <a:lumMod val="85000"/>
+                    <a:lumOff val="15000"/>
+                  </a:schemeClr>
+                </a:solidFill>
+              </a:rPr>
+              <a:t>200 trajectories of potential energy vs. time (femtoseconds)</a:t>
+            </a:r>
+          </a:p>
+          <a:p>
+            <a:pPr marL="457200" indent="-457200">
+              <a:buFont typeface="Arial" charset="0"/>
+              <a:buChar char="•"/>
+            </a:pPr>
+            <a:r>
+              <a:rPr lang="en-US" sz="3000" dirty="0" smtClean="0">
+                <a:solidFill>
+                  <a:schemeClr val="tx1">
+                    <a:lumMod val="85000"/>
+                    <a:lumOff val="15000"/>
+                  </a:schemeClr>
+                </a:solidFill>
+              </a:rPr>
+              <a:t>Potential energy normalized to 50-90 pitch range</a:t>
+            </a:r>
+          </a:p>
+        </p:txBody>
+      </p:sp>
+      <p:sp>
+        <p:nvSpPr>
+          <p:cNvPr id="88" name="TextBox 87"/>
+          <p:cNvSpPr txBox="1"/>
+          <p:nvPr/>
+        </p:nvSpPr>
+        <p:spPr>
+          <a:xfrm>
+            <a:off x="1716688" y="27419933"/>
+            <a:ext cx="2168423" cy="553998"/>
+          </a:xfrm>
+          <a:prstGeom prst="rect">
+            <a:avLst/>
+          </a:prstGeom>
+          <a:noFill/>
+        </p:spPr>
+        <p:txBody>
+          <a:bodyPr wrap="square" rtlCol="0">
+            <a:spAutoFit/>
+          </a:bodyPr>
+          <a:lstStyle/>
+          <a:p>
+            <a:pPr algn="ctr"/>
+            <a:r>
+              <a:rPr lang="en-US" sz="3000" i="1" dirty="0" smtClean="0">
+                <a:solidFill>
+                  <a:schemeClr val="tx1">
+                    <a:lumMod val="85000"/>
+                    <a:lumOff val="15000"/>
+                  </a:schemeClr>
+                </a:solidFill>
+                <a:latin typeface="Calibri" panose="020F0502020204030204" pitchFamily="34" charset="0"/>
+              </a:rPr>
+              <a:t>(Z)-Stilbene</a:t>
+            </a:r>
+            <a:endParaRPr lang="en-US" sz="3000" i="1" dirty="0">
+              <a:solidFill>
+                <a:schemeClr val="tx1">
+                  <a:lumMod val="85000"/>
+                  <a:lumOff val="15000"/>
+                </a:schemeClr>
+              </a:solidFill>
+              <a:latin typeface="Calibri" panose="020F0502020204030204" pitchFamily="34" charset="0"/>
+            </a:endParaRPr>
+          </a:p>
+        </p:txBody>
+      </p:sp>
+      <p:sp>
+        <p:nvSpPr>
+          <p:cNvPr id="89" name="TextBox 88"/>
+          <p:cNvSpPr txBox="1"/>
+          <p:nvPr/>
+        </p:nvSpPr>
+        <p:spPr>
+          <a:xfrm>
+            <a:off x="25723676" y="14849422"/>
+            <a:ext cx="7501498" cy="2400657"/>
+          </a:xfrm>
+          <a:prstGeom prst="rect">
+            <a:avLst/>
+          </a:prstGeom>
+          <a:noFill/>
+        </p:spPr>
+        <p:txBody>
+          <a:bodyPr wrap="square" rtlCol="0">
+            <a:spAutoFit/>
+          </a:bodyPr>
+          <a:lstStyle/>
+          <a:p>
+            <a:pPr marL="457200" indent="-457200">
+              <a:buFont typeface="Arial" charset="0"/>
+              <a:buChar char="•"/>
+            </a:pPr>
+            <a:r>
+              <a:rPr lang="en-US" sz="3000" dirty="0" smtClean="0">
+                <a:solidFill>
+                  <a:schemeClr val="tx1">
+                    <a:lumMod val="85000"/>
+                    <a:lumOff val="15000"/>
+                  </a:schemeClr>
+                </a:solidFill>
+                <a:latin typeface="Calibri" panose="020F0502020204030204" pitchFamily="34" charset="0"/>
+              </a:rPr>
+              <a:t>use a Gaussian Mixture Model with the EM algorithm to cluster snippets of all trajectories based on distance and gradient</a:t>
+            </a:r>
+          </a:p>
+          <a:p>
+            <a:pPr marL="457200" indent="-457200">
+              <a:buFont typeface="Arial" charset="0"/>
+              <a:buChar char="•"/>
+            </a:pPr>
+            <a:r>
+              <a:rPr lang="en-US" sz="3000" dirty="0" smtClean="0">
+                <a:solidFill>
+                  <a:schemeClr val="tx1">
+                    <a:lumMod val="85000"/>
+                    <a:lumOff val="15000"/>
+                  </a:schemeClr>
+                </a:solidFill>
+                <a:latin typeface="Calibri" panose="020F0502020204030204" pitchFamily="34" charset="0"/>
+              </a:rPr>
+              <a:t>Match snippets to motifs in a given musical piece </a:t>
+            </a:r>
+            <a:endParaRPr lang="en-US" sz="3000" dirty="0">
+              <a:solidFill>
+                <a:schemeClr val="tx1">
+                  <a:lumMod val="85000"/>
+                  <a:lumOff val="15000"/>
+                </a:schemeClr>
+              </a:solidFill>
+              <a:latin typeface="Calibri" panose="020F0502020204030204" pitchFamily="34" charset="0"/>
+            </a:endParaRPr>
+          </a:p>
+        </p:txBody>
+      </p:sp>
+      <p:pic>
+        <p:nvPicPr>
+          <p:cNvPr id="79" name="Picture 78"/>
+          <p:cNvPicPr>
+            <a:picLocks noChangeAspect="1"/>
+          </p:cNvPicPr>
+          <p:nvPr/>
+        </p:nvPicPr>
+        <p:blipFill rotWithShape="1">
+          <a:blip r:embed="rId19">
+            <a:extLst>
+              <a:ext uri="{28A0092B-C50C-407E-A947-70E740481C1C}">
+                <a14:useLocalDpi xmlns:a14="http://schemas.microsoft.com/office/drawing/2010/main" val="0"/>
+              </a:ext>
+            </a:extLst>
+          </a:blip>
+          <a:srcRect l="46486" t="5630" r="4186" b="5625"/>
+          <a:stretch/>
+        </p:blipFill>
+        <p:spPr>
+          <a:xfrm>
+            <a:off x="19476149" y="6702414"/>
+            <a:ext cx="4435048" cy="2826682"/>
+          </a:xfrm>
+          <a:prstGeom prst="rect">
+            <a:avLst/>
+          </a:prstGeom>
+        </p:spPr>
+      </p:pic>
+      <p:sp>
+        <p:nvSpPr>
+          <p:cNvPr id="91" name="TextBox 90"/>
+          <p:cNvSpPr txBox="1"/>
+          <p:nvPr/>
+        </p:nvSpPr>
+        <p:spPr>
+          <a:xfrm>
+            <a:off x="15485637" y="18271139"/>
+            <a:ext cx="3996203" cy="1938992"/>
+          </a:xfrm>
+          <a:prstGeom prst="rect">
+            <a:avLst/>
+          </a:prstGeom>
+          <a:noFill/>
+        </p:spPr>
+        <p:txBody>
+          <a:bodyPr wrap="square" rtlCol="0">
+            <a:spAutoFit/>
+          </a:bodyPr>
+          <a:lstStyle/>
+          <a:p>
+            <a:r>
+              <a:rPr lang="en-US" sz="2400" b="1" dirty="0" smtClean="0">
+                <a:solidFill>
+                  <a:schemeClr val="tx1">
+                    <a:lumMod val="85000"/>
+                    <a:lumOff val="15000"/>
+                  </a:schemeClr>
+                </a:solidFill>
+              </a:rPr>
+              <a:t>Architecture:</a:t>
+            </a:r>
+          </a:p>
+          <a:p>
+            <a:pPr marL="342900" indent="-342900">
+              <a:buFont typeface="Arial" charset="0"/>
+              <a:buChar char="•"/>
+            </a:pPr>
+            <a:r>
+              <a:rPr lang="en-US" sz="2400" dirty="0" smtClean="0">
+                <a:solidFill>
+                  <a:schemeClr val="tx1">
+                    <a:lumMod val="85000"/>
+                    <a:lumOff val="15000"/>
+                  </a:schemeClr>
+                </a:solidFill>
+              </a:rPr>
+              <a:t>LSTM with 256 hidden units</a:t>
+            </a:r>
+          </a:p>
+          <a:p>
+            <a:pPr marL="342900" indent="-342900">
+              <a:buFont typeface="Arial" charset="0"/>
+              <a:buChar char="•"/>
+            </a:pPr>
+            <a:r>
+              <a:rPr lang="en-US" sz="2400" dirty="0" smtClean="0">
+                <a:solidFill>
+                  <a:schemeClr val="tx1">
+                    <a:lumMod val="85000"/>
+                    <a:lumOff val="15000"/>
+                  </a:schemeClr>
+                </a:solidFill>
+              </a:rPr>
+              <a:t>LSTM with 38 hidden units</a:t>
+            </a:r>
+          </a:p>
+          <a:p>
+            <a:pPr marL="342900" indent="-342900">
+              <a:buFont typeface="Arial" charset="0"/>
+              <a:buChar char="•"/>
+            </a:pPr>
+            <a:r>
+              <a:rPr lang="en-US" sz="2400" dirty="0" smtClean="0">
+                <a:solidFill>
+                  <a:schemeClr val="tx1">
+                    <a:lumMod val="85000"/>
+                    <a:lumOff val="15000"/>
+                  </a:schemeClr>
+                </a:solidFill>
+              </a:rPr>
+              <a:t>Dense layer with </a:t>
+            </a:r>
+            <a:r>
+              <a:rPr lang="en-US" sz="2400" dirty="0" err="1" smtClean="0">
+                <a:solidFill>
+                  <a:schemeClr val="tx1">
+                    <a:lumMod val="85000"/>
+                    <a:lumOff val="15000"/>
+                  </a:schemeClr>
+                </a:solidFill>
+              </a:rPr>
+              <a:t>softmax</a:t>
+            </a:r>
+            <a:r>
+              <a:rPr lang="en-US" sz="2400" dirty="0" smtClean="0">
+                <a:solidFill>
+                  <a:schemeClr val="tx1">
+                    <a:lumMod val="85000"/>
+                    <a:lumOff val="15000"/>
+                  </a:schemeClr>
+                </a:solidFill>
+              </a:rPr>
+              <a:t> activation</a:t>
+            </a:r>
+            <a:endParaRPr lang="en-US" sz="2400" dirty="0">
+              <a:solidFill>
+                <a:schemeClr val="tx1">
+                  <a:lumMod val="85000"/>
+                  <a:lumOff val="15000"/>
+                </a:schemeClr>
+              </a:solidFill>
+            </a:endParaRPr>
+          </a:p>
+        </p:txBody>
+      </p:sp>
+      <p:sp>
+        <p:nvSpPr>
+          <p:cNvPr id="92" name="TextBox 91"/>
+          <p:cNvSpPr txBox="1"/>
+          <p:nvPr/>
+        </p:nvSpPr>
+        <p:spPr>
+          <a:xfrm>
+            <a:off x="12048903" y="7609673"/>
+            <a:ext cx="6905926" cy="1569660"/>
+          </a:xfrm>
+          <a:prstGeom prst="rect">
+            <a:avLst/>
+          </a:prstGeom>
+          <a:noFill/>
+        </p:spPr>
+        <p:txBody>
+          <a:bodyPr wrap="square" rtlCol="0">
+            <a:spAutoFit/>
+          </a:bodyPr>
+          <a:lstStyle/>
+          <a:p>
+            <a:pPr marL="342900" indent="-342900">
+              <a:buFont typeface="Arial" charset="0"/>
+              <a:buChar char="•"/>
+            </a:pPr>
+            <a:r>
+              <a:rPr lang="en-US" sz="2400" dirty="0" smtClean="0"/>
+              <a:t>Convolution over each musical piece</a:t>
+            </a:r>
+          </a:p>
+          <a:p>
+            <a:pPr marL="342900" indent="-342900">
+              <a:buFont typeface="Arial" charset="0"/>
+              <a:buChar char="•"/>
+            </a:pPr>
+            <a:r>
+              <a:rPr lang="en-US" sz="2400" dirty="0" smtClean="0"/>
+              <a:t>One-hot encoding</a:t>
+            </a:r>
+          </a:p>
+          <a:p>
+            <a:pPr marL="342900" indent="-342900">
+              <a:buFont typeface="Arial" charset="0"/>
+              <a:buChar char="•"/>
+            </a:pPr>
+            <a:r>
+              <a:rPr lang="en-US" sz="2400" dirty="0" smtClean="0"/>
+              <a:t>Supervised: predict next note based on previous 50 notes</a:t>
+            </a:r>
+            <a:endParaRPr lang="en-US" sz="2400" dirty="0"/>
+          </a:p>
+        </p:txBody>
+      </p:sp>
+      <p:sp>
+        <p:nvSpPr>
+          <p:cNvPr id="93" name="TextBox 92"/>
+          <p:cNvSpPr txBox="1"/>
+          <p:nvPr/>
+        </p:nvSpPr>
+        <p:spPr>
+          <a:xfrm>
+            <a:off x="26197778" y="20146060"/>
+            <a:ext cx="6790217" cy="830997"/>
+          </a:xfrm>
+          <a:prstGeom prst="rect">
+            <a:avLst/>
+          </a:prstGeom>
+          <a:noFill/>
+        </p:spPr>
+        <p:txBody>
+          <a:bodyPr wrap="square" rtlCol="0">
+            <a:spAutoFit/>
+          </a:bodyPr>
+          <a:lstStyle/>
+          <a:p>
+            <a:r>
+              <a:rPr lang="en-US" sz="2400" i="1" dirty="0" smtClean="0">
+                <a:solidFill>
+                  <a:schemeClr val="tx1">
+                    <a:lumMod val="85000"/>
+                    <a:lumOff val="15000"/>
+                  </a:schemeClr>
+                </a:solidFill>
+              </a:rPr>
+              <a:t>Population </a:t>
+            </a:r>
+            <a:r>
+              <a:rPr lang="en-US" sz="2400" i="1" smtClean="0">
+                <a:solidFill>
+                  <a:schemeClr val="tx1">
+                    <a:lumMod val="85000"/>
+                    <a:lumOff val="15000"/>
+                  </a:schemeClr>
+                </a:solidFill>
+              </a:rPr>
+              <a:t>of trajectory snippets for EM with 16 GMM means</a:t>
+            </a:r>
+            <a:endParaRPr lang="en-US" sz="2400" i="1" dirty="0">
+              <a:solidFill>
+                <a:schemeClr val="tx1">
+                  <a:lumMod val="85000"/>
+                  <a:lumOff val="15000"/>
+                </a:schemeClr>
+              </a:solidFill>
+            </a:endParaRPr>
+          </a:p>
+        </p:txBody>
+      </p:sp>
+      <p:sp>
+        <p:nvSpPr>
+          <p:cNvPr id="94" name="TextBox 93"/>
+          <p:cNvSpPr txBox="1"/>
+          <p:nvPr/>
+        </p:nvSpPr>
+        <p:spPr>
+          <a:xfrm>
+            <a:off x="11443838" y="6442345"/>
+            <a:ext cx="8161572" cy="830997"/>
+          </a:xfrm>
+          <a:prstGeom prst="rect">
+            <a:avLst/>
+          </a:prstGeom>
+          <a:noFill/>
+        </p:spPr>
+        <p:txBody>
+          <a:bodyPr wrap="square" rtlCol="0">
+            <a:spAutoFit/>
+          </a:bodyPr>
+          <a:lstStyle/>
+          <a:p>
+            <a:r>
+              <a:rPr lang="en-US" sz="4800" b="1" i="1" dirty="0" smtClean="0">
+                <a:solidFill>
+                  <a:srgbClr val="A80C30"/>
+                </a:solidFill>
+                <a:latin typeface="Calibri" panose="020F0502020204030204" pitchFamily="34" charset="0"/>
+              </a:rPr>
+              <a:t>Predictive models</a:t>
+            </a:r>
+            <a:endParaRPr lang="en-US" sz="4800" b="1" i="1" dirty="0">
+              <a:solidFill>
+                <a:srgbClr val="A80C30"/>
+              </a:solidFill>
+              <a:latin typeface="Calibri" panose="020F0502020204030204" pitchFamily="34" charset="0"/>
+            </a:endParaRPr>
+          </a:p>
+        </p:txBody>
+      </p:sp>
     </p:spTree>
     <p:extLst>
       <p:ext uri="{BB962C8B-B14F-4D97-AF65-F5344CB8AC3E}">
